--- a/课程PPT/03.JavaScript语法、表达式及语句、运算符.pptx
+++ b/课程PPT/03.JavaScript语法、表达式及语句、运算符.pptx
@@ -5037,58 +5037,6 @@
           </a:p>
         </p:txBody>
       </p:sp>
-      <p:sp>
-        <p:nvSpPr>
-          <p:cNvPr id="8" name="文本框 7"/>
-          <p:cNvSpPr txBox="1"/>
-          <p:nvPr/>
-        </p:nvSpPr>
-        <p:spPr>
-          <a:xfrm>
-            <a:off x="8870315" y="3960495"/>
-            <a:ext cx="2483485" cy="429895"/>
-          </a:xfrm>
-          <a:prstGeom prst="rect">
-            <a:avLst/>
-          </a:prstGeom>
-          <a:noFill/>
-        </p:spPr>
-        <p:txBody>
-          <a:bodyPr wrap="square" rtlCol="0">
-            <a:spAutoFit/>
-          </a:bodyPr>
-          <a:p>
-            <a:pPr algn="l"/>
-            <a:r>
-              <a:rPr lang="zh-CN" altLang="en-US" sz="2200">
-                <a:solidFill>
-                  <a:srgbClr val="FF0000"/>
-                </a:solidFill>
-                <a:latin typeface="+mn-ea"/>
-                <a:ea typeface="+mn-ea"/>
-              </a:rPr>
-              <a:t>参见实例</a:t>
-            </a:r>
-            <a:r>
-              <a:rPr lang="en-US" altLang="zh-CN" sz="2200">
-                <a:solidFill>
-                  <a:srgbClr val="FF0000"/>
-                </a:solidFill>
-                <a:latin typeface="+mn-ea"/>
-                <a:ea typeface="+mn-ea"/>
-              </a:rPr>
-              <a:t>demo07</a:t>
-            </a:r>
-            <a:endParaRPr lang="en-US" altLang="zh-CN" sz="2200">
-              <a:solidFill>
-                <a:srgbClr val="FF0000"/>
-              </a:solidFill>
-              <a:latin typeface="+mn-ea"/>
-              <a:ea typeface="+mn-ea"/>
-            </a:endParaRPr>
-          </a:p>
-        </p:txBody>
-      </p:sp>
       <p:pic>
         <p:nvPicPr>
           <p:cNvPr id="4" name="图片 3"/>
@@ -5153,7 +5101,7 @@
         </p:blipFill>
         <p:spPr>
           <a:xfrm>
-            <a:off x="1252855" y="4407535"/>
+            <a:off x="1252855" y="4335780"/>
             <a:ext cx="2980690" cy="1502410"/>
           </a:xfrm>
           <a:prstGeom prst="rect">
@@ -5177,7 +5125,7 @@
         </p:blipFill>
         <p:spPr>
           <a:xfrm>
-            <a:off x="4812665" y="4390390"/>
+            <a:off x="4812665" y="4318635"/>
             <a:ext cx="5673725" cy="1837055"/>
           </a:xfrm>
           <a:prstGeom prst="rect">
@@ -5185,6 +5133,68 @@
           </a:prstGeom>
         </p:spPr>
       </p:pic>
+      <p:sp>
+        <p:nvSpPr>
+          <p:cNvPr id="8" name="文本框 7"/>
+          <p:cNvSpPr txBox="1"/>
+          <p:nvPr/>
+        </p:nvSpPr>
+        <p:spPr>
+          <a:xfrm>
+            <a:off x="5217795" y="6306185"/>
+            <a:ext cx="5425440" cy="429895"/>
+          </a:xfrm>
+          <a:prstGeom prst="rect">
+            <a:avLst/>
+          </a:prstGeom>
+          <a:noFill/>
+        </p:spPr>
+        <p:txBody>
+          <a:bodyPr wrap="square" rtlCol="0">
+            <a:spAutoFit/>
+          </a:bodyPr>
+          <a:p>
+            <a:pPr algn="l"/>
+            <a:r>
+              <a:rPr lang="zh-CN" altLang="en-US" sz="2200">
+                <a:solidFill>
+                  <a:srgbClr val="FF0000"/>
+                </a:solidFill>
+                <a:latin typeface="+mn-ea"/>
+                <a:ea typeface="+mn-ea"/>
+              </a:rPr>
+              <a:t>参见实例</a:t>
+            </a:r>
+            <a:r>
+              <a:rPr lang="en-US" altLang="zh-CN" sz="2200">
+                <a:solidFill>
+                  <a:srgbClr val="FF0000"/>
+                </a:solidFill>
+                <a:latin typeface="+mn-ea"/>
+                <a:ea typeface="+mn-ea"/>
+              </a:rPr>
+              <a:t>demo07 </a:t>
+            </a:r>
+            <a:r>
+              <a:rPr lang="zh-CN" altLang="en-US" sz="2200">
+                <a:solidFill>
+                  <a:srgbClr val="FF0000"/>
+                </a:solidFill>
+                <a:latin typeface="+mn-ea"/>
+                <a:ea typeface="+mn-ea"/>
+              </a:rPr>
+              <a:t>查看更多严格模式案例</a:t>
+            </a:r>
+            <a:endParaRPr lang="zh-CN" altLang="en-US" sz="2200">
+              <a:solidFill>
+                <a:srgbClr val="FF0000"/>
+              </a:solidFill>
+              <a:latin typeface="+mn-ea"/>
+              <a:ea typeface="+mn-ea"/>
+            </a:endParaRPr>
+          </a:p>
+        </p:txBody>
+      </p:sp>
     </p:spTree>
   </p:cSld>
   <p:clrMapOvr>
@@ -5193,9 +5203,126 @@
   <p:timing>
     <p:tnLst>
       <p:par>
-        <p:cTn id="1" dur="indefinite" restart="never" nodeType="tmRoot"/>
+        <p:cTn id="1" dur="indefinite" restart="never" nodeType="tmRoot">
+          <p:childTnLst>
+            <p:seq concurrent="1" nextAc="seek">
+              <p:cTn id="2" dur="indefinite" nodeType="mainSeq">
+                <p:childTnLst>
+                  <p:par>
+                    <p:cTn id="3" fill="hold">
+                      <p:stCondLst>
+                        <p:cond delay="indefinite"/>
+                      </p:stCondLst>
+                      <p:childTnLst>
+                        <p:par>
+                          <p:cTn id="4" fill="hold">
+                            <p:stCondLst>
+                              <p:cond delay="0"/>
+                            </p:stCondLst>
+                            <p:childTnLst>
+                              <p:par>
+                                <p:cTn id="5" presetID="2" presetClass="entr" presetSubtype="4" fill="hold" grpId="0" nodeType="clickEffect">
+                                  <p:stCondLst>
+                                    <p:cond delay="0"/>
+                                  </p:stCondLst>
+                                  <p:childTnLst>
+                                    <p:set>
+                                      <p:cBhvr>
+                                        <p:cTn id="6" dur="1" fill="hold">
+                                          <p:stCondLst>
+                                            <p:cond delay="0"/>
+                                          </p:stCondLst>
+                                        </p:cTn>
+                                        <p:tgtEl>
+                                          <p:spTgt spid="8"/>
+                                        </p:tgtEl>
+                                        <p:attrNameLst>
+                                          <p:attrName>style.visibility</p:attrName>
+                                        </p:attrNameLst>
+                                      </p:cBhvr>
+                                      <p:to>
+                                        <p:strVal val="visible"/>
+                                      </p:to>
+                                    </p:set>
+                                    <p:anim calcmode="lin" valueType="num">
+                                      <p:cBhvr additive="base">
+                                        <p:cTn id="7" dur="500" fill="hold"/>
+                                        <p:tgtEl>
+                                          <p:spTgt spid="8"/>
+                                        </p:tgtEl>
+                                        <p:attrNameLst>
+                                          <p:attrName>ppt_x</p:attrName>
+                                        </p:attrNameLst>
+                                      </p:cBhvr>
+                                      <p:tavLst>
+                                        <p:tav tm="0">
+                                          <p:val>
+                                            <p:strVal val="#ppt_x"/>
+                                          </p:val>
+                                        </p:tav>
+                                        <p:tav tm="100000">
+                                          <p:val>
+                                            <p:strVal val="#ppt_x"/>
+                                          </p:val>
+                                        </p:tav>
+                                      </p:tavLst>
+                                    </p:anim>
+                                    <p:anim calcmode="lin" valueType="num">
+                                      <p:cBhvr additive="base">
+                                        <p:cTn id="8" dur="500" fill="hold"/>
+                                        <p:tgtEl>
+                                          <p:spTgt spid="8"/>
+                                        </p:tgtEl>
+                                        <p:attrNameLst>
+                                          <p:attrName>ppt_y</p:attrName>
+                                        </p:attrNameLst>
+                                      </p:cBhvr>
+                                      <p:tavLst>
+                                        <p:tav tm="0">
+                                          <p:val>
+                                            <p:strVal val="1+#ppt_h/2"/>
+                                          </p:val>
+                                        </p:tav>
+                                        <p:tav tm="100000">
+                                          <p:val>
+                                            <p:strVal val="#ppt_y"/>
+                                          </p:val>
+                                        </p:tav>
+                                      </p:tavLst>
+                                    </p:anim>
+                                  </p:childTnLst>
+                                </p:cTn>
+                              </p:par>
+                            </p:childTnLst>
+                          </p:cTn>
+                        </p:par>
+                      </p:childTnLst>
+                    </p:cTn>
+                  </p:par>
+                </p:childTnLst>
+              </p:cTn>
+              <p:prevCondLst>
+                <p:cond evt="onPrev" delay="0">
+                  <p:tgtEl>
+                    <p:sldTgt/>
+                  </p:tgtEl>
+                </p:cond>
+              </p:prevCondLst>
+              <p:nextCondLst>
+                <p:cond evt="onNext" delay="0">
+                  <p:tgtEl>
+                    <p:sldTgt/>
+                  </p:tgtEl>
+                </p:cond>
+              </p:nextCondLst>
+            </p:seq>
+          </p:childTnLst>
+        </p:cTn>
       </p:par>
     </p:tnLst>
+    <p:bldLst>
+      <p:bldP spid="8" grpId="0"/>
+    </p:bldLst>
   </p:timing>
 </p:sld>
 </file>
@@ -5755,7 +5882,7 @@
         <p:spPr>
           <a:xfrm>
             <a:off x="927735" y="783590"/>
-            <a:ext cx="9715500" cy="5253990"/>
+            <a:ext cx="10674985" cy="5253990"/>
           </a:xfrm>
         </p:spPr>
         <p:txBody>
@@ -5800,7 +5927,7 @@
                 </a:solidFill>
                 <a:sym typeface="+mn-ea"/>
               </a:rPr>
-              <a:t>- </a:t>
+              <a:t>- case</a:t>
             </a:r>
             <a:r>
               <a:rPr lang="zh-CN" sz="2000" dirty="0">
@@ -5809,7 +5936,25 @@
                 </a:solidFill>
                 <a:sym typeface="+mn-ea"/>
               </a:rPr>
-              <a:t>在比较值时使用的是全等操作符,因此不会发生类型转换</a:t>
+              <a:t>在比较时使用的是</a:t>
+            </a:r>
+            <a:r>
+              <a:rPr lang="zh-CN" sz="2000" dirty="0">
+                <a:solidFill>
+                  <a:srgbClr val="FF0000"/>
+                </a:solidFill>
+                <a:sym typeface="+mn-ea"/>
+              </a:rPr>
+              <a:t>全等操作符</a:t>
+            </a:r>
+            <a:r>
+              <a:rPr lang="zh-CN" sz="2000" dirty="0">
+                <a:solidFill>
+                  <a:schemeClr val="tx1"/>
+                </a:solidFill>
+                <a:sym typeface="+mn-ea"/>
+              </a:rPr>
+              <a:t>比较,因此不会发生类型转换</a:t>
             </a:r>
             <a:br>
               <a:rPr lang="zh-CN" sz="2000" dirty="0">
@@ -5970,8 +6115,8 @@
         </p:nvSpPr>
         <p:spPr>
           <a:xfrm>
-            <a:off x="8159750" y="1528445"/>
-            <a:ext cx="2483485" cy="429895"/>
+            <a:off x="5425440" y="6037580"/>
+            <a:ext cx="5796915" cy="429895"/>
           </a:xfrm>
           <a:prstGeom prst="rect">
             <a:avLst/>
@@ -6002,9 +6147,29 @@
                 <a:latin typeface="+mn-ea"/>
                 <a:ea typeface="+mn-ea"/>
               </a:rPr>
-              <a:t>demo08</a:t>
-            </a:r>
-            <a:endParaRPr lang="en-US" altLang="zh-CN" sz="2200">
+              <a:t>demo08 switch</a:t>
+            </a:r>
+            <a:r>
+              <a:rPr lang="zh-CN" altLang="en-US" sz="2200">
+                <a:solidFill>
+                  <a:srgbClr val="FF0000"/>
+                </a:solidFill>
+                <a:latin typeface="+mn-ea"/>
+                <a:ea typeface="+mn-ea"/>
+              </a:rPr>
+              <a:t>与</a:t>
+            </a:r>
+            <a:r>
+              <a:rPr lang="zh-CN" altLang="en-US" sz="2200">
+                <a:solidFill>
+                  <a:srgbClr val="FF0000"/>
+                </a:solidFill>
+                <a:latin typeface="+mn-ea"/>
+                <a:ea typeface="+mn-ea"/>
+              </a:rPr>
+              <a:t>数据类型案例</a:t>
+            </a:r>
+            <a:endParaRPr lang="zh-CN" altLang="en-US" sz="2200">
               <a:solidFill>
                 <a:srgbClr val="FF0000"/>
               </a:solidFill>
@@ -6070,9 +6235,126 @@
   <p:timing>
     <p:tnLst>
       <p:par>
-        <p:cTn id="1" dur="indefinite" restart="never" nodeType="tmRoot"/>
+        <p:cTn id="1" dur="indefinite" restart="never" nodeType="tmRoot">
+          <p:childTnLst>
+            <p:seq concurrent="1" nextAc="seek">
+              <p:cTn id="2" dur="indefinite" nodeType="mainSeq">
+                <p:childTnLst>
+                  <p:par>
+                    <p:cTn id="3" fill="hold">
+                      <p:stCondLst>
+                        <p:cond delay="indefinite"/>
+                      </p:stCondLst>
+                      <p:childTnLst>
+                        <p:par>
+                          <p:cTn id="4" fill="hold">
+                            <p:stCondLst>
+                              <p:cond delay="0"/>
+                            </p:stCondLst>
+                            <p:childTnLst>
+                              <p:par>
+                                <p:cTn id="5" presetID="2" presetClass="entr" presetSubtype="4" fill="hold" grpId="0" nodeType="clickEffect">
+                                  <p:stCondLst>
+                                    <p:cond delay="0"/>
+                                  </p:stCondLst>
+                                  <p:childTnLst>
+                                    <p:set>
+                                      <p:cBhvr>
+                                        <p:cTn id="6" dur="1" fill="hold">
+                                          <p:stCondLst>
+                                            <p:cond delay="0"/>
+                                          </p:stCondLst>
+                                        </p:cTn>
+                                        <p:tgtEl>
+                                          <p:spTgt spid="8"/>
+                                        </p:tgtEl>
+                                        <p:attrNameLst>
+                                          <p:attrName>style.visibility</p:attrName>
+                                        </p:attrNameLst>
+                                      </p:cBhvr>
+                                      <p:to>
+                                        <p:strVal val="visible"/>
+                                      </p:to>
+                                    </p:set>
+                                    <p:anim calcmode="lin" valueType="num">
+                                      <p:cBhvr additive="base">
+                                        <p:cTn id="7" dur="500" fill="hold"/>
+                                        <p:tgtEl>
+                                          <p:spTgt spid="8"/>
+                                        </p:tgtEl>
+                                        <p:attrNameLst>
+                                          <p:attrName>ppt_x</p:attrName>
+                                        </p:attrNameLst>
+                                      </p:cBhvr>
+                                      <p:tavLst>
+                                        <p:tav tm="0">
+                                          <p:val>
+                                            <p:strVal val="#ppt_x"/>
+                                          </p:val>
+                                        </p:tav>
+                                        <p:tav tm="100000">
+                                          <p:val>
+                                            <p:strVal val="#ppt_x"/>
+                                          </p:val>
+                                        </p:tav>
+                                      </p:tavLst>
+                                    </p:anim>
+                                    <p:anim calcmode="lin" valueType="num">
+                                      <p:cBhvr additive="base">
+                                        <p:cTn id="8" dur="500" fill="hold"/>
+                                        <p:tgtEl>
+                                          <p:spTgt spid="8"/>
+                                        </p:tgtEl>
+                                        <p:attrNameLst>
+                                          <p:attrName>ppt_y</p:attrName>
+                                        </p:attrNameLst>
+                                      </p:cBhvr>
+                                      <p:tavLst>
+                                        <p:tav tm="0">
+                                          <p:val>
+                                            <p:strVal val="1+#ppt_h/2"/>
+                                          </p:val>
+                                        </p:tav>
+                                        <p:tav tm="100000">
+                                          <p:val>
+                                            <p:strVal val="#ppt_y"/>
+                                          </p:val>
+                                        </p:tav>
+                                      </p:tavLst>
+                                    </p:anim>
+                                  </p:childTnLst>
+                                </p:cTn>
+                              </p:par>
+                            </p:childTnLst>
+                          </p:cTn>
+                        </p:par>
+                      </p:childTnLst>
+                    </p:cTn>
+                  </p:par>
+                </p:childTnLst>
+              </p:cTn>
+              <p:prevCondLst>
+                <p:cond evt="onPrev" delay="0">
+                  <p:tgtEl>
+                    <p:sldTgt/>
+                  </p:tgtEl>
+                </p:cond>
+              </p:prevCondLst>
+              <p:nextCondLst>
+                <p:cond evt="onNext" delay="0">
+                  <p:tgtEl>
+                    <p:sldTgt/>
+                  </p:tgtEl>
+                </p:cond>
+              </p:nextCondLst>
+            </p:seq>
+          </p:childTnLst>
+        </p:cTn>
       </p:par>
     </p:tnLst>
+    <p:bldLst>
+      <p:bldP spid="8" grpId="0"/>
+    </p:bldLst>
   </p:timing>
 </p:sld>
 </file>
@@ -6244,7 +6526,7 @@
         <p:spPr>
           <a:xfrm>
             <a:off x="6383655" y="5169535"/>
-            <a:ext cx="2483485" cy="429895"/>
+            <a:ext cx="4594860" cy="429895"/>
           </a:xfrm>
           <a:prstGeom prst="rect">
             <a:avLst/>
@@ -6275,9 +6557,19 @@
                 <a:latin typeface="+mn-ea"/>
                 <a:ea typeface="+mn-ea"/>
               </a:rPr>
-              <a:t>demo09</a:t>
-            </a:r>
-            <a:endParaRPr lang="en-US" altLang="zh-CN" sz="2200">
+              <a:t>demo09 switch</a:t>
+            </a:r>
+            <a:r>
+              <a:rPr lang="zh-CN" altLang="en-US" sz="2200">
+                <a:solidFill>
+                  <a:srgbClr val="FF0000"/>
+                </a:solidFill>
+                <a:latin typeface="+mn-ea"/>
+                <a:ea typeface="+mn-ea"/>
+              </a:rPr>
+              <a:t>贯穿案例</a:t>
+            </a:r>
+            <a:endParaRPr lang="zh-CN" altLang="en-US" sz="2200">
               <a:solidFill>
                 <a:srgbClr val="FF0000"/>
               </a:solidFill>
@@ -6320,7 +6612,7 @@
         <p:spPr>
           <a:xfrm>
             <a:off x="6383655" y="1607820"/>
-            <a:ext cx="2483485" cy="2461260"/>
+            <a:ext cx="2635885" cy="3138170"/>
           </a:xfrm>
           <a:prstGeom prst="rect">
             <a:avLst/>
@@ -6381,7 +6673,47 @@
                 <a:latin typeface="+mn-ea"/>
                 <a:ea typeface="+mn-ea"/>
               </a:rPr>
-              <a:t>为止</a:t>
+              <a:t>为止，若都没有</a:t>
+            </a:r>
+            <a:r>
+              <a:rPr lang="en-US" altLang="zh-CN" sz="2200">
+                <a:solidFill>
+                  <a:schemeClr val="accent3"/>
+                </a:solidFill>
+                <a:latin typeface="+mn-ea"/>
+                <a:ea typeface="+mn-ea"/>
+              </a:rPr>
+              <a:t>break</a:t>
+            </a:r>
+            <a:r>
+              <a:rPr lang="zh-CN" altLang="en-US" sz="2200">
+                <a:solidFill>
+                  <a:schemeClr val="accent3"/>
+                </a:solidFill>
+                <a:latin typeface="+mn-ea"/>
+                <a:ea typeface="+mn-ea"/>
+              </a:rPr>
+              <a:t>则直到</a:t>
+            </a:r>
+            <a:r>
+              <a:rPr lang="en-US" altLang="zh-CN" sz="2200">
+                <a:solidFill>
+                  <a:schemeClr val="accent3"/>
+                </a:solidFill>
+                <a:latin typeface="+mn-ea"/>
+                <a:ea typeface="+mn-ea"/>
+              </a:rPr>
+              <a:t>default</a:t>
+            </a:r>
+            <a:r>
+              <a:rPr lang="zh-CN" altLang="en-US" sz="2200">
+                <a:solidFill>
+                  <a:schemeClr val="accent3"/>
+                </a:solidFill>
+                <a:latin typeface="+mn-ea"/>
+                <a:ea typeface="+mn-ea"/>
+              </a:rPr>
+              <a:t>结束为止</a:t>
             </a:r>
             <a:endParaRPr lang="zh-CN" altLang="en-US" sz="2200">
               <a:solidFill>
@@ -6431,9 +6763,126 @@
   <p:timing>
     <p:tnLst>
       <p:par>
-        <p:cTn id="1" dur="indefinite" restart="never" nodeType="tmRoot"/>
+        <p:cTn id="1" dur="indefinite" restart="never" nodeType="tmRoot">
+          <p:childTnLst>
+            <p:seq concurrent="1" nextAc="seek">
+              <p:cTn id="2" dur="indefinite" nodeType="mainSeq">
+                <p:childTnLst>
+                  <p:par>
+                    <p:cTn id="3" fill="hold">
+                      <p:stCondLst>
+                        <p:cond delay="indefinite"/>
+                      </p:stCondLst>
+                      <p:childTnLst>
+                        <p:par>
+                          <p:cTn id="4" fill="hold">
+                            <p:stCondLst>
+                              <p:cond delay="0"/>
+                            </p:stCondLst>
+                            <p:childTnLst>
+                              <p:par>
+                                <p:cTn id="5" presetID="2" presetClass="entr" presetSubtype="4" fill="hold" grpId="0" nodeType="clickEffect">
+                                  <p:stCondLst>
+                                    <p:cond delay="0"/>
+                                  </p:stCondLst>
+                                  <p:childTnLst>
+                                    <p:set>
+                                      <p:cBhvr>
+                                        <p:cTn id="6" dur="1" fill="hold">
+                                          <p:stCondLst>
+                                            <p:cond delay="0"/>
+                                          </p:stCondLst>
+                                        </p:cTn>
+                                        <p:tgtEl>
+                                          <p:spTgt spid="8"/>
+                                        </p:tgtEl>
+                                        <p:attrNameLst>
+                                          <p:attrName>style.visibility</p:attrName>
+                                        </p:attrNameLst>
+                                      </p:cBhvr>
+                                      <p:to>
+                                        <p:strVal val="visible"/>
+                                      </p:to>
+                                    </p:set>
+                                    <p:anim calcmode="lin" valueType="num">
+                                      <p:cBhvr additive="base">
+                                        <p:cTn id="7" dur="500" fill="hold"/>
+                                        <p:tgtEl>
+                                          <p:spTgt spid="8"/>
+                                        </p:tgtEl>
+                                        <p:attrNameLst>
+                                          <p:attrName>ppt_x</p:attrName>
+                                        </p:attrNameLst>
+                                      </p:cBhvr>
+                                      <p:tavLst>
+                                        <p:tav tm="0">
+                                          <p:val>
+                                            <p:strVal val="#ppt_x"/>
+                                          </p:val>
+                                        </p:tav>
+                                        <p:tav tm="100000">
+                                          <p:val>
+                                            <p:strVal val="#ppt_x"/>
+                                          </p:val>
+                                        </p:tav>
+                                      </p:tavLst>
+                                    </p:anim>
+                                    <p:anim calcmode="lin" valueType="num">
+                                      <p:cBhvr additive="base">
+                                        <p:cTn id="8" dur="500" fill="hold"/>
+                                        <p:tgtEl>
+                                          <p:spTgt spid="8"/>
+                                        </p:tgtEl>
+                                        <p:attrNameLst>
+                                          <p:attrName>ppt_y</p:attrName>
+                                        </p:attrNameLst>
+                                      </p:cBhvr>
+                                      <p:tavLst>
+                                        <p:tav tm="0">
+                                          <p:val>
+                                            <p:strVal val="1+#ppt_h/2"/>
+                                          </p:val>
+                                        </p:tav>
+                                        <p:tav tm="100000">
+                                          <p:val>
+                                            <p:strVal val="#ppt_y"/>
+                                          </p:val>
+                                        </p:tav>
+                                      </p:tavLst>
+                                    </p:anim>
+                                  </p:childTnLst>
+                                </p:cTn>
+                              </p:par>
+                            </p:childTnLst>
+                          </p:cTn>
+                        </p:par>
+                      </p:childTnLst>
+                    </p:cTn>
+                  </p:par>
+                </p:childTnLst>
+              </p:cTn>
+              <p:prevCondLst>
+                <p:cond evt="onPrev" delay="0">
+                  <p:tgtEl>
+                    <p:sldTgt/>
+                  </p:tgtEl>
+                </p:cond>
+              </p:prevCondLst>
+              <p:nextCondLst>
+                <p:cond evt="onNext" delay="0">
+                  <p:tgtEl>
+                    <p:sldTgt/>
+                  </p:tgtEl>
+                </p:cond>
+              </p:nextCondLst>
+            </p:seq>
+          </p:childTnLst>
+        </p:cTn>
       </p:par>
     </p:tnLst>
+    <p:bldLst>
+      <p:bldP spid="8" grpId="0"/>
+    </p:bldLst>
   </p:timing>
 </p:sld>
 </file>
@@ -6557,16 +7006,7 @@
                 </a:solidFill>
                 <a:sym typeface="+mn-ea"/>
               </a:rPr>
-              <a:t>常用来</a:t>
-            </a:r>
-            <a:r>
-              <a:rPr lang="zh-CN" altLang="en-US" sz="3200" dirty="0">
-                <a:solidFill>
-                  <a:schemeClr val="tx1"/>
-                </a:solidFill>
-                <a:sym typeface="+mn-ea"/>
-              </a:rPr>
-              <a:t>遍历对象</a:t>
+              <a:t>常用来遍历对象</a:t>
             </a:r>
             <a:endParaRPr lang="zh-CN" altLang="en-US" sz="3200" dirty="0">
               <a:solidFill>
@@ -6677,8 +7117,8 @@
         </p:nvSpPr>
         <p:spPr>
           <a:xfrm>
-            <a:off x="7290435" y="1861820"/>
-            <a:ext cx="2483485" cy="429895"/>
+            <a:off x="6665595" y="6037580"/>
+            <a:ext cx="4266565" cy="429895"/>
           </a:xfrm>
           <a:prstGeom prst="rect">
             <a:avLst/>
@@ -6709,9 +7149,19 @@
                 <a:latin typeface="+mn-ea"/>
                 <a:ea typeface="+mn-ea"/>
               </a:rPr>
-              <a:t>demo10</a:t>
-            </a:r>
-            <a:endParaRPr lang="en-US" altLang="zh-CN" sz="2200">
+              <a:t>demo10 for...in</a:t>
+            </a:r>
+            <a:r>
+              <a:rPr lang="zh-CN" altLang="en-US" sz="2200">
+                <a:solidFill>
+                  <a:srgbClr val="FF0000"/>
+                </a:solidFill>
+                <a:latin typeface="+mn-ea"/>
+                <a:ea typeface="+mn-ea"/>
+              </a:rPr>
+              <a:t>案例</a:t>
+            </a:r>
+            <a:endParaRPr lang="zh-CN" altLang="en-US" sz="2200">
               <a:solidFill>
                 <a:srgbClr val="FF0000"/>
               </a:solidFill>
@@ -6777,9 +7227,126 @@
   <p:timing>
     <p:tnLst>
       <p:par>
-        <p:cTn id="1" dur="indefinite" restart="never" nodeType="tmRoot"/>
+        <p:cTn id="1" dur="indefinite" restart="never" nodeType="tmRoot">
+          <p:childTnLst>
+            <p:seq concurrent="1" nextAc="seek">
+              <p:cTn id="2" dur="indefinite" nodeType="mainSeq">
+                <p:childTnLst>
+                  <p:par>
+                    <p:cTn id="3" fill="hold">
+                      <p:stCondLst>
+                        <p:cond delay="indefinite"/>
+                      </p:stCondLst>
+                      <p:childTnLst>
+                        <p:par>
+                          <p:cTn id="4" fill="hold">
+                            <p:stCondLst>
+                              <p:cond delay="0"/>
+                            </p:stCondLst>
+                            <p:childTnLst>
+                              <p:par>
+                                <p:cTn id="5" presetID="2" presetClass="entr" presetSubtype="4" fill="hold" grpId="0" nodeType="clickEffect">
+                                  <p:stCondLst>
+                                    <p:cond delay="0"/>
+                                  </p:stCondLst>
+                                  <p:childTnLst>
+                                    <p:set>
+                                      <p:cBhvr>
+                                        <p:cTn id="6" dur="1" fill="hold">
+                                          <p:stCondLst>
+                                            <p:cond delay="0"/>
+                                          </p:stCondLst>
+                                        </p:cTn>
+                                        <p:tgtEl>
+                                          <p:spTgt spid="8"/>
+                                        </p:tgtEl>
+                                        <p:attrNameLst>
+                                          <p:attrName>style.visibility</p:attrName>
+                                        </p:attrNameLst>
+                                      </p:cBhvr>
+                                      <p:to>
+                                        <p:strVal val="visible"/>
+                                      </p:to>
+                                    </p:set>
+                                    <p:anim calcmode="lin" valueType="num">
+                                      <p:cBhvr additive="base">
+                                        <p:cTn id="7" dur="500" fill="hold"/>
+                                        <p:tgtEl>
+                                          <p:spTgt spid="8"/>
+                                        </p:tgtEl>
+                                        <p:attrNameLst>
+                                          <p:attrName>ppt_x</p:attrName>
+                                        </p:attrNameLst>
+                                      </p:cBhvr>
+                                      <p:tavLst>
+                                        <p:tav tm="0">
+                                          <p:val>
+                                            <p:strVal val="#ppt_x"/>
+                                          </p:val>
+                                        </p:tav>
+                                        <p:tav tm="100000">
+                                          <p:val>
+                                            <p:strVal val="#ppt_x"/>
+                                          </p:val>
+                                        </p:tav>
+                                      </p:tavLst>
+                                    </p:anim>
+                                    <p:anim calcmode="lin" valueType="num">
+                                      <p:cBhvr additive="base">
+                                        <p:cTn id="8" dur="500" fill="hold"/>
+                                        <p:tgtEl>
+                                          <p:spTgt spid="8"/>
+                                        </p:tgtEl>
+                                        <p:attrNameLst>
+                                          <p:attrName>ppt_y</p:attrName>
+                                        </p:attrNameLst>
+                                      </p:cBhvr>
+                                      <p:tavLst>
+                                        <p:tav tm="0">
+                                          <p:val>
+                                            <p:strVal val="1+#ppt_h/2"/>
+                                          </p:val>
+                                        </p:tav>
+                                        <p:tav tm="100000">
+                                          <p:val>
+                                            <p:strVal val="#ppt_y"/>
+                                          </p:val>
+                                        </p:tav>
+                                      </p:tavLst>
+                                    </p:anim>
+                                  </p:childTnLst>
+                                </p:cTn>
+                              </p:par>
+                            </p:childTnLst>
+                          </p:cTn>
+                        </p:par>
+                      </p:childTnLst>
+                    </p:cTn>
+                  </p:par>
+                </p:childTnLst>
+              </p:cTn>
+              <p:prevCondLst>
+                <p:cond evt="onPrev" delay="0">
+                  <p:tgtEl>
+                    <p:sldTgt/>
+                  </p:tgtEl>
+                </p:cond>
+              </p:prevCondLst>
+              <p:nextCondLst>
+                <p:cond evt="onNext" delay="0">
+                  <p:tgtEl>
+                    <p:sldTgt/>
+                  </p:tgtEl>
+                </p:cond>
+              </p:nextCondLst>
+            </p:seq>
+          </p:childTnLst>
+        </p:cTn>
       </p:par>
     </p:tnLst>
+    <p:bldLst>
+      <p:bldP spid="8" grpId="0"/>
+    </p:bldLst>
   </p:timing>
 </p:sld>
 </file>
@@ -8129,8 +8696,8 @@
         </p:nvSpPr>
         <p:spPr>
           <a:xfrm>
-            <a:off x="7244715" y="1061085"/>
-            <a:ext cx="2483485" cy="429895"/>
+            <a:off x="5938520" y="6109335"/>
+            <a:ext cx="4705350" cy="429895"/>
           </a:xfrm>
           <a:prstGeom prst="rect">
             <a:avLst/>
@@ -8161,7 +8728,7 @@
                 <a:latin typeface="+mn-ea"/>
                 <a:ea typeface="+mn-ea"/>
               </a:rPr>
-              <a:t>demo11</a:t>
+              <a:t>demo11 </a:t>
             </a:r>
             <a:endParaRPr lang="en-US" altLang="zh-CN" sz="2200">
               <a:solidFill>
@@ -8268,9 +8835,126 @@
   <p:timing>
     <p:tnLst>
       <p:par>
-        <p:cTn id="1" dur="indefinite" restart="never" nodeType="tmRoot"/>
+        <p:cTn id="1" dur="indefinite" restart="never" nodeType="tmRoot">
+          <p:childTnLst>
+            <p:seq concurrent="1" nextAc="seek">
+              <p:cTn id="2" dur="indefinite" nodeType="mainSeq">
+                <p:childTnLst>
+                  <p:par>
+                    <p:cTn id="3" fill="hold">
+                      <p:stCondLst>
+                        <p:cond delay="indefinite"/>
+                      </p:stCondLst>
+                      <p:childTnLst>
+                        <p:par>
+                          <p:cTn id="4" fill="hold">
+                            <p:stCondLst>
+                              <p:cond delay="0"/>
+                            </p:stCondLst>
+                            <p:childTnLst>
+                              <p:par>
+                                <p:cTn id="5" presetID="2" presetClass="entr" presetSubtype="4" fill="hold" grpId="0" nodeType="clickEffect">
+                                  <p:stCondLst>
+                                    <p:cond delay="0"/>
+                                  </p:stCondLst>
+                                  <p:childTnLst>
+                                    <p:set>
+                                      <p:cBhvr>
+                                        <p:cTn id="6" dur="1" fill="hold">
+                                          <p:stCondLst>
+                                            <p:cond delay="0"/>
+                                          </p:stCondLst>
+                                        </p:cTn>
+                                        <p:tgtEl>
+                                          <p:spTgt spid="8"/>
+                                        </p:tgtEl>
+                                        <p:attrNameLst>
+                                          <p:attrName>style.visibility</p:attrName>
+                                        </p:attrNameLst>
+                                      </p:cBhvr>
+                                      <p:to>
+                                        <p:strVal val="visible"/>
+                                      </p:to>
+                                    </p:set>
+                                    <p:anim calcmode="lin" valueType="num">
+                                      <p:cBhvr additive="base">
+                                        <p:cTn id="7" dur="500" fill="hold"/>
+                                        <p:tgtEl>
+                                          <p:spTgt spid="8"/>
+                                        </p:tgtEl>
+                                        <p:attrNameLst>
+                                          <p:attrName>ppt_x</p:attrName>
+                                        </p:attrNameLst>
+                                      </p:cBhvr>
+                                      <p:tavLst>
+                                        <p:tav tm="0">
+                                          <p:val>
+                                            <p:strVal val="#ppt_x"/>
+                                          </p:val>
+                                        </p:tav>
+                                        <p:tav tm="100000">
+                                          <p:val>
+                                            <p:strVal val="#ppt_x"/>
+                                          </p:val>
+                                        </p:tav>
+                                      </p:tavLst>
+                                    </p:anim>
+                                    <p:anim calcmode="lin" valueType="num">
+                                      <p:cBhvr additive="base">
+                                        <p:cTn id="8" dur="500" fill="hold"/>
+                                        <p:tgtEl>
+                                          <p:spTgt spid="8"/>
+                                        </p:tgtEl>
+                                        <p:attrNameLst>
+                                          <p:attrName>ppt_y</p:attrName>
+                                        </p:attrNameLst>
+                                      </p:cBhvr>
+                                      <p:tavLst>
+                                        <p:tav tm="0">
+                                          <p:val>
+                                            <p:strVal val="1+#ppt_h/2"/>
+                                          </p:val>
+                                        </p:tav>
+                                        <p:tav tm="100000">
+                                          <p:val>
+                                            <p:strVal val="#ppt_y"/>
+                                          </p:val>
+                                        </p:tav>
+                                      </p:tavLst>
+                                    </p:anim>
+                                  </p:childTnLst>
+                                </p:cTn>
+                              </p:par>
+                            </p:childTnLst>
+                          </p:cTn>
+                        </p:par>
+                      </p:childTnLst>
+                    </p:cTn>
+                  </p:par>
+                </p:childTnLst>
+              </p:cTn>
+              <p:prevCondLst>
+                <p:cond evt="onPrev" delay="0">
+                  <p:tgtEl>
+                    <p:sldTgt/>
+                  </p:tgtEl>
+                </p:cond>
+              </p:prevCondLst>
+              <p:nextCondLst>
+                <p:cond evt="onNext" delay="0">
+                  <p:tgtEl>
+                    <p:sldTgt/>
+                  </p:tgtEl>
+                </p:cond>
+              </p:nextCondLst>
+            </p:seq>
+          </p:childTnLst>
+        </p:cTn>
       </p:par>
     </p:tnLst>
+    <p:bldLst>
+      <p:bldP spid="8" grpId="0"/>
+    </p:bldLst>
   </p:timing>
 </p:sld>
 </file>
@@ -9351,7 +10035,92 @@
               </a:rPr>
               <a:t>算数运算符与类型转换</a:t>
             </a:r>
-            <a:endParaRPr lang="zh-CN" altLang="en-US" sz="3200" dirty="0">
+            <a:br>
+              <a:rPr lang="zh-CN" altLang="en-US" sz="3200" dirty="0">
+                <a:solidFill>
+                  <a:schemeClr val="tx1"/>
+                </a:solidFill>
+                <a:sym typeface="+mn-ea"/>
+              </a:rPr>
+            </a:br>
+            <a:r>
+              <a:rPr lang="en-US" altLang="zh-CN" sz="2000" dirty="0">
+                <a:solidFill>
+                  <a:schemeClr val="tx1"/>
+                </a:solidFill>
+                <a:sym typeface="+mn-ea"/>
+              </a:rPr>
+              <a:t>"1"+"2"; //"12"</a:t>
+            </a:r>
+            <a:br>
+              <a:rPr lang="en-US" altLang="zh-CN" sz="2000" dirty="0">
+                <a:solidFill>
+                  <a:schemeClr val="tx1"/>
+                </a:solidFill>
+                <a:sym typeface="+mn-ea"/>
+              </a:rPr>
+            </a:br>
+            <a:r>
+              <a:rPr lang="en-US" altLang="zh-CN" sz="2000" dirty="0">
+                <a:solidFill>
+                  <a:schemeClr val="tx1"/>
+                </a:solidFill>
+                <a:sym typeface="+mn-ea"/>
+              </a:rPr>
+              <a:t>"1"+2; //"12"</a:t>
+            </a:r>
+            <a:br>
+              <a:rPr lang="en-US" altLang="zh-CN" sz="2000" dirty="0">
+                <a:solidFill>
+                  <a:schemeClr val="tx1"/>
+                </a:solidFill>
+                <a:sym typeface="+mn-ea"/>
+              </a:rPr>
+            </a:br>
+            <a:r>
+              <a:rPr lang="en-US" altLang="zh-CN" sz="2000" dirty="0">
+                <a:solidFill>
+                  <a:schemeClr val="tx1"/>
+                </a:solidFill>
+                <a:sym typeface="+mn-ea"/>
+              </a:rPr>
+              <a:t>1+{}; //"1[object Object]"</a:t>
+            </a:r>
+            <a:br>
+              <a:rPr lang="en-US" altLang="zh-CN" sz="2000" dirty="0">
+                <a:solidFill>
+                  <a:schemeClr val="tx1"/>
+                </a:solidFill>
+                <a:sym typeface="+mn-ea"/>
+              </a:rPr>
+            </a:br>
+            <a:r>
+              <a:rPr lang="en-US" altLang="zh-CN" sz="2000" dirty="0">
+                <a:solidFill>
+                  <a:schemeClr val="tx1"/>
+                </a:solidFill>
+                <a:sym typeface="+mn-ea"/>
+              </a:rPr>
+              <a:t>true+true; //2 </a:t>
+            </a:r>
+            <a:br>
+              <a:rPr lang="en-US" altLang="zh-CN" sz="2000" dirty="0">
+                <a:solidFill>
+                  <a:schemeClr val="tx1"/>
+                </a:solidFill>
+                <a:sym typeface="+mn-ea"/>
+              </a:rPr>
+            </a:br>
+            <a:r>
+              <a:rPr lang="en-US" altLang="zh-CN" sz="2000" dirty="0">
+                <a:solidFill>
+                  <a:schemeClr val="tx1"/>
+                </a:solidFill>
+                <a:sym typeface="+mn-ea"/>
+              </a:rPr>
+              <a:t>"5"-2; //3</a:t>
+            </a:r>
+            <a:endParaRPr lang="en-US" altLang="zh-CN" sz="2000" dirty="0">
               <a:solidFill>
                 <a:schemeClr val="tx1"/>
               </a:solidFill>
@@ -9364,45 +10133,6 @@
                 <a:spcPct val="140000"/>
               </a:lnSpc>
             </a:pPr>
-            <a:endParaRPr lang="zh-CN" altLang="en-US" dirty="0">
-              <a:solidFill>
-                <a:schemeClr val="tx1"/>
-              </a:solidFill>
-              <a:sym typeface="+mn-ea"/>
-            </a:endParaRPr>
-          </a:p>
-          <a:p>
-            <a:pPr>
-              <a:lnSpc>
-                <a:spcPct val="140000"/>
-              </a:lnSpc>
-            </a:pPr>
-            <a:endParaRPr lang="zh-CN" altLang="en-US" dirty="0">
-              <a:solidFill>
-                <a:schemeClr val="tx1"/>
-              </a:solidFill>
-              <a:sym typeface="+mn-ea"/>
-            </a:endParaRPr>
-          </a:p>
-          <a:p>
-            <a:pPr>
-              <a:lnSpc>
-                <a:spcPct val="140000"/>
-              </a:lnSpc>
-            </a:pPr>
-            <a:endParaRPr lang="zh-CN" altLang="en-US" sz="3200" dirty="0">
-              <a:solidFill>
-                <a:schemeClr val="tx1"/>
-              </a:solidFill>
-              <a:sym typeface="+mn-ea"/>
-            </a:endParaRPr>
-          </a:p>
-          <a:p>
-            <a:pPr>
-              <a:lnSpc>
-                <a:spcPct val="140000"/>
-              </a:lnSpc>
-            </a:pPr>
             <a:r>
               <a:rPr lang="zh-CN" altLang="en-US" sz="3200" dirty="0">
                 <a:solidFill>
@@ -9507,7 +10237,52 @@
                 </a:solidFill>
                 <a:sym typeface="+mn-ea"/>
               </a:rPr>
-              <a:t>2</a:t>
+              <a:t>2 </a:t>
+            </a:r>
+            <a:r>
+              <a:rPr lang="zh-CN" altLang="en-US" sz="2000" dirty="0">
+                <a:solidFill>
+                  <a:srgbClr val="FF0000"/>
+                </a:solidFill>
+                <a:sym typeface="+mn-ea"/>
+              </a:rPr>
+              <a:t>注意</a:t>
+            </a:r>
+            <a:r>
+              <a:rPr lang="en-US" altLang="zh-CN" sz="2000" dirty="0">
+                <a:solidFill>
+                  <a:srgbClr val="FF0000"/>
+                </a:solidFill>
+                <a:sym typeface="+mn-ea"/>
+              </a:rPr>
+              <a:t>++</a:t>
+            </a:r>
+            <a:r>
+              <a:rPr lang="zh-CN" altLang="en-US" sz="2000" dirty="0">
+                <a:solidFill>
+                  <a:srgbClr val="FF0000"/>
+                </a:solidFill>
+                <a:sym typeface="+mn-ea"/>
+              </a:rPr>
+              <a:t>和</a:t>
+            </a:r>
+            <a:r>
+              <a:rPr lang="en-US" altLang="zh-CN" sz="2000" dirty="0">
+                <a:solidFill>
+                  <a:srgbClr val="FF0000"/>
+                </a:solidFill>
+                <a:sym typeface="+mn-ea"/>
+              </a:rPr>
+              <a:t>--</a:t>
+            </a:r>
+            <a:r>
+              <a:rPr lang="zh-CN" altLang="en-US" sz="2000" dirty="0">
+                <a:solidFill>
+                  <a:srgbClr val="FF0000"/>
+                </a:solidFill>
+                <a:sym typeface="+mn-ea"/>
+              </a:rPr>
+              <a:t>的隐式类型转换</a:t>
             </a:r>
             <a:br>
               <a:rPr sz="2000" dirty="0">
@@ -9647,8 +10422,8 @@
         </p:nvSpPr>
         <p:spPr>
           <a:xfrm>
-            <a:off x="7244715" y="1061085"/>
-            <a:ext cx="2483485" cy="429895"/>
+            <a:off x="5394960" y="6116320"/>
+            <a:ext cx="5248910" cy="429895"/>
           </a:xfrm>
           <a:prstGeom prst="rect">
             <a:avLst/>
@@ -9679,9 +10454,29 @@
                 <a:latin typeface="+mn-ea"/>
                 <a:ea typeface="+mn-ea"/>
               </a:rPr>
-              <a:t>demo12</a:t>
-            </a:r>
-            <a:endParaRPr lang="en-US" altLang="zh-CN" sz="2200">
+              <a:t>demo12 </a:t>
+            </a:r>
+            <a:r>
+              <a:rPr lang="zh-CN" altLang="en-US" sz="2200">
+                <a:solidFill>
+                  <a:srgbClr val="FF0000"/>
+                </a:solidFill>
+                <a:latin typeface="+mn-ea"/>
+                <a:ea typeface="+mn-ea"/>
+              </a:rPr>
+              <a:t>算数运算符实例</a:t>
+            </a:r>
+            <a:r>
+              <a:rPr lang="en-US" altLang="zh-CN" sz="2200">
+                <a:solidFill>
+                  <a:srgbClr val="FF0000"/>
+                </a:solidFill>
+                <a:latin typeface="+mn-ea"/>
+                <a:ea typeface="+mn-ea"/>
+              </a:rPr>
+              <a:t> </a:t>
+            </a:r>
+            <a:endParaRPr lang="zh-CN" altLang="en-US" sz="2200">
               <a:solidFill>
                 <a:srgbClr val="FF0000"/>
               </a:solidFill>
@@ -9691,30 +10486,6 @@
           </a:p>
         </p:txBody>
       </p:sp>
-      <p:pic>
-        <p:nvPicPr>
-          <p:cNvPr id="4" name="图片 3"/>
-          <p:cNvPicPr>
-            <a:picLocks noChangeAspect="1"/>
-          </p:cNvPicPr>
-          <p:nvPr/>
-        </p:nvPicPr>
-        <p:blipFill>
-          <a:blip r:embed="rId1"/>
-          <a:stretch>
-            <a:fillRect/>
-          </a:stretch>
-        </p:blipFill>
-        <p:spPr>
-          <a:xfrm>
-            <a:off x="1019175" y="1490980"/>
-            <a:ext cx="7779385" cy="2282190"/>
-          </a:xfrm>
-          <a:prstGeom prst="rect">
-            <a:avLst/>
-          </a:prstGeom>
-        </p:spPr>
-      </p:pic>
     </p:spTree>
   </p:cSld>
   <p:clrMapOvr>
@@ -9723,9 +10494,126 @@
   <p:timing>
     <p:tnLst>
       <p:par>
-        <p:cTn id="1" dur="indefinite" restart="never" nodeType="tmRoot"/>
+        <p:cTn id="1" dur="indefinite" restart="never" nodeType="tmRoot">
+          <p:childTnLst>
+            <p:seq concurrent="1" nextAc="seek">
+              <p:cTn id="2" dur="indefinite" nodeType="mainSeq">
+                <p:childTnLst>
+                  <p:par>
+                    <p:cTn id="3" fill="hold">
+                      <p:stCondLst>
+                        <p:cond delay="indefinite"/>
+                      </p:stCondLst>
+                      <p:childTnLst>
+                        <p:par>
+                          <p:cTn id="4" fill="hold">
+                            <p:stCondLst>
+                              <p:cond delay="0"/>
+                            </p:stCondLst>
+                            <p:childTnLst>
+                              <p:par>
+                                <p:cTn id="5" presetID="2" presetClass="entr" presetSubtype="4" fill="hold" grpId="0" nodeType="clickEffect">
+                                  <p:stCondLst>
+                                    <p:cond delay="0"/>
+                                  </p:stCondLst>
+                                  <p:childTnLst>
+                                    <p:set>
+                                      <p:cBhvr>
+                                        <p:cTn id="6" dur="1" fill="hold">
+                                          <p:stCondLst>
+                                            <p:cond delay="0"/>
+                                          </p:stCondLst>
+                                        </p:cTn>
+                                        <p:tgtEl>
+                                          <p:spTgt spid="8"/>
+                                        </p:tgtEl>
+                                        <p:attrNameLst>
+                                          <p:attrName>style.visibility</p:attrName>
+                                        </p:attrNameLst>
+                                      </p:cBhvr>
+                                      <p:to>
+                                        <p:strVal val="visible"/>
+                                      </p:to>
+                                    </p:set>
+                                    <p:anim calcmode="lin" valueType="num">
+                                      <p:cBhvr additive="base">
+                                        <p:cTn id="7" dur="500" fill="hold"/>
+                                        <p:tgtEl>
+                                          <p:spTgt spid="8"/>
+                                        </p:tgtEl>
+                                        <p:attrNameLst>
+                                          <p:attrName>ppt_x</p:attrName>
+                                        </p:attrNameLst>
+                                      </p:cBhvr>
+                                      <p:tavLst>
+                                        <p:tav tm="0">
+                                          <p:val>
+                                            <p:strVal val="#ppt_x"/>
+                                          </p:val>
+                                        </p:tav>
+                                        <p:tav tm="100000">
+                                          <p:val>
+                                            <p:strVal val="#ppt_x"/>
+                                          </p:val>
+                                        </p:tav>
+                                      </p:tavLst>
+                                    </p:anim>
+                                    <p:anim calcmode="lin" valueType="num">
+                                      <p:cBhvr additive="base">
+                                        <p:cTn id="8" dur="500" fill="hold"/>
+                                        <p:tgtEl>
+                                          <p:spTgt spid="8"/>
+                                        </p:tgtEl>
+                                        <p:attrNameLst>
+                                          <p:attrName>ppt_y</p:attrName>
+                                        </p:attrNameLst>
+                                      </p:cBhvr>
+                                      <p:tavLst>
+                                        <p:tav tm="0">
+                                          <p:val>
+                                            <p:strVal val="1+#ppt_h/2"/>
+                                          </p:val>
+                                        </p:tav>
+                                        <p:tav tm="100000">
+                                          <p:val>
+                                            <p:strVal val="#ppt_y"/>
+                                          </p:val>
+                                        </p:tav>
+                                      </p:tavLst>
+                                    </p:anim>
+                                  </p:childTnLst>
+                                </p:cTn>
+                              </p:par>
+                            </p:childTnLst>
+                          </p:cTn>
+                        </p:par>
+                      </p:childTnLst>
+                    </p:cTn>
+                  </p:par>
+                </p:childTnLst>
+              </p:cTn>
+              <p:prevCondLst>
+                <p:cond evt="onPrev" delay="0">
+                  <p:tgtEl>
+                    <p:sldTgt/>
+                  </p:tgtEl>
+                </p:cond>
+              </p:prevCondLst>
+              <p:nextCondLst>
+                <p:cond evt="onNext" delay="0">
+                  <p:tgtEl>
+                    <p:sldTgt/>
+                  </p:tgtEl>
+                </p:cond>
+              </p:nextCondLst>
+            </p:seq>
+          </p:childTnLst>
+        </p:cTn>
       </p:par>
     </p:tnLst>
+    <p:bldLst>
+      <p:bldP spid="8" grpId="0"/>
+    </p:bldLst>
   </p:timing>
 </p:sld>
 </file>
@@ -10340,7 +11228,7 @@
                 </a:solidFill>
                 <a:sym typeface="+mn-ea"/>
               </a:rPr>
-              <a:t>如果类型不同，先转换再比较</a:t>
+              <a:t>（如果类型不同，先转换再比较，注：引用类型到基本类型的转换方向）</a:t>
             </a:r>
             <a:br>
               <a:rPr lang="zh-CN" altLang="en-US" sz="2000" dirty="0">
@@ -10366,7 +11254,7 @@
                 </a:solidFill>
                 <a:sym typeface="+mn-ea"/>
               </a:rPr>
-              <a:t>若类型不同则</a:t>
+              <a:t>（若类型不同则</a:t>
             </a:r>
             <a:r>
               <a:rPr lang="en-US" altLang="zh-CN" sz="2000" dirty="0">
@@ -10384,7 +11272,25 @@
                 </a:solidFill>
                 <a:sym typeface="+mn-ea"/>
               </a:rPr>
-              <a:t>，类型相同再进行值比较</a:t>
+              <a:t>，若类型相同则判断同 </a:t>
+            </a:r>
+            <a:r>
+              <a:rPr lang="en-US" altLang="zh-CN" sz="2000" dirty="0">
+                <a:solidFill>
+                  <a:schemeClr val="tx1"/>
+                </a:solidFill>
+                <a:sym typeface="+mn-ea"/>
+              </a:rPr>
+              <a:t>==</a:t>
+            </a:r>
+            <a:r>
+              <a:rPr lang="zh-CN" altLang="en-US" sz="2000" dirty="0">
+                <a:solidFill>
+                  <a:schemeClr val="tx1"/>
+                </a:solidFill>
+                <a:sym typeface="+mn-ea"/>
+              </a:rPr>
+              <a:t>）</a:t>
             </a:r>
             <a:br>
               <a:rPr lang="zh-CN" altLang="en-US" sz="2000" dirty="0">
@@ -10536,7 +11442,131 @@
               </a:rPr>
               <a:t>!==</a:t>
             </a:r>
-            <a:endParaRPr lang="en-US" altLang="zh-CN" sz="3200" dirty="0">
+            <a:br>
+              <a:rPr lang="en-US" altLang="zh-CN" sz="3200" dirty="0">
+                <a:solidFill>
+                  <a:schemeClr val="tx1"/>
+                </a:solidFill>
+                <a:sym typeface="+mn-ea"/>
+              </a:rPr>
+            </a:br>
+            <a:r>
+              <a:rPr lang="zh-CN" altLang="en-US" sz="2000" dirty="0">
+                <a:solidFill>
+                  <a:schemeClr val="tx1"/>
+                </a:solidFill>
+                <a:sym typeface="+mn-ea"/>
+              </a:rPr>
+              <a:t>！</a:t>
+            </a:r>
+            <a:r>
+              <a:rPr lang="en-US" altLang="zh-CN" sz="2000" dirty="0">
+                <a:solidFill>
+                  <a:schemeClr val="tx1"/>
+                </a:solidFill>
+                <a:sym typeface="+mn-ea"/>
+              </a:rPr>
+              <a:t>=</a:t>
+            </a:r>
+            <a:r>
+              <a:rPr lang="zh-CN" altLang="en-US" sz="2000" dirty="0">
+                <a:solidFill>
+                  <a:schemeClr val="tx1"/>
+                </a:solidFill>
+                <a:sym typeface="+mn-ea"/>
+              </a:rPr>
+              <a:t>（</a:t>
+            </a:r>
+            <a:r>
+              <a:rPr lang="zh-CN" altLang="en-US" sz="2000" dirty="0">
+                <a:solidFill>
+                  <a:schemeClr val="tx1"/>
+                </a:solidFill>
+                <a:sym typeface="+mn-ea"/>
+              </a:rPr>
+              <a:t>如果类型不同，先转换再比较</a:t>
+            </a:r>
+            <a:r>
+              <a:rPr lang="zh-CN" altLang="en-US" sz="2000" dirty="0">
+                <a:solidFill>
+                  <a:schemeClr val="tx1"/>
+                </a:solidFill>
+                <a:sym typeface="+mn-ea"/>
+              </a:rPr>
+              <a:t>）</a:t>
+            </a:r>
+            <a:br>
+              <a:rPr lang="en-US" altLang="zh-CN" sz="3200" dirty="0">
+                <a:solidFill>
+                  <a:schemeClr val="tx1"/>
+                </a:solidFill>
+                <a:sym typeface="+mn-ea"/>
+              </a:rPr>
+            </a:br>
+            <a:r>
+              <a:rPr lang="zh-CN" altLang="en-US" sz="2000" dirty="0">
+                <a:solidFill>
+                  <a:schemeClr val="tx1"/>
+                </a:solidFill>
+                <a:sym typeface="+mn-ea"/>
+              </a:rPr>
+              <a:t>！</a:t>
+            </a:r>
+            <a:r>
+              <a:rPr lang="en-US" altLang="zh-CN" sz="2000" dirty="0">
+                <a:solidFill>
+                  <a:schemeClr val="tx1"/>
+                </a:solidFill>
+                <a:sym typeface="+mn-ea"/>
+              </a:rPr>
+              <a:t>==</a:t>
+            </a:r>
+            <a:r>
+              <a:rPr lang="zh-CN" altLang="en-US" sz="2000" dirty="0">
+                <a:solidFill>
+                  <a:schemeClr val="tx1"/>
+                </a:solidFill>
+                <a:sym typeface="+mn-ea"/>
+              </a:rPr>
+              <a:t>（先判断类型，若类型不同则返回</a:t>
+            </a:r>
+            <a:r>
+              <a:rPr lang="en-US" altLang="zh-CN" sz="2000" dirty="0">
+                <a:solidFill>
+                  <a:schemeClr val="tx1"/>
+                </a:solidFill>
+                <a:sym typeface="+mn-ea"/>
+              </a:rPr>
+              <a:t>true</a:t>
+            </a:r>
+            <a:r>
+              <a:rPr lang="zh-CN" altLang="en-US" sz="2000" dirty="0">
+                <a:solidFill>
+                  <a:schemeClr val="tx1"/>
+                </a:solidFill>
+                <a:sym typeface="+mn-ea"/>
+              </a:rPr>
+              <a:t>，若类型相同则判断同！</a:t>
+            </a:r>
+            <a:r>
+              <a:rPr lang="en-US" altLang="zh-CN" sz="2000" dirty="0">
+                <a:solidFill>
+                  <a:schemeClr val="tx1"/>
+                </a:solidFill>
+                <a:sym typeface="+mn-ea"/>
+              </a:rPr>
+              <a:t>=</a:t>
+            </a:r>
+            <a:r>
+              <a:rPr lang="zh-CN" altLang="en-US" sz="2000" dirty="0">
+                <a:solidFill>
+                  <a:schemeClr val="tx1"/>
+                </a:solidFill>
+                <a:sym typeface="+mn-ea"/>
+              </a:rPr>
+              <a:t>）</a:t>
+            </a:r>
+            <a:endParaRPr lang="zh-CN" altLang="en-US" sz="2000" dirty="0">
               <a:solidFill>
                 <a:schemeClr val="tx1"/>
               </a:solidFill>
@@ -10645,8 +11675,8 @@
         </p:nvSpPr>
         <p:spPr>
           <a:xfrm>
-            <a:off x="7244715" y="1061085"/>
-            <a:ext cx="2483485" cy="429895"/>
+            <a:off x="5231765" y="6109335"/>
+            <a:ext cx="4485640" cy="429895"/>
           </a:xfrm>
           <a:prstGeom prst="rect">
             <a:avLst/>
@@ -10677,9 +11707,19 @@
                 <a:latin typeface="+mn-ea"/>
                 <a:ea typeface="+mn-ea"/>
               </a:rPr>
-              <a:t>demo13</a:t>
-            </a:r>
-            <a:endParaRPr lang="en-US" altLang="zh-CN" sz="2200">
+              <a:t>demo13 </a:t>
+            </a:r>
+            <a:r>
+              <a:rPr lang="zh-CN" altLang="en-US" sz="2200">
+                <a:solidFill>
+                  <a:srgbClr val="FF0000"/>
+                </a:solidFill>
+                <a:latin typeface="+mn-ea"/>
+                <a:ea typeface="+mn-ea"/>
+              </a:rPr>
+              <a:t>关系运算符实例</a:t>
+            </a:r>
+            <a:endParaRPr lang="zh-CN" altLang="en-US" sz="2200">
               <a:solidFill>
                 <a:srgbClr val="FF0000"/>
               </a:solidFill>
@@ -20770,7 +21810,7 @@
         <p:spPr>
           <a:xfrm>
             <a:off x="927735" y="783590"/>
-            <a:ext cx="10557510" cy="5253990"/>
+            <a:ext cx="10800715" cy="5253990"/>
           </a:xfrm>
         </p:spPr>
         <p:txBody>
@@ -20788,7 +21828,7 @@
                   <a:schemeClr val="tx1"/>
                 </a:solidFill>
               </a:rPr>
-              <a:t>表达式分类</a:t>
+              <a:t>表达式及表达式分类</a:t>
             </a:r>
             <a:br>
               <a:rPr lang="zh-CN" altLang="en-US" sz="3200" dirty="0">
@@ -20907,7 +21947,7 @@
                 </a:solidFill>
                 <a:sym typeface="+mn-ea"/>
               </a:rPr>
-              <a:t>语句分类</a:t>
+              <a:t>语句及语句分类</a:t>
             </a:r>
             <a:br>
               <a:rPr lang="zh-CN" altLang="en-US" sz="2000" dirty="0">
@@ -21034,7 +22074,23 @@
                   <a:schemeClr val="tx1"/>
                 </a:solidFill>
               </a:rPr>
-              <a:t>中的块</a:t>
+              <a:t>中的块（</a:t>
+            </a:r>
+            <a:r>
+              <a:rPr lang="en-US" altLang="zh-CN" sz="3200" dirty="0">
+                <a:solidFill>
+                  <a:schemeClr val="tx1"/>
+                </a:solidFill>
+              </a:rPr>
+              <a:t>ES5</a:t>
+            </a:r>
+            <a:r>
+              <a:rPr lang="zh-CN" altLang="en-US" sz="3200" dirty="0">
+                <a:solidFill>
+                  <a:schemeClr val="tx1"/>
+                </a:solidFill>
+              </a:rPr>
+              <a:t>中没有块作用域，所以带来了很多问题）</a:t>
             </a:r>
             <a:endParaRPr lang="zh-CN" altLang="en-US" sz="3200" dirty="0">
               <a:solidFill>
@@ -21260,17 +22316,7 @@
                 <a:latin typeface="+mn-ea"/>
                 <a:ea typeface="+mn-ea"/>
               </a:rPr>
-              <a:t>Part2</a:t>
-            </a:r>
-            <a:r>
-              <a:rPr lang="en-US" altLang="zh-CN" sz="2200">
-                <a:solidFill>
-                  <a:srgbClr val="FF0000"/>
-                </a:solidFill>
-                <a:latin typeface="+mn-ea"/>
-                <a:ea typeface="+mn-ea"/>
-              </a:rPr>
-              <a:t> </a:t>
+              <a:t>Part2 </a:t>
             </a:r>
             <a:endParaRPr lang="en-US" altLang="zh-CN" sz="2200">
               <a:solidFill>
@@ -21352,9 +22398,218 @@
   <p:timing>
     <p:tnLst>
       <p:par>
-        <p:cTn id="1" dur="indefinite" restart="never" nodeType="tmRoot"/>
+        <p:cTn id="1" dur="indefinite" restart="never" nodeType="tmRoot">
+          <p:childTnLst>
+            <p:seq concurrent="1" nextAc="seek">
+              <p:cTn id="2" dur="indefinite" nodeType="mainSeq">
+                <p:childTnLst>
+                  <p:par>
+                    <p:cTn id="3" fill="hold">
+                      <p:stCondLst>
+                        <p:cond delay="indefinite"/>
+                      </p:stCondLst>
+                      <p:childTnLst>
+                        <p:par>
+                          <p:cTn id="4" fill="hold">
+                            <p:stCondLst>
+                              <p:cond delay="0"/>
+                            </p:stCondLst>
+                            <p:childTnLst>
+                              <p:par>
+                                <p:cTn id="5" presetID="2" presetClass="entr" presetSubtype="4" fill="hold" grpId="0" nodeType="clickEffect">
+                                  <p:stCondLst>
+                                    <p:cond delay="0"/>
+                                  </p:stCondLst>
+                                  <p:childTnLst>
+                                    <p:set>
+                                      <p:cBhvr>
+                                        <p:cTn id="6" dur="1" fill="hold">
+                                          <p:stCondLst>
+                                            <p:cond delay="0"/>
+                                          </p:stCondLst>
+                                        </p:cTn>
+                                        <p:tgtEl>
+                                          <p:spTgt spid="8"/>
+                                        </p:tgtEl>
+                                        <p:attrNameLst>
+                                          <p:attrName>style.visibility</p:attrName>
+                                        </p:attrNameLst>
+                                      </p:cBhvr>
+                                      <p:to>
+                                        <p:strVal val="visible"/>
+                                      </p:to>
+                                    </p:set>
+                                    <p:anim calcmode="lin" valueType="num">
+                                      <p:cBhvr additive="base">
+                                        <p:cTn id="7" dur="500" fill="hold"/>
+                                        <p:tgtEl>
+                                          <p:spTgt spid="8"/>
+                                        </p:tgtEl>
+                                        <p:attrNameLst>
+                                          <p:attrName>ppt_x</p:attrName>
+                                        </p:attrNameLst>
+                                      </p:cBhvr>
+                                      <p:tavLst>
+                                        <p:tav tm="0">
+                                          <p:val>
+                                            <p:strVal val="#ppt_x"/>
+                                          </p:val>
+                                        </p:tav>
+                                        <p:tav tm="100000">
+                                          <p:val>
+                                            <p:strVal val="#ppt_x"/>
+                                          </p:val>
+                                        </p:tav>
+                                      </p:tavLst>
+                                    </p:anim>
+                                    <p:anim calcmode="lin" valueType="num">
+                                      <p:cBhvr additive="base">
+                                        <p:cTn id="8" dur="500" fill="hold"/>
+                                        <p:tgtEl>
+                                          <p:spTgt spid="8"/>
+                                        </p:tgtEl>
+                                        <p:attrNameLst>
+                                          <p:attrName>ppt_y</p:attrName>
+                                        </p:attrNameLst>
+                                      </p:cBhvr>
+                                      <p:tavLst>
+                                        <p:tav tm="0">
+                                          <p:val>
+                                            <p:strVal val="1+#ppt_h/2"/>
+                                          </p:val>
+                                        </p:tav>
+                                        <p:tav tm="100000">
+                                          <p:val>
+                                            <p:strVal val="#ppt_y"/>
+                                          </p:val>
+                                        </p:tav>
+                                      </p:tavLst>
+                                    </p:anim>
+                                  </p:childTnLst>
+                                </p:cTn>
+                              </p:par>
+                            </p:childTnLst>
+                          </p:cTn>
+                        </p:par>
+                      </p:childTnLst>
+                    </p:cTn>
+                  </p:par>
+                  <p:par>
+                    <p:cTn id="9" fill="hold">
+                      <p:stCondLst>
+                        <p:cond delay="indefinite"/>
+                      </p:stCondLst>
+                      <p:childTnLst>
+                        <p:par>
+                          <p:cTn id="10" fill="hold">
+                            <p:stCondLst>
+                              <p:cond delay="0"/>
+                            </p:stCondLst>
+                            <p:childTnLst>
+                              <p:par>
+                                <p:cTn id="11" presetID="2" presetClass="entr" presetSubtype="4" fill="hold" grpId="0" nodeType="clickEffect">
+                                  <p:stCondLst>
+                                    <p:cond delay="0"/>
+                                  </p:stCondLst>
+                                  <p:childTnLst>
+                                    <p:set>
+                                      <p:cBhvr>
+                                        <p:cTn id="12" dur="1" fill="hold">
+                                          <p:stCondLst>
+                                            <p:cond delay="0"/>
+                                          </p:stCondLst>
+                                        </p:cTn>
+                                        <p:tgtEl>
+                                          <p:spTgt spid="9"/>
+                                        </p:tgtEl>
+                                        <p:attrNameLst>
+                                          <p:attrName>style.visibility</p:attrName>
+                                        </p:attrNameLst>
+                                      </p:cBhvr>
+                                      <p:to>
+                                        <p:strVal val="visible"/>
+                                      </p:to>
+                                    </p:set>
+                                    <p:anim calcmode="lin" valueType="num">
+                                      <p:cBhvr additive="base">
+                                        <p:cTn id="13" dur="500" fill="hold"/>
+                                        <p:tgtEl>
+                                          <p:spTgt spid="9"/>
+                                        </p:tgtEl>
+                                        <p:attrNameLst>
+                                          <p:attrName>ppt_x</p:attrName>
+                                        </p:attrNameLst>
+                                      </p:cBhvr>
+                                      <p:tavLst>
+                                        <p:tav tm="0">
+                                          <p:val>
+                                            <p:strVal val="#ppt_x"/>
+                                          </p:val>
+                                        </p:tav>
+                                        <p:tav tm="100000">
+                                          <p:val>
+                                            <p:strVal val="#ppt_x"/>
+                                          </p:val>
+                                        </p:tav>
+                                      </p:tavLst>
+                                    </p:anim>
+                                    <p:anim calcmode="lin" valueType="num">
+                                      <p:cBhvr additive="base">
+                                        <p:cTn id="14" dur="500" fill="hold"/>
+                                        <p:tgtEl>
+                                          <p:spTgt spid="9"/>
+                                        </p:tgtEl>
+                                        <p:attrNameLst>
+                                          <p:attrName>ppt_y</p:attrName>
+                                        </p:attrNameLst>
+                                      </p:cBhvr>
+                                      <p:tavLst>
+                                        <p:tav tm="0">
+                                          <p:val>
+                                            <p:strVal val="1+#ppt_h/2"/>
+                                          </p:val>
+                                        </p:tav>
+                                        <p:tav tm="100000">
+                                          <p:val>
+                                            <p:strVal val="#ppt_y"/>
+                                          </p:val>
+                                        </p:tav>
+                                      </p:tavLst>
+                                    </p:anim>
+                                  </p:childTnLst>
+                                </p:cTn>
+                              </p:par>
+                            </p:childTnLst>
+                          </p:cTn>
+                        </p:par>
+                      </p:childTnLst>
+                    </p:cTn>
+                  </p:par>
+                </p:childTnLst>
+              </p:cTn>
+              <p:prevCondLst>
+                <p:cond evt="onPrev" delay="0">
+                  <p:tgtEl>
+                    <p:sldTgt/>
+                  </p:tgtEl>
+                </p:cond>
+              </p:prevCondLst>
+              <p:nextCondLst>
+                <p:cond evt="onNext" delay="0">
+                  <p:tgtEl>
+                    <p:sldTgt/>
+                  </p:tgtEl>
+                </p:cond>
+              </p:nextCondLst>
+            </p:seq>
+          </p:childTnLst>
+        </p:cTn>
       </p:par>
     </p:tnLst>
+    <p:bldLst>
+      <p:bldP spid="8" grpId="0"/>
+      <p:bldP spid="9" grpId="0"/>
+    </p:bldLst>
   </p:timing>
 </p:sld>
 </file>
@@ -22219,8 +23474,8 @@
         </p:nvSpPr>
         <p:spPr>
           <a:xfrm>
-            <a:off x="6431915" y="4253865"/>
-            <a:ext cx="2483485" cy="429895"/>
+            <a:off x="4753610" y="5504180"/>
+            <a:ext cx="5728970" cy="429895"/>
           </a:xfrm>
           <a:prstGeom prst="rect">
             <a:avLst/>
@@ -22251,9 +23506,29 @@
                 <a:latin typeface="+mn-ea"/>
                 <a:ea typeface="+mn-ea"/>
               </a:rPr>
-              <a:t>demo04</a:t>
-            </a:r>
-            <a:endParaRPr lang="en-US" altLang="zh-CN" sz="2200">
+              <a:t>demo04 </a:t>
+            </a:r>
+            <a:r>
+              <a:rPr lang="zh-CN" altLang="en-US" sz="2200">
+                <a:solidFill>
+                  <a:srgbClr val="FF0000"/>
+                </a:solidFill>
+                <a:latin typeface="+mn-ea"/>
+                <a:ea typeface="+mn-ea"/>
+              </a:rPr>
+              <a:t>使用</a:t>
+            </a:r>
+            <a:r>
+              <a:rPr lang="zh-CN" altLang="en-US" sz="2200">
+                <a:solidFill>
+                  <a:srgbClr val="FF0000"/>
+                </a:solidFill>
+                <a:latin typeface="+mn-ea"/>
+                <a:ea typeface="+mn-ea"/>
+              </a:rPr>
+              <a:t>严格模式的不同方式</a:t>
+            </a:r>
+            <a:endParaRPr lang="zh-CN" altLang="en-US" sz="2200">
               <a:solidFill>
                 <a:srgbClr val="FF0000"/>
               </a:solidFill>
@@ -22271,9 +23546,126 @@
   <p:timing>
     <p:tnLst>
       <p:par>
-        <p:cTn id="1" dur="indefinite" restart="never" nodeType="tmRoot"/>
+        <p:cTn id="1" dur="indefinite" restart="never" nodeType="tmRoot">
+          <p:childTnLst>
+            <p:seq concurrent="1" nextAc="seek">
+              <p:cTn id="2" dur="indefinite" nodeType="mainSeq">
+                <p:childTnLst>
+                  <p:par>
+                    <p:cTn id="3" fill="hold">
+                      <p:stCondLst>
+                        <p:cond delay="indefinite"/>
+                      </p:stCondLst>
+                      <p:childTnLst>
+                        <p:par>
+                          <p:cTn id="4" fill="hold">
+                            <p:stCondLst>
+                              <p:cond delay="0"/>
+                            </p:stCondLst>
+                            <p:childTnLst>
+                              <p:par>
+                                <p:cTn id="5" presetID="2" presetClass="entr" presetSubtype="4" fill="hold" grpId="0" nodeType="clickEffect">
+                                  <p:stCondLst>
+                                    <p:cond delay="0"/>
+                                  </p:stCondLst>
+                                  <p:childTnLst>
+                                    <p:set>
+                                      <p:cBhvr>
+                                        <p:cTn id="6" dur="1" fill="hold">
+                                          <p:stCondLst>
+                                            <p:cond delay="0"/>
+                                          </p:stCondLst>
+                                        </p:cTn>
+                                        <p:tgtEl>
+                                          <p:spTgt spid="8"/>
+                                        </p:tgtEl>
+                                        <p:attrNameLst>
+                                          <p:attrName>style.visibility</p:attrName>
+                                        </p:attrNameLst>
+                                      </p:cBhvr>
+                                      <p:to>
+                                        <p:strVal val="visible"/>
+                                      </p:to>
+                                    </p:set>
+                                    <p:anim calcmode="lin" valueType="num">
+                                      <p:cBhvr additive="base">
+                                        <p:cTn id="7" dur="500" fill="hold"/>
+                                        <p:tgtEl>
+                                          <p:spTgt spid="8"/>
+                                        </p:tgtEl>
+                                        <p:attrNameLst>
+                                          <p:attrName>ppt_x</p:attrName>
+                                        </p:attrNameLst>
+                                      </p:cBhvr>
+                                      <p:tavLst>
+                                        <p:tav tm="0">
+                                          <p:val>
+                                            <p:strVal val="#ppt_x"/>
+                                          </p:val>
+                                        </p:tav>
+                                        <p:tav tm="100000">
+                                          <p:val>
+                                            <p:strVal val="#ppt_x"/>
+                                          </p:val>
+                                        </p:tav>
+                                      </p:tavLst>
+                                    </p:anim>
+                                    <p:anim calcmode="lin" valueType="num">
+                                      <p:cBhvr additive="base">
+                                        <p:cTn id="8" dur="500" fill="hold"/>
+                                        <p:tgtEl>
+                                          <p:spTgt spid="8"/>
+                                        </p:tgtEl>
+                                        <p:attrNameLst>
+                                          <p:attrName>ppt_y</p:attrName>
+                                        </p:attrNameLst>
+                                      </p:cBhvr>
+                                      <p:tavLst>
+                                        <p:tav tm="0">
+                                          <p:val>
+                                            <p:strVal val="1+#ppt_h/2"/>
+                                          </p:val>
+                                        </p:tav>
+                                        <p:tav tm="100000">
+                                          <p:val>
+                                            <p:strVal val="#ppt_y"/>
+                                          </p:val>
+                                        </p:tav>
+                                      </p:tavLst>
+                                    </p:anim>
+                                  </p:childTnLst>
+                                </p:cTn>
+                              </p:par>
+                            </p:childTnLst>
+                          </p:cTn>
+                        </p:par>
+                      </p:childTnLst>
+                    </p:cTn>
+                  </p:par>
+                </p:childTnLst>
+              </p:cTn>
+              <p:prevCondLst>
+                <p:cond evt="onPrev" delay="0">
+                  <p:tgtEl>
+                    <p:sldTgt/>
+                  </p:tgtEl>
+                </p:cond>
+              </p:prevCondLst>
+              <p:nextCondLst>
+                <p:cond evt="onNext" delay="0">
+                  <p:tgtEl>
+                    <p:sldTgt/>
+                  </p:tgtEl>
+                </p:cond>
+              </p:nextCondLst>
+            </p:seq>
+          </p:childTnLst>
+        </p:cTn>
       </p:par>
     </p:tnLst>
+    <p:bldLst>
+      <p:bldP spid="8" grpId="0"/>
+    </p:bldLst>
   </p:timing>
 </p:sld>
 </file>
@@ -22446,7 +23838,7 @@
         </p:nvSpPr>
         <p:spPr>
           <a:xfrm>
-            <a:off x="7550785" y="1159510"/>
+            <a:off x="5935345" y="5751195"/>
             <a:ext cx="2483485" cy="429895"/>
           </a:xfrm>
           <a:prstGeom prst="rect">
@@ -22548,9 +23940,126 @@
   <p:timing>
     <p:tnLst>
       <p:par>
-        <p:cTn id="1" dur="indefinite" restart="never" nodeType="tmRoot"/>
+        <p:cTn id="1" dur="indefinite" restart="never" nodeType="tmRoot">
+          <p:childTnLst>
+            <p:seq concurrent="1" nextAc="seek">
+              <p:cTn id="2" dur="indefinite" nodeType="mainSeq">
+                <p:childTnLst>
+                  <p:par>
+                    <p:cTn id="3" fill="hold">
+                      <p:stCondLst>
+                        <p:cond delay="indefinite"/>
+                      </p:stCondLst>
+                      <p:childTnLst>
+                        <p:par>
+                          <p:cTn id="4" fill="hold">
+                            <p:stCondLst>
+                              <p:cond delay="0"/>
+                            </p:stCondLst>
+                            <p:childTnLst>
+                              <p:par>
+                                <p:cTn id="5" presetID="2" presetClass="entr" presetSubtype="4" fill="hold" grpId="0" nodeType="clickEffect">
+                                  <p:stCondLst>
+                                    <p:cond delay="0"/>
+                                  </p:stCondLst>
+                                  <p:childTnLst>
+                                    <p:set>
+                                      <p:cBhvr>
+                                        <p:cTn id="6" dur="1" fill="hold">
+                                          <p:stCondLst>
+                                            <p:cond delay="0"/>
+                                          </p:stCondLst>
+                                        </p:cTn>
+                                        <p:tgtEl>
+                                          <p:spTgt spid="8"/>
+                                        </p:tgtEl>
+                                        <p:attrNameLst>
+                                          <p:attrName>style.visibility</p:attrName>
+                                        </p:attrNameLst>
+                                      </p:cBhvr>
+                                      <p:to>
+                                        <p:strVal val="visible"/>
+                                      </p:to>
+                                    </p:set>
+                                    <p:anim calcmode="lin" valueType="num">
+                                      <p:cBhvr additive="base">
+                                        <p:cTn id="7" dur="500" fill="hold"/>
+                                        <p:tgtEl>
+                                          <p:spTgt spid="8"/>
+                                        </p:tgtEl>
+                                        <p:attrNameLst>
+                                          <p:attrName>ppt_x</p:attrName>
+                                        </p:attrNameLst>
+                                      </p:cBhvr>
+                                      <p:tavLst>
+                                        <p:tav tm="0">
+                                          <p:val>
+                                            <p:strVal val="#ppt_x"/>
+                                          </p:val>
+                                        </p:tav>
+                                        <p:tav tm="100000">
+                                          <p:val>
+                                            <p:strVal val="#ppt_x"/>
+                                          </p:val>
+                                        </p:tav>
+                                      </p:tavLst>
+                                    </p:anim>
+                                    <p:anim calcmode="lin" valueType="num">
+                                      <p:cBhvr additive="base">
+                                        <p:cTn id="8" dur="500" fill="hold"/>
+                                        <p:tgtEl>
+                                          <p:spTgt spid="8"/>
+                                        </p:tgtEl>
+                                        <p:attrNameLst>
+                                          <p:attrName>ppt_y</p:attrName>
+                                        </p:attrNameLst>
+                                      </p:cBhvr>
+                                      <p:tavLst>
+                                        <p:tav tm="0">
+                                          <p:val>
+                                            <p:strVal val="1+#ppt_h/2"/>
+                                          </p:val>
+                                        </p:tav>
+                                        <p:tav tm="100000">
+                                          <p:val>
+                                            <p:strVal val="#ppt_y"/>
+                                          </p:val>
+                                        </p:tav>
+                                      </p:tavLst>
+                                    </p:anim>
+                                  </p:childTnLst>
+                                </p:cTn>
+                              </p:par>
+                            </p:childTnLst>
+                          </p:cTn>
+                        </p:par>
+                      </p:childTnLst>
+                    </p:cTn>
+                  </p:par>
+                </p:childTnLst>
+              </p:cTn>
+              <p:prevCondLst>
+                <p:cond evt="onPrev" delay="0">
+                  <p:tgtEl>
+                    <p:sldTgt/>
+                  </p:tgtEl>
+                </p:cond>
+              </p:prevCondLst>
+              <p:nextCondLst>
+                <p:cond evt="onNext" delay="0">
+                  <p:tgtEl>
+                    <p:sldTgt/>
+                  </p:tgtEl>
+                </p:cond>
+              </p:nextCondLst>
+            </p:seq>
+          </p:childTnLst>
+        </p:cTn>
       </p:par>
     </p:tnLst>
+    <p:bldLst>
+      <p:bldP spid="8" grpId="0"/>
+    </p:bldLst>
   </p:timing>
 </p:sld>
 </file>
@@ -22932,8 +24441,8 @@
         </p:nvSpPr>
         <p:spPr>
           <a:xfrm>
-            <a:off x="7814310" y="1923415"/>
-            <a:ext cx="2483485" cy="429895"/>
+            <a:off x="5589270" y="6068695"/>
+            <a:ext cx="5709285" cy="429895"/>
           </a:xfrm>
           <a:prstGeom prst="rect">
             <a:avLst/>
@@ -22964,7 +24473,27 @@
                 <a:latin typeface="+mn-ea"/>
                 <a:ea typeface="+mn-ea"/>
               </a:rPr>
-              <a:t>demo06</a:t>
+              <a:t>demo06 </a:t>
+            </a:r>
+            <a:r>
+              <a:rPr lang="zh-CN" altLang="en-US" sz="2200">
+                <a:solidFill>
+                  <a:srgbClr val="FF0000"/>
+                </a:solidFill>
+                <a:latin typeface="+mn-ea"/>
+                <a:ea typeface="+mn-ea"/>
+              </a:rPr>
+              <a:t>严格模式下函数中的</a:t>
+            </a:r>
+            <a:r>
+              <a:rPr lang="en-US" altLang="zh-CN" sz="2200">
+                <a:solidFill>
+                  <a:srgbClr val="FF0000"/>
+                </a:solidFill>
+                <a:latin typeface="+mn-ea"/>
+                <a:ea typeface="+mn-ea"/>
+              </a:rPr>
+              <a:t>this</a:t>
             </a:r>
             <a:endParaRPr lang="en-US" altLang="zh-CN" sz="2200">
               <a:solidFill>
@@ -23002,7 +24531,7 @@
                             </p:stCondLst>
                             <p:childTnLst>
                               <p:par>
-                                <p:cTn id="5" presetID="2" presetClass="entr" presetSubtype="4" fill="hold" nodeType="clickEffect">
+                                <p:cTn id="5" presetID="2" presetClass="entr" presetSubtype="4" fill="hold" grpId="0" nodeType="clickEffect">
                                   <p:stCondLst>
                                     <p:cond delay="0"/>
                                   </p:stCondLst>
@@ -23015,11 +24544,7 @@
                                           </p:stCondLst>
                                         </p:cTn>
                                         <p:tgtEl>
-                                          <p:spTgt spid="30722">
-                                            <p:txEl>
-                                              <p:pRg st="0" end="0"/>
-                                            </p:txEl>
-                                          </p:spTgt>
+                                          <p:spTgt spid="8"/>
                                         </p:tgtEl>
                                         <p:attrNameLst>
                                           <p:attrName>style.visibility</p:attrName>
@@ -23033,11 +24558,7 @@
                                       <p:cBhvr additive="base">
                                         <p:cTn id="7" dur="500" fill="hold"/>
                                         <p:tgtEl>
-                                          <p:spTgt spid="30722">
-                                            <p:txEl>
-                                              <p:pRg st="0" end="0"/>
-                                            </p:txEl>
-                                          </p:spTgt>
+                                          <p:spTgt spid="8"/>
                                         </p:tgtEl>
                                         <p:attrNameLst>
                                           <p:attrName>ppt_x</p:attrName>
@@ -23060,278 +24581,7 @@
                                       <p:cBhvr additive="base">
                                         <p:cTn id="8" dur="500" fill="hold"/>
                                         <p:tgtEl>
-                                          <p:spTgt spid="30722">
-                                            <p:txEl>
-                                              <p:pRg st="0" end="0"/>
-                                            </p:txEl>
-                                          </p:spTgt>
-                                        </p:tgtEl>
-                                        <p:attrNameLst>
-                                          <p:attrName>ppt_y</p:attrName>
-                                        </p:attrNameLst>
-                                      </p:cBhvr>
-                                      <p:tavLst>
-                                        <p:tav tm="0">
-                                          <p:val>
-                                            <p:strVal val="1+#ppt_h/2"/>
-                                          </p:val>
-                                        </p:tav>
-                                        <p:tav tm="100000">
-                                          <p:val>
-                                            <p:strVal val="#ppt_y"/>
-                                          </p:val>
-                                        </p:tav>
-                                      </p:tavLst>
-                                    </p:anim>
-                                  </p:childTnLst>
-                                </p:cTn>
-                              </p:par>
-                            </p:childTnLst>
-                          </p:cTn>
-                        </p:par>
-                        <p:par>
-                          <p:cTn id="9" fill="hold">
-                            <p:stCondLst>
-                              <p:cond delay="500"/>
-                            </p:stCondLst>
-                            <p:childTnLst>
-                              <p:par>
-                                <p:cTn id="10" presetID="2" presetClass="entr" presetSubtype="4" fill="hold" nodeType="afterEffect">
-                                  <p:stCondLst>
-                                    <p:cond delay="0"/>
-                                  </p:stCondLst>
-                                  <p:childTnLst>
-                                    <p:set>
-                                      <p:cBhvr>
-                                        <p:cTn id="11" dur="1" fill="hold">
-                                          <p:stCondLst>
-                                            <p:cond delay="0"/>
-                                          </p:stCondLst>
-                                        </p:cTn>
-                                        <p:tgtEl>
-                                          <p:spTgt spid="6"/>
-                                        </p:tgtEl>
-                                        <p:attrNameLst>
-                                          <p:attrName>style.visibility</p:attrName>
-                                        </p:attrNameLst>
-                                      </p:cBhvr>
-                                      <p:to>
-                                        <p:strVal val="visible"/>
-                                      </p:to>
-                                    </p:set>
-                                    <p:anim calcmode="lin" valueType="num">
-                                      <p:cBhvr additive="base">
-                                        <p:cTn id="12" dur="500" fill="hold"/>
-                                        <p:tgtEl>
-                                          <p:spTgt spid="6"/>
-                                        </p:tgtEl>
-                                        <p:attrNameLst>
-                                          <p:attrName>ppt_x</p:attrName>
-                                        </p:attrNameLst>
-                                      </p:cBhvr>
-                                      <p:tavLst>
-                                        <p:tav tm="0">
-                                          <p:val>
-                                            <p:strVal val="#ppt_x"/>
-                                          </p:val>
-                                        </p:tav>
-                                        <p:tav tm="100000">
-                                          <p:val>
-                                            <p:strVal val="#ppt_x"/>
-                                          </p:val>
-                                        </p:tav>
-                                      </p:tavLst>
-                                    </p:anim>
-                                    <p:anim calcmode="lin" valueType="num">
-                                      <p:cBhvr additive="base">
-                                        <p:cTn id="13" dur="500" fill="hold"/>
-                                        <p:tgtEl>
-                                          <p:spTgt spid="6"/>
-                                        </p:tgtEl>
-                                        <p:attrNameLst>
-                                          <p:attrName>ppt_y</p:attrName>
-                                        </p:attrNameLst>
-                                      </p:cBhvr>
-                                      <p:tavLst>
-                                        <p:tav tm="0">
-                                          <p:val>
-                                            <p:strVal val="1+#ppt_h/2"/>
-                                          </p:val>
-                                        </p:tav>
-                                        <p:tav tm="100000">
-                                          <p:val>
-                                            <p:strVal val="#ppt_y"/>
-                                          </p:val>
-                                        </p:tav>
-                                      </p:tavLst>
-                                    </p:anim>
-                                  </p:childTnLst>
-                                </p:cTn>
-                              </p:par>
-                            </p:childTnLst>
-                          </p:cTn>
-                        </p:par>
-                      </p:childTnLst>
-                    </p:cTn>
-                  </p:par>
-                  <p:par>
-                    <p:cTn id="14" fill="hold">
-                      <p:stCondLst>
-                        <p:cond delay="indefinite"/>
-                      </p:stCondLst>
-                      <p:childTnLst>
-                        <p:par>
-                          <p:cTn id="15" fill="hold">
-                            <p:stCondLst>
-                              <p:cond delay="0"/>
-                            </p:stCondLst>
-                            <p:childTnLst>
-                              <p:par>
-                                <p:cTn id="16" presetID="2" presetClass="entr" presetSubtype="4" fill="hold" nodeType="clickEffect">
-                                  <p:stCondLst>
-                                    <p:cond delay="0"/>
-                                  </p:stCondLst>
-                                  <p:childTnLst>
-                                    <p:set>
-                                      <p:cBhvr>
-                                        <p:cTn id="17" dur="1" fill="hold">
-                                          <p:stCondLst>
-                                            <p:cond delay="0"/>
-                                          </p:stCondLst>
-                                        </p:cTn>
-                                        <p:tgtEl>
-                                          <p:spTgt spid="30722">
-                                            <p:txEl>
-                                              <p:pRg st="4" end="4"/>
-                                            </p:txEl>
-                                          </p:spTgt>
-                                        </p:tgtEl>
-                                        <p:attrNameLst>
-                                          <p:attrName>style.visibility</p:attrName>
-                                        </p:attrNameLst>
-                                      </p:cBhvr>
-                                      <p:to>
-                                        <p:strVal val="visible"/>
-                                      </p:to>
-                                    </p:set>
-                                    <p:anim calcmode="lin" valueType="num">
-                                      <p:cBhvr additive="base">
-                                        <p:cTn id="18" dur="500" fill="hold"/>
-                                        <p:tgtEl>
-                                          <p:spTgt spid="30722">
-                                            <p:txEl>
-                                              <p:pRg st="4" end="4"/>
-                                            </p:txEl>
-                                          </p:spTgt>
-                                        </p:tgtEl>
-                                        <p:attrNameLst>
-                                          <p:attrName>ppt_x</p:attrName>
-                                        </p:attrNameLst>
-                                      </p:cBhvr>
-                                      <p:tavLst>
-                                        <p:tav tm="0">
-                                          <p:val>
-                                            <p:strVal val="#ppt_x"/>
-                                          </p:val>
-                                        </p:tav>
-                                        <p:tav tm="100000">
-                                          <p:val>
-                                            <p:strVal val="#ppt_x"/>
-                                          </p:val>
-                                        </p:tav>
-                                      </p:tavLst>
-                                    </p:anim>
-                                    <p:anim calcmode="lin" valueType="num">
-                                      <p:cBhvr additive="base">
-                                        <p:cTn id="19" dur="500" fill="hold"/>
-                                        <p:tgtEl>
-                                          <p:spTgt spid="30722">
-                                            <p:txEl>
-                                              <p:pRg st="4" end="4"/>
-                                            </p:txEl>
-                                          </p:spTgt>
-                                        </p:tgtEl>
-                                        <p:attrNameLst>
-                                          <p:attrName>ppt_y</p:attrName>
-                                        </p:attrNameLst>
-                                      </p:cBhvr>
-                                      <p:tavLst>
-                                        <p:tav tm="0">
-                                          <p:val>
-                                            <p:strVal val="1+#ppt_h/2"/>
-                                          </p:val>
-                                        </p:tav>
-                                        <p:tav tm="100000">
-                                          <p:val>
-                                            <p:strVal val="#ppt_y"/>
-                                          </p:val>
-                                        </p:tav>
-                                      </p:tavLst>
-                                    </p:anim>
-                                  </p:childTnLst>
-                                </p:cTn>
-                              </p:par>
-                            </p:childTnLst>
-                          </p:cTn>
-                        </p:par>
-                        <p:par>
-                          <p:cTn id="20" fill="hold">
-                            <p:stCondLst>
-                              <p:cond delay="500"/>
-                            </p:stCondLst>
-                            <p:childTnLst>
-                              <p:par>
-                                <p:cTn id="21" presetID="2" presetClass="entr" presetSubtype="4" fill="hold" nodeType="afterEffect">
-                                  <p:stCondLst>
-                                    <p:cond delay="0"/>
-                                  </p:stCondLst>
-                                  <p:childTnLst>
-                                    <p:set>
-                                      <p:cBhvr>
-                                        <p:cTn id="22" dur="1" fill="hold">
-                                          <p:stCondLst>
-                                            <p:cond delay="0"/>
-                                          </p:stCondLst>
-                                        </p:cTn>
-                                        <p:tgtEl>
-                                          <p:spTgt spid="7"/>
-                                        </p:tgtEl>
-                                        <p:attrNameLst>
-                                          <p:attrName>style.visibility</p:attrName>
-                                        </p:attrNameLst>
-                                      </p:cBhvr>
-                                      <p:to>
-                                        <p:strVal val="visible"/>
-                                      </p:to>
-                                    </p:set>
-                                    <p:anim calcmode="lin" valueType="num">
-                                      <p:cBhvr additive="base">
-                                        <p:cTn id="23" dur="500" fill="hold"/>
-                                        <p:tgtEl>
-                                          <p:spTgt spid="7"/>
-                                        </p:tgtEl>
-                                        <p:attrNameLst>
-                                          <p:attrName>ppt_x</p:attrName>
-                                        </p:attrNameLst>
-                                      </p:cBhvr>
-                                      <p:tavLst>
-                                        <p:tav tm="0">
-                                          <p:val>
-                                            <p:strVal val="#ppt_x"/>
-                                          </p:val>
-                                        </p:tav>
-                                        <p:tav tm="100000">
-                                          <p:val>
-                                            <p:strVal val="#ppt_x"/>
-                                          </p:val>
-                                        </p:tav>
-                                      </p:tavLst>
-                                    </p:anim>
-                                    <p:anim calcmode="lin" valueType="num">
-                                      <p:cBhvr additive="base">
-                                        <p:cTn id="24" dur="500" fill="hold"/>
-                                        <p:tgtEl>
-                                          <p:spTgt spid="7"/>
+                                          <p:spTgt spid="8"/>
                                         </p:tgtEl>
                                         <p:attrNameLst>
                                           <p:attrName>ppt_y</p:attrName>
@@ -23380,6 +24630,9 @@
         </p:cTn>
       </p:par>
     </p:tnLst>
+    <p:bldLst>
+      <p:bldP spid="8" grpId="0"/>
+    </p:bldLst>
   </p:timing>
 </p:sld>
 </file>

--- a/课程PPT/03.JavaScript语法、表达式及语句、运算符.pptx
+++ b/课程PPT/03.JavaScript语法、表达式及语句、运算符.pptx
@@ -21,7 +21,7 @@
     <p:sldId id="1266" r:id="rId14"/>
     <p:sldId id="1286" r:id="rId15"/>
     <p:sldId id="1287" r:id="rId16"/>
-    <p:sldId id="1288" r:id="rId17"/>
+    <p:sldId id="1312" r:id="rId17"/>
     <p:sldId id="1226" r:id="rId18"/>
     <p:sldId id="1267" r:id="rId19"/>
     <p:sldId id="1268" r:id="rId20"/>
@@ -5221,7 +5221,7 @@
                             </p:stCondLst>
                             <p:childTnLst>
                               <p:par>
-                                <p:cTn id="5" presetID="2" presetClass="entr" presetSubtype="4" fill="hold" grpId="0" nodeType="clickEffect">
+                                <p:cTn id="5" presetID="2" presetClass="entr" presetSubtype="4" fill="hold" nodeType="clickEffect">
                                   <p:stCondLst>
                                     <p:cond delay="0"/>
                                   </p:stCondLst>
@@ -5229,6 +5229,540 @@
                                     <p:set>
                                       <p:cBhvr>
                                         <p:cTn id="6" dur="1" fill="hold">
+                                          <p:stCondLst>
+                                            <p:cond delay="0"/>
+                                          </p:stCondLst>
+                                        </p:cTn>
+                                        <p:tgtEl>
+                                          <p:spTgt spid="2">
+                                            <p:txEl>
+                                              <p:pRg st="0" end="0"/>
+                                            </p:txEl>
+                                          </p:spTgt>
+                                        </p:tgtEl>
+                                        <p:attrNameLst>
+                                          <p:attrName>style.visibility</p:attrName>
+                                        </p:attrNameLst>
+                                      </p:cBhvr>
+                                      <p:to>
+                                        <p:strVal val="visible"/>
+                                      </p:to>
+                                    </p:set>
+                                    <p:anim calcmode="lin" valueType="num">
+                                      <p:cBhvr additive="base">
+                                        <p:cTn id="7" dur="500" fill="hold"/>
+                                        <p:tgtEl>
+                                          <p:spTgt spid="2">
+                                            <p:txEl>
+                                              <p:pRg st="0" end="0"/>
+                                            </p:txEl>
+                                          </p:spTgt>
+                                        </p:tgtEl>
+                                        <p:attrNameLst>
+                                          <p:attrName>ppt_x</p:attrName>
+                                        </p:attrNameLst>
+                                      </p:cBhvr>
+                                      <p:tavLst>
+                                        <p:tav tm="0">
+                                          <p:val>
+                                            <p:strVal val="#ppt_x"/>
+                                          </p:val>
+                                        </p:tav>
+                                        <p:tav tm="100000">
+                                          <p:val>
+                                            <p:strVal val="#ppt_x"/>
+                                          </p:val>
+                                        </p:tav>
+                                      </p:tavLst>
+                                    </p:anim>
+                                    <p:anim calcmode="lin" valueType="num">
+                                      <p:cBhvr additive="base">
+                                        <p:cTn id="8" dur="500" fill="hold"/>
+                                        <p:tgtEl>
+                                          <p:spTgt spid="2">
+                                            <p:txEl>
+                                              <p:pRg st="0" end="0"/>
+                                            </p:txEl>
+                                          </p:spTgt>
+                                        </p:tgtEl>
+                                        <p:attrNameLst>
+                                          <p:attrName>ppt_y</p:attrName>
+                                        </p:attrNameLst>
+                                      </p:cBhvr>
+                                      <p:tavLst>
+                                        <p:tav tm="0">
+                                          <p:val>
+                                            <p:strVal val="1+#ppt_h/2"/>
+                                          </p:val>
+                                        </p:tav>
+                                        <p:tav tm="100000">
+                                          <p:val>
+                                            <p:strVal val="#ppt_y"/>
+                                          </p:val>
+                                        </p:tav>
+                                      </p:tavLst>
+                                    </p:anim>
+                                  </p:childTnLst>
+                                </p:cTn>
+                              </p:par>
+                            </p:childTnLst>
+                          </p:cTn>
+                        </p:par>
+                        <p:par>
+                          <p:cTn id="9" fill="hold">
+                            <p:stCondLst>
+                              <p:cond delay="500"/>
+                            </p:stCondLst>
+                            <p:childTnLst>
+                              <p:par>
+                                <p:cTn id="10" presetID="2" presetClass="entr" presetSubtype="4" fill="hold" nodeType="afterEffect">
+                                  <p:stCondLst>
+                                    <p:cond delay="0"/>
+                                  </p:stCondLst>
+                                  <p:childTnLst>
+                                    <p:set>
+                                      <p:cBhvr>
+                                        <p:cTn id="11" dur="1" fill="hold">
+                                          <p:stCondLst>
+                                            <p:cond delay="0"/>
+                                          </p:stCondLst>
+                                        </p:cTn>
+                                        <p:tgtEl>
+                                          <p:spTgt spid="4"/>
+                                        </p:tgtEl>
+                                        <p:attrNameLst>
+                                          <p:attrName>style.visibility</p:attrName>
+                                        </p:attrNameLst>
+                                      </p:cBhvr>
+                                      <p:to>
+                                        <p:strVal val="visible"/>
+                                      </p:to>
+                                    </p:set>
+                                    <p:anim calcmode="lin" valueType="num">
+                                      <p:cBhvr additive="base">
+                                        <p:cTn id="12" dur="500" fill="hold"/>
+                                        <p:tgtEl>
+                                          <p:spTgt spid="4"/>
+                                        </p:tgtEl>
+                                        <p:attrNameLst>
+                                          <p:attrName>ppt_x</p:attrName>
+                                        </p:attrNameLst>
+                                      </p:cBhvr>
+                                      <p:tavLst>
+                                        <p:tav tm="0">
+                                          <p:val>
+                                            <p:strVal val="#ppt_x"/>
+                                          </p:val>
+                                        </p:tav>
+                                        <p:tav tm="100000">
+                                          <p:val>
+                                            <p:strVal val="#ppt_x"/>
+                                          </p:val>
+                                        </p:tav>
+                                      </p:tavLst>
+                                    </p:anim>
+                                    <p:anim calcmode="lin" valueType="num">
+                                      <p:cBhvr additive="base">
+                                        <p:cTn id="13" dur="500" fill="hold"/>
+                                        <p:tgtEl>
+                                          <p:spTgt spid="4"/>
+                                        </p:tgtEl>
+                                        <p:attrNameLst>
+                                          <p:attrName>ppt_y</p:attrName>
+                                        </p:attrNameLst>
+                                      </p:cBhvr>
+                                      <p:tavLst>
+                                        <p:tav tm="0">
+                                          <p:val>
+                                            <p:strVal val="1+#ppt_h/2"/>
+                                          </p:val>
+                                        </p:tav>
+                                        <p:tav tm="100000">
+                                          <p:val>
+                                            <p:strVal val="#ppt_y"/>
+                                          </p:val>
+                                        </p:tav>
+                                      </p:tavLst>
+                                    </p:anim>
+                                  </p:childTnLst>
+                                </p:cTn>
+                              </p:par>
+                            </p:childTnLst>
+                          </p:cTn>
+                        </p:par>
+                        <p:par>
+                          <p:cTn id="14" fill="hold">
+                            <p:stCondLst>
+                              <p:cond delay="1000"/>
+                            </p:stCondLst>
+                            <p:childTnLst>
+                              <p:par>
+                                <p:cTn id="15" presetID="2" presetClass="entr" presetSubtype="4" fill="hold" nodeType="afterEffect">
+                                  <p:stCondLst>
+                                    <p:cond delay="0"/>
+                                  </p:stCondLst>
+                                  <p:childTnLst>
+                                    <p:set>
+                                      <p:cBhvr>
+                                        <p:cTn id="16" dur="1" fill="hold">
+                                          <p:stCondLst>
+                                            <p:cond delay="0"/>
+                                          </p:stCondLst>
+                                        </p:cTn>
+                                        <p:tgtEl>
+                                          <p:spTgt spid="5"/>
+                                        </p:tgtEl>
+                                        <p:attrNameLst>
+                                          <p:attrName>style.visibility</p:attrName>
+                                        </p:attrNameLst>
+                                      </p:cBhvr>
+                                      <p:to>
+                                        <p:strVal val="visible"/>
+                                      </p:to>
+                                    </p:set>
+                                    <p:anim calcmode="lin" valueType="num">
+                                      <p:cBhvr additive="base">
+                                        <p:cTn id="17" dur="500" fill="hold"/>
+                                        <p:tgtEl>
+                                          <p:spTgt spid="5"/>
+                                        </p:tgtEl>
+                                        <p:attrNameLst>
+                                          <p:attrName>ppt_x</p:attrName>
+                                        </p:attrNameLst>
+                                      </p:cBhvr>
+                                      <p:tavLst>
+                                        <p:tav tm="0">
+                                          <p:val>
+                                            <p:strVal val="#ppt_x"/>
+                                          </p:val>
+                                        </p:tav>
+                                        <p:tav tm="100000">
+                                          <p:val>
+                                            <p:strVal val="#ppt_x"/>
+                                          </p:val>
+                                        </p:tav>
+                                      </p:tavLst>
+                                    </p:anim>
+                                    <p:anim calcmode="lin" valueType="num">
+                                      <p:cBhvr additive="base">
+                                        <p:cTn id="18" dur="500" fill="hold"/>
+                                        <p:tgtEl>
+                                          <p:spTgt spid="5"/>
+                                        </p:tgtEl>
+                                        <p:attrNameLst>
+                                          <p:attrName>ppt_y</p:attrName>
+                                        </p:attrNameLst>
+                                      </p:cBhvr>
+                                      <p:tavLst>
+                                        <p:tav tm="0">
+                                          <p:val>
+                                            <p:strVal val="1+#ppt_h/2"/>
+                                          </p:val>
+                                        </p:tav>
+                                        <p:tav tm="100000">
+                                          <p:val>
+                                            <p:strVal val="#ppt_y"/>
+                                          </p:val>
+                                        </p:tav>
+                                      </p:tavLst>
+                                    </p:anim>
+                                  </p:childTnLst>
+                                </p:cTn>
+                              </p:par>
+                            </p:childTnLst>
+                          </p:cTn>
+                        </p:par>
+                      </p:childTnLst>
+                    </p:cTn>
+                  </p:par>
+                  <p:par>
+                    <p:cTn id="19" fill="hold">
+                      <p:stCondLst>
+                        <p:cond delay="indefinite"/>
+                      </p:stCondLst>
+                      <p:childTnLst>
+                        <p:par>
+                          <p:cTn id="20" fill="hold">
+                            <p:stCondLst>
+                              <p:cond delay="0"/>
+                            </p:stCondLst>
+                            <p:childTnLst>
+                              <p:par>
+                                <p:cTn id="21" presetID="2" presetClass="entr" presetSubtype="4" fill="hold" nodeType="clickEffect">
+                                  <p:stCondLst>
+                                    <p:cond delay="0"/>
+                                  </p:stCondLst>
+                                  <p:childTnLst>
+                                    <p:set>
+                                      <p:cBhvr>
+                                        <p:cTn id="22" dur="1" fill="hold">
+                                          <p:stCondLst>
+                                            <p:cond delay="0"/>
+                                          </p:stCondLst>
+                                        </p:cTn>
+                                        <p:tgtEl>
+                                          <p:spTgt spid="2">
+                                            <p:txEl>
+                                              <p:pRg st="5" end="5"/>
+                                            </p:txEl>
+                                          </p:spTgt>
+                                        </p:tgtEl>
+                                        <p:attrNameLst>
+                                          <p:attrName>style.visibility</p:attrName>
+                                        </p:attrNameLst>
+                                      </p:cBhvr>
+                                      <p:to>
+                                        <p:strVal val="visible"/>
+                                      </p:to>
+                                    </p:set>
+                                    <p:anim calcmode="lin" valueType="num">
+                                      <p:cBhvr additive="base">
+                                        <p:cTn id="23" dur="500" fill="hold"/>
+                                        <p:tgtEl>
+                                          <p:spTgt spid="2">
+                                            <p:txEl>
+                                              <p:pRg st="5" end="5"/>
+                                            </p:txEl>
+                                          </p:spTgt>
+                                        </p:tgtEl>
+                                        <p:attrNameLst>
+                                          <p:attrName>ppt_x</p:attrName>
+                                        </p:attrNameLst>
+                                      </p:cBhvr>
+                                      <p:tavLst>
+                                        <p:tav tm="0">
+                                          <p:val>
+                                            <p:strVal val="#ppt_x"/>
+                                          </p:val>
+                                        </p:tav>
+                                        <p:tav tm="100000">
+                                          <p:val>
+                                            <p:strVal val="#ppt_x"/>
+                                          </p:val>
+                                        </p:tav>
+                                      </p:tavLst>
+                                    </p:anim>
+                                    <p:anim calcmode="lin" valueType="num">
+                                      <p:cBhvr additive="base">
+                                        <p:cTn id="24" dur="500" fill="hold"/>
+                                        <p:tgtEl>
+                                          <p:spTgt spid="2">
+                                            <p:txEl>
+                                              <p:pRg st="5" end="5"/>
+                                            </p:txEl>
+                                          </p:spTgt>
+                                        </p:tgtEl>
+                                        <p:attrNameLst>
+                                          <p:attrName>ppt_y</p:attrName>
+                                        </p:attrNameLst>
+                                      </p:cBhvr>
+                                      <p:tavLst>
+                                        <p:tav tm="0">
+                                          <p:val>
+                                            <p:strVal val="1+#ppt_h/2"/>
+                                          </p:val>
+                                        </p:tav>
+                                        <p:tav tm="100000">
+                                          <p:val>
+                                            <p:strVal val="#ppt_y"/>
+                                          </p:val>
+                                        </p:tav>
+                                      </p:tavLst>
+                                    </p:anim>
+                                  </p:childTnLst>
+                                </p:cTn>
+                              </p:par>
+                            </p:childTnLst>
+                          </p:cTn>
+                        </p:par>
+                        <p:par>
+                          <p:cTn id="25" fill="hold">
+                            <p:stCondLst>
+                              <p:cond delay="500"/>
+                            </p:stCondLst>
+                            <p:childTnLst>
+                              <p:par>
+                                <p:cTn id="26" presetID="2" presetClass="entr" presetSubtype="4" fill="hold" nodeType="afterEffect">
+                                  <p:stCondLst>
+                                    <p:cond delay="0"/>
+                                  </p:stCondLst>
+                                  <p:childTnLst>
+                                    <p:set>
+                                      <p:cBhvr>
+                                        <p:cTn id="27" dur="1" fill="hold">
+                                          <p:stCondLst>
+                                            <p:cond delay="0"/>
+                                          </p:stCondLst>
+                                        </p:cTn>
+                                        <p:tgtEl>
+                                          <p:spTgt spid="6"/>
+                                        </p:tgtEl>
+                                        <p:attrNameLst>
+                                          <p:attrName>style.visibility</p:attrName>
+                                        </p:attrNameLst>
+                                      </p:cBhvr>
+                                      <p:to>
+                                        <p:strVal val="visible"/>
+                                      </p:to>
+                                    </p:set>
+                                    <p:anim calcmode="lin" valueType="num">
+                                      <p:cBhvr additive="base">
+                                        <p:cTn id="28" dur="500" fill="hold"/>
+                                        <p:tgtEl>
+                                          <p:spTgt spid="6"/>
+                                        </p:tgtEl>
+                                        <p:attrNameLst>
+                                          <p:attrName>ppt_x</p:attrName>
+                                        </p:attrNameLst>
+                                      </p:cBhvr>
+                                      <p:tavLst>
+                                        <p:tav tm="0">
+                                          <p:val>
+                                            <p:strVal val="#ppt_x"/>
+                                          </p:val>
+                                        </p:tav>
+                                        <p:tav tm="100000">
+                                          <p:val>
+                                            <p:strVal val="#ppt_x"/>
+                                          </p:val>
+                                        </p:tav>
+                                      </p:tavLst>
+                                    </p:anim>
+                                    <p:anim calcmode="lin" valueType="num">
+                                      <p:cBhvr additive="base">
+                                        <p:cTn id="29" dur="500" fill="hold"/>
+                                        <p:tgtEl>
+                                          <p:spTgt spid="6"/>
+                                        </p:tgtEl>
+                                        <p:attrNameLst>
+                                          <p:attrName>ppt_y</p:attrName>
+                                        </p:attrNameLst>
+                                      </p:cBhvr>
+                                      <p:tavLst>
+                                        <p:tav tm="0">
+                                          <p:val>
+                                            <p:strVal val="1+#ppt_h/2"/>
+                                          </p:val>
+                                        </p:tav>
+                                        <p:tav tm="100000">
+                                          <p:val>
+                                            <p:strVal val="#ppt_y"/>
+                                          </p:val>
+                                        </p:tav>
+                                      </p:tavLst>
+                                    </p:anim>
+                                  </p:childTnLst>
+                                </p:cTn>
+                              </p:par>
+                            </p:childTnLst>
+                          </p:cTn>
+                        </p:par>
+                        <p:par>
+                          <p:cTn id="30" fill="hold">
+                            <p:stCondLst>
+                              <p:cond delay="1000"/>
+                            </p:stCondLst>
+                            <p:childTnLst>
+                              <p:par>
+                                <p:cTn id="31" presetID="2" presetClass="entr" presetSubtype="4" fill="hold" nodeType="afterEffect">
+                                  <p:stCondLst>
+                                    <p:cond delay="0"/>
+                                  </p:stCondLst>
+                                  <p:childTnLst>
+                                    <p:set>
+                                      <p:cBhvr>
+                                        <p:cTn id="32" dur="1" fill="hold">
+                                          <p:stCondLst>
+                                            <p:cond delay="0"/>
+                                          </p:stCondLst>
+                                        </p:cTn>
+                                        <p:tgtEl>
+                                          <p:spTgt spid="7"/>
+                                        </p:tgtEl>
+                                        <p:attrNameLst>
+                                          <p:attrName>style.visibility</p:attrName>
+                                        </p:attrNameLst>
+                                      </p:cBhvr>
+                                      <p:to>
+                                        <p:strVal val="visible"/>
+                                      </p:to>
+                                    </p:set>
+                                    <p:anim calcmode="lin" valueType="num">
+                                      <p:cBhvr additive="base">
+                                        <p:cTn id="33" dur="500" fill="hold"/>
+                                        <p:tgtEl>
+                                          <p:spTgt spid="7"/>
+                                        </p:tgtEl>
+                                        <p:attrNameLst>
+                                          <p:attrName>ppt_x</p:attrName>
+                                        </p:attrNameLst>
+                                      </p:cBhvr>
+                                      <p:tavLst>
+                                        <p:tav tm="0">
+                                          <p:val>
+                                            <p:strVal val="#ppt_x"/>
+                                          </p:val>
+                                        </p:tav>
+                                        <p:tav tm="100000">
+                                          <p:val>
+                                            <p:strVal val="#ppt_x"/>
+                                          </p:val>
+                                        </p:tav>
+                                      </p:tavLst>
+                                    </p:anim>
+                                    <p:anim calcmode="lin" valueType="num">
+                                      <p:cBhvr additive="base">
+                                        <p:cTn id="34" dur="500" fill="hold"/>
+                                        <p:tgtEl>
+                                          <p:spTgt spid="7"/>
+                                        </p:tgtEl>
+                                        <p:attrNameLst>
+                                          <p:attrName>ppt_y</p:attrName>
+                                        </p:attrNameLst>
+                                      </p:cBhvr>
+                                      <p:tavLst>
+                                        <p:tav tm="0">
+                                          <p:val>
+                                            <p:strVal val="1+#ppt_h/2"/>
+                                          </p:val>
+                                        </p:tav>
+                                        <p:tav tm="100000">
+                                          <p:val>
+                                            <p:strVal val="#ppt_y"/>
+                                          </p:val>
+                                        </p:tav>
+                                      </p:tavLst>
+                                    </p:anim>
+                                  </p:childTnLst>
+                                </p:cTn>
+                              </p:par>
+                            </p:childTnLst>
+                          </p:cTn>
+                        </p:par>
+                      </p:childTnLst>
+                    </p:cTn>
+                  </p:par>
+                  <p:par>
+                    <p:cTn id="35" fill="hold">
+                      <p:stCondLst>
+                        <p:cond delay="indefinite"/>
+                      </p:stCondLst>
+                      <p:childTnLst>
+                        <p:par>
+                          <p:cTn id="36" fill="hold">
+                            <p:stCondLst>
+                              <p:cond delay="0"/>
+                            </p:stCondLst>
+                            <p:childTnLst>
+                              <p:par>
+                                <p:cTn id="37" presetID="2" presetClass="entr" presetSubtype="4" fill="hold" grpId="0" nodeType="clickPar">
+                                  <p:stCondLst>
+                                    <p:cond delay="0"/>
+                                  </p:stCondLst>
+                                  <p:childTnLst>
+                                    <p:set>
+                                      <p:cBhvr>
+                                        <p:cTn id="38" dur="1" fill="hold">
                                           <p:stCondLst>
                                             <p:cond delay="0"/>
                                           </p:stCondLst>
@@ -5246,7 +5780,7 @@
                                     </p:set>
                                     <p:anim calcmode="lin" valueType="num">
                                       <p:cBhvr additive="base">
-                                        <p:cTn id="7" dur="500" fill="hold"/>
+                                        <p:cTn id="39" dur="500" fill="hold"/>
                                         <p:tgtEl>
                                           <p:spTgt spid="8"/>
                                         </p:tgtEl>
@@ -5269,7 +5803,7 @@
                                     </p:anim>
                                     <p:anim calcmode="lin" valueType="num">
                                       <p:cBhvr additive="base">
-                                        <p:cTn id="8" dur="500" fill="hold"/>
+                                        <p:cTn id="40" dur="500" fill="hold"/>
                                         <p:tgtEl>
                                           <p:spTgt spid="8"/>
                                         </p:tgtEl>
@@ -6115,8 +6649,8 @@
         </p:nvSpPr>
         <p:spPr>
           <a:xfrm>
-            <a:off x="5425440" y="6037580"/>
-            <a:ext cx="5796915" cy="429895"/>
+            <a:off x="4874895" y="6109335"/>
+            <a:ext cx="7051040" cy="429895"/>
           </a:xfrm>
           <a:prstGeom prst="rect">
             <a:avLst/>
@@ -6157,17 +6691,7 @@
                 <a:latin typeface="+mn-ea"/>
                 <a:ea typeface="+mn-ea"/>
               </a:rPr>
-              <a:t>与</a:t>
-            </a:r>
-            <a:r>
-              <a:rPr lang="zh-CN" altLang="en-US" sz="2200">
-                <a:solidFill>
-                  <a:srgbClr val="FF0000"/>
-                </a:solidFill>
-                <a:latin typeface="+mn-ea"/>
-                <a:ea typeface="+mn-ea"/>
-              </a:rPr>
-              <a:t>数据类型案例</a:t>
+              <a:t>与数据类型案例 回顾数据类型</a:t>
             </a:r>
             <a:endParaRPr lang="zh-CN" altLang="en-US" sz="2200">
               <a:solidFill>
@@ -6213,6 +6737,7 @@
         </p:nvPicPr>
         <p:blipFill>
           <a:blip r:embed="rId2"/>
+          <a:srcRect b="14223"/>
           <a:stretch>
             <a:fillRect/>
           </a:stretch>
@@ -6220,7 +6745,32 @@
         <p:spPr>
           <a:xfrm>
             <a:off x="1187450" y="2539365"/>
-            <a:ext cx="6006465" cy="3031490"/>
+            <a:ext cx="6006465" cy="2600325"/>
+          </a:xfrm>
+          <a:prstGeom prst="rect">
+            <a:avLst/>
+          </a:prstGeom>
+        </p:spPr>
+      </p:pic>
+      <p:pic>
+        <p:nvPicPr>
+          <p:cNvPr id="4" name="图片 3"/>
+          <p:cNvPicPr>
+            <a:picLocks noChangeAspect="1"/>
+          </p:cNvPicPr>
+          <p:nvPr/>
+        </p:nvPicPr>
+        <p:blipFill>
+          <a:blip r:embed="rId2"/>
+          <a:srcRect t="85903"/>
+          <a:stretch>
+            <a:fillRect/>
+          </a:stretch>
+        </p:blipFill>
+        <p:spPr>
+          <a:xfrm>
+            <a:off x="1170940" y="5126990"/>
+            <a:ext cx="6006465" cy="427355"/>
           </a:xfrm>
           <a:prstGeom prst="rect">
             <a:avLst/>
@@ -6253,7 +6803,7 @@
                             </p:stCondLst>
                             <p:childTnLst>
                               <p:par>
-                                <p:cTn id="5" presetID="2" presetClass="entr" presetSubtype="4" fill="hold" grpId="0" nodeType="clickEffect">
+                                <p:cTn id="5" presetID="2" presetClass="entr" presetSubtype="4" fill="hold" nodeType="clickEffect">
                                   <p:stCondLst>
                                     <p:cond delay="0"/>
                                   </p:stCondLst>
@@ -6261,6 +6811,382 @@
                                     <p:set>
                                       <p:cBhvr>
                                         <p:cTn id="6" dur="1" fill="hold">
+                                          <p:stCondLst>
+                                            <p:cond delay="0"/>
+                                          </p:stCondLst>
+                                        </p:cTn>
+                                        <p:tgtEl>
+                                          <p:spTgt spid="2">
+                                            <p:txEl>
+                                              <p:pRg st="0" end="0"/>
+                                            </p:txEl>
+                                          </p:spTgt>
+                                        </p:tgtEl>
+                                        <p:attrNameLst>
+                                          <p:attrName>style.visibility</p:attrName>
+                                        </p:attrNameLst>
+                                      </p:cBhvr>
+                                      <p:to>
+                                        <p:strVal val="visible"/>
+                                      </p:to>
+                                    </p:set>
+                                    <p:anim calcmode="lin" valueType="num">
+                                      <p:cBhvr additive="base">
+                                        <p:cTn id="7" dur="500" fill="hold"/>
+                                        <p:tgtEl>
+                                          <p:spTgt spid="2">
+                                            <p:txEl>
+                                              <p:pRg st="0" end="0"/>
+                                            </p:txEl>
+                                          </p:spTgt>
+                                        </p:tgtEl>
+                                        <p:attrNameLst>
+                                          <p:attrName>ppt_x</p:attrName>
+                                        </p:attrNameLst>
+                                      </p:cBhvr>
+                                      <p:tavLst>
+                                        <p:tav tm="0">
+                                          <p:val>
+                                            <p:strVal val="#ppt_x"/>
+                                          </p:val>
+                                        </p:tav>
+                                        <p:tav tm="100000">
+                                          <p:val>
+                                            <p:strVal val="#ppt_x"/>
+                                          </p:val>
+                                        </p:tav>
+                                      </p:tavLst>
+                                    </p:anim>
+                                    <p:anim calcmode="lin" valueType="num">
+                                      <p:cBhvr additive="base">
+                                        <p:cTn id="8" dur="500" fill="hold"/>
+                                        <p:tgtEl>
+                                          <p:spTgt spid="2">
+                                            <p:txEl>
+                                              <p:pRg st="0" end="0"/>
+                                            </p:txEl>
+                                          </p:spTgt>
+                                        </p:tgtEl>
+                                        <p:attrNameLst>
+                                          <p:attrName>ppt_y</p:attrName>
+                                        </p:attrNameLst>
+                                      </p:cBhvr>
+                                      <p:tavLst>
+                                        <p:tav tm="0">
+                                          <p:val>
+                                            <p:strVal val="1+#ppt_h/2"/>
+                                          </p:val>
+                                        </p:tav>
+                                        <p:tav tm="100000">
+                                          <p:val>
+                                            <p:strVal val="#ppt_y"/>
+                                          </p:val>
+                                        </p:tav>
+                                      </p:tavLst>
+                                    </p:anim>
+                                  </p:childTnLst>
+                                </p:cTn>
+                              </p:par>
+                            </p:childTnLst>
+                          </p:cTn>
+                        </p:par>
+                      </p:childTnLst>
+                    </p:cTn>
+                  </p:par>
+                  <p:par>
+                    <p:cTn id="9" fill="hold">
+                      <p:stCondLst>
+                        <p:cond delay="indefinite"/>
+                      </p:stCondLst>
+                      <p:childTnLst>
+                        <p:par>
+                          <p:cTn id="10" fill="hold">
+                            <p:stCondLst>
+                              <p:cond delay="0"/>
+                            </p:stCondLst>
+                            <p:childTnLst>
+                              <p:par>
+                                <p:cTn id="11" presetID="2" presetClass="entr" presetSubtype="4" fill="hold" nodeType="clickEffect">
+                                  <p:stCondLst>
+                                    <p:cond delay="0"/>
+                                  </p:stCondLst>
+                                  <p:childTnLst>
+                                    <p:set>
+                                      <p:cBhvr>
+                                        <p:cTn id="12" dur="1" fill="hold">
+                                          <p:stCondLst>
+                                            <p:cond delay="0"/>
+                                          </p:stCondLst>
+                                        </p:cTn>
+                                        <p:tgtEl>
+                                          <p:spTgt spid="10"/>
+                                        </p:tgtEl>
+                                        <p:attrNameLst>
+                                          <p:attrName>style.visibility</p:attrName>
+                                        </p:attrNameLst>
+                                      </p:cBhvr>
+                                      <p:to>
+                                        <p:strVal val="visible"/>
+                                      </p:to>
+                                    </p:set>
+                                    <p:anim calcmode="lin" valueType="num">
+                                      <p:cBhvr additive="base">
+                                        <p:cTn id="13" dur="500" fill="hold"/>
+                                        <p:tgtEl>
+                                          <p:spTgt spid="10"/>
+                                        </p:tgtEl>
+                                        <p:attrNameLst>
+                                          <p:attrName>ppt_x</p:attrName>
+                                        </p:attrNameLst>
+                                      </p:cBhvr>
+                                      <p:tavLst>
+                                        <p:tav tm="0">
+                                          <p:val>
+                                            <p:strVal val="#ppt_x"/>
+                                          </p:val>
+                                        </p:tav>
+                                        <p:tav tm="100000">
+                                          <p:val>
+                                            <p:strVal val="#ppt_x"/>
+                                          </p:val>
+                                        </p:tav>
+                                      </p:tavLst>
+                                    </p:anim>
+                                    <p:anim calcmode="lin" valueType="num">
+                                      <p:cBhvr additive="base">
+                                        <p:cTn id="14" dur="500" fill="hold"/>
+                                        <p:tgtEl>
+                                          <p:spTgt spid="10"/>
+                                        </p:tgtEl>
+                                        <p:attrNameLst>
+                                          <p:attrName>ppt_y</p:attrName>
+                                        </p:attrNameLst>
+                                      </p:cBhvr>
+                                      <p:tavLst>
+                                        <p:tav tm="0">
+                                          <p:val>
+                                            <p:strVal val="1+#ppt_h/2"/>
+                                          </p:val>
+                                        </p:tav>
+                                        <p:tav tm="100000">
+                                          <p:val>
+                                            <p:strVal val="#ppt_y"/>
+                                          </p:val>
+                                        </p:tav>
+                                      </p:tavLst>
+                                    </p:anim>
+                                  </p:childTnLst>
+                                </p:cTn>
+                              </p:par>
+                            </p:childTnLst>
+                          </p:cTn>
+                        </p:par>
+                      </p:childTnLst>
+                    </p:cTn>
+                  </p:par>
+                  <p:par>
+                    <p:cTn id="15" fill="hold">
+                      <p:stCondLst>
+                        <p:cond delay="indefinite"/>
+                      </p:stCondLst>
+                      <p:childTnLst>
+                        <p:par>
+                          <p:cTn id="16" fill="hold">
+                            <p:stCondLst>
+                              <p:cond delay="0"/>
+                            </p:stCondLst>
+                            <p:childTnLst>
+                              <p:par>
+                                <p:cTn id="17" presetID="2" presetClass="entr" presetSubtype="4" fill="hold" nodeType="clickEffect">
+                                  <p:stCondLst>
+                                    <p:cond delay="0"/>
+                                  </p:stCondLst>
+                                  <p:childTnLst>
+                                    <p:set>
+                                      <p:cBhvr>
+                                        <p:cTn id="18" dur="1" fill="hold">
+                                          <p:stCondLst>
+                                            <p:cond delay="0"/>
+                                          </p:stCondLst>
+                                        </p:cTn>
+                                        <p:tgtEl>
+                                          <p:spTgt spid="4"/>
+                                        </p:tgtEl>
+                                        <p:attrNameLst>
+                                          <p:attrName>style.visibility</p:attrName>
+                                        </p:attrNameLst>
+                                      </p:cBhvr>
+                                      <p:to>
+                                        <p:strVal val="visible"/>
+                                      </p:to>
+                                    </p:set>
+                                    <p:anim calcmode="lin" valueType="num">
+                                      <p:cBhvr additive="base">
+                                        <p:cTn id="19" dur="500" fill="hold"/>
+                                        <p:tgtEl>
+                                          <p:spTgt spid="4"/>
+                                        </p:tgtEl>
+                                        <p:attrNameLst>
+                                          <p:attrName>ppt_x</p:attrName>
+                                        </p:attrNameLst>
+                                      </p:cBhvr>
+                                      <p:tavLst>
+                                        <p:tav tm="0">
+                                          <p:val>
+                                            <p:strVal val="#ppt_x"/>
+                                          </p:val>
+                                        </p:tav>
+                                        <p:tav tm="100000">
+                                          <p:val>
+                                            <p:strVal val="#ppt_x"/>
+                                          </p:val>
+                                        </p:tav>
+                                      </p:tavLst>
+                                    </p:anim>
+                                    <p:anim calcmode="lin" valueType="num">
+                                      <p:cBhvr additive="base">
+                                        <p:cTn id="20" dur="500" fill="hold"/>
+                                        <p:tgtEl>
+                                          <p:spTgt spid="4"/>
+                                        </p:tgtEl>
+                                        <p:attrNameLst>
+                                          <p:attrName>ppt_y</p:attrName>
+                                        </p:attrNameLst>
+                                      </p:cBhvr>
+                                      <p:tavLst>
+                                        <p:tav tm="0">
+                                          <p:val>
+                                            <p:strVal val="1+#ppt_h/2"/>
+                                          </p:val>
+                                        </p:tav>
+                                        <p:tav tm="100000">
+                                          <p:val>
+                                            <p:strVal val="#ppt_y"/>
+                                          </p:val>
+                                        </p:tav>
+                                      </p:tavLst>
+                                    </p:anim>
+                                  </p:childTnLst>
+                                </p:cTn>
+                              </p:par>
+                            </p:childTnLst>
+                          </p:cTn>
+                        </p:par>
+                      </p:childTnLst>
+                    </p:cTn>
+                  </p:par>
+                  <p:par>
+                    <p:cTn id="21" fill="hold">
+                      <p:stCondLst>
+                        <p:cond delay="indefinite"/>
+                      </p:stCondLst>
+                      <p:childTnLst>
+                        <p:par>
+                          <p:cTn id="22" fill="hold">
+                            <p:stCondLst>
+                              <p:cond delay="0"/>
+                            </p:stCondLst>
+                            <p:childTnLst>
+                              <p:par>
+                                <p:cTn id="23" presetID="2" presetClass="entr" presetSubtype="4" fill="hold" nodeType="clickEffect">
+                                  <p:stCondLst>
+                                    <p:cond delay="0"/>
+                                  </p:stCondLst>
+                                  <p:childTnLst>
+                                    <p:set>
+                                      <p:cBhvr>
+                                        <p:cTn id="24" dur="1" fill="hold">
+                                          <p:stCondLst>
+                                            <p:cond delay="0"/>
+                                          </p:stCondLst>
+                                        </p:cTn>
+                                        <p:tgtEl>
+                                          <p:spTgt spid="9"/>
+                                        </p:tgtEl>
+                                        <p:attrNameLst>
+                                          <p:attrName>style.visibility</p:attrName>
+                                        </p:attrNameLst>
+                                      </p:cBhvr>
+                                      <p:to>
+                                        <p:strVal val="visible"/>
+                                      </p:to>
+                                    </p:set>
+                                    <p:anim calcmode="lin" valueType="num">
+                                      <p:cBhvr additive="base">
+                                        <p:cTn id="25" dur="500" fill="hold"/>
+                                        <p:tgtEl>
+                                          <p:spTgt spid="9"/>
+                                        </p:tgtEl>
+                                        <p:attrNameLst>
+                                          <p:attrName>ppt_x</p:attrName>
+                                        </p:attrNameLst>
+                                      </p:cBhvr>
+                                      <p:tavLst>
+                                        <p:tav tm="0">
+                                          <p:val>
+                                            <p:strVal val="#ppt_x"/>
+                                          </p:val>
+                                        </p:tav>
+                                        <p:tav tm="100000">
+                                          <p:val>
+                                            <p:strVal val="#ppt_x"/>
+                                          </p:val>
+                                        </p:tav>
+                                      </p:tavLst>
+                                    </p:anim>
+                                    <p:anim calcmode="lin" valueType="num">
+                                      <p:cBhvr additive="base">
+                                        <p:cTn id="26" dur="500" fill="hold"/>
+                                        <p:tgtEl>
+                                          <p:spTgt spid="9"/>
+                                        </p:tgtEl>
+                                        <p:attrNameLst>
+                                          <p:attrName>ppt_y</p:attrName>
+                                        </p:attrNameLst>
+                                      </p:cBhvr>
+                                      <p:tavLst>
+                                        <p:tav tm="0">
+                                          <p:val>
+                                            <p:strVal val="1+#ppt_h/2"/>
+                                          </p:val>
+                                        </p:tav>
+                                        <p:tav tm="100000">
+                                          <p:val>
+                                            <p:strVal val="#ppt_y"/>
+                                          </p:val>
+                                        </p:tav>
+                                      </p:tavLst>
+                                    </p:anim>
+                                  </p:childTnLst>
+                                </p:cTn>
+                              </p:par>
+                            </p:childTnLst>
+                          </p:cTn>
+                        </p:par>
+                      </p:childTnLst>
+                    </p:cTn>
+                  </p:par>
+                  <p:par>
+                    <p:cTn id="27" fill="hold">
+                      <p:stCondLst>
+                        <p:cond delay="indefinite"/>
+                      </p:stCondLst>
+                      <p:childTnLst>
+                        <p:par>
+                          <p:cTn id="28" fill="hold">
+                            <p:stCondLst>
+                              <p:cond delay="0"/>
+                            </p:stCondLst>
+                            <p:childTnLst>
+                              <p:par>
+                                <p:cTn id="29" presetID="2" presetClass="entr" presetSubtype="4" fill="hold" grpId="0" nodeType="clickEffect">
+                                  <p:stCondLst>
+                                    <p:cond delay="0"/>
+                                  </p:stCondLst>
+                                  <p:childTnLst>
+                                    <p:set>
+                                      <p:cBhvr>
+                                        <p:cTn id="30" dur="1" fill="hold">
                                           <p:stCondLst>
                                             <p:cond delay="0"/>
                                           </p:stCondLst>
@@ -6278,7 +7204,7 @@
                                     </p:set>
                                     <p:anim calcmode="lin" valueType="num">
                                       <p:cBhvr additive="base">
-                                        <p:cTn id="7" dur="500" fill="hold"/>
+                                        <p:cTn id="31" dur="500" fill="hold"/>
                                         <p:tgtEl>
                                           <p:spTgt spid="8"/>
                                         </p:tgtEl>
@@ -6301,7 +7227,7 @@
                                     </p:anim>
                                     <p:anim calcmode="lin" valueType="num">
                                       <p:cBhvr additive="base">
-                                        <p:cTn id="8" dur="500" fill="hold"/>
+                                        <p:cTn id="32" dur="500" fill="hold"/>
                                         <p:tgtEl>
                                           <p:spTgt spid="8"/>
                                         </p:tgtEl>
@@ -6794,7 +7720,7 @@
                                           </p:stCondLst>
                                         </p:cTn>
                                         <p:tgtEl>
-                                          <p:spTgt spid="8"/>
+                                          <p:spTgt spid="5"/>
                                         </p:tgtEl>
                                         <p:attrNameLst>
                                           <p:attrName>style.visibility</p:attrName>
@@ -6808,6 +7734,170 @@
                                       <p:cBhvr additive="base">
                                         <p:cTn id="7" dur="500" fill="hold"/>
                                         <p:tgtEl>
+                                          <p:spTgt spid="5"/>
+                                        </p:tgtEl>
+                                        <p:attrNameLst>
+                                          <p:attrName>ppt_x</p:attrName>
+                                        </p:attrNameLst>
+                                      </p:cBhvr>
+                                      <p:tavLst>
+                                        <p:tav tm="0">
+                                          <p:val>
+                                            <p:strVal val="#ppt_x"/>
+                                          </p:val>
+                                        </p:tav>
+                                        <p:tav tm="100000">
+                                          <p:val>
+                                            <p:strVal val="#ppt_x"/>
+                                          </p:val>
+                                        </p:tav>
+                                      </p:tavLst>
+                                    </p:anim>
+                                    <p:anim calcmode="lin" valueType="num">
+                                      <p:cBhvr additive="base">
+                                        <p:cTn id="8" dur="500" fill="hold"/>
+                                        <p:tgtEl>
+                                          <p:spTgt spid="5"/>
+                                        </p:tgtEl>
+                                        <p:attrNameLst>
+                                          <p:attrName>ppt_y</p:attrName>
+                                        </p:attrNameLst>
+                                      </p:cBhvr>
+                                      <p:tavLst>
+                                        <p:tav tm="0">
+                                          <p:val>
+                                            <p:strVal val="1+#ppt_h/2"/>
+                                          </p:val>
+                                        </p:tav>
+                                        <p:tav tm="100000">
+                                          <p:val>
+                                            <p:strVal val="#ppt_y"/>
+                                          </p:val>
+                                        </p:tav>
+                                      </p:tavLst>
+                                    </p:anim>
+                                  </p:childTnLst>
+                                </p:cTn>
+                              </p:par>
+                              <p:par>
+                                <p:cTn id="9" presetID="2" presetClass="entr" presetSubtype="4" fill="hold" nodeType="withEffect">
+                                  <p:stCondLst>
+                                    <p:cond delay="0"/>
+                                  </p:stCondLst>
+                                  <p:childTnLst>
+                                    <p:set>
+                                      <p:cBhvr>
+                                        <p:cTn id="10" dur="1" fill="hold">
+                                          <p:stCondLst>
+                                            <p:cond delay="0"/>
+                                          </p:stCondLst>
+                                        </p:cTn>
+                                        <p:tgtEl>
+                                          <p:spTgt spid="4"/>
+                                        </p:tgtEl>
+                                        <p:attrNameLst>
+                                          <p:attrName>style.visibility</p:attrName>
+                                        </p:attrNameLst>
+                                      </p:cBhvr>
+                                      <p:to>
+                                        <p:strVal val="visible"/>
+                                      </p:to>
+                                    </p:set>
+                                    <p:anim calcmode="lin" valueType="num">
+                                      <p:cBhvr additive="base">
+                                        <p:cTn id="11" dur="500" fill="hold"/>
+                                        <p:tgtEl>
+                                          <p:spTgt spid="4"/>
+                                        </p:tgtEl>
+                                        <p:attrNameLst>
+                                          <p:attrName>ppt_x</p:attrName>
+                                        </p:attrNameLst>
+                                      </p:cBhvr>
+                                      <p:tavLst>
+                                        <p:tav tm="0">
+                                          <p:val>
+                                            <p:strVal val="#ppt_x"/>
+                                          </p:val>
+                                        </p:tav>
+                                        <p:tav tm="100000">
+                                          <p:val>
+                                            <p:strVal val="#ppt_x"/>
+                                          </p:val>
+                                        </p:tav>
+                                      </p:tavLst>
+                                    </p:anim>
+                                    <p:anim calcmode="lin" valueType="num">
+                                      <p:cBhvr additive="base">
+                                        <p:cTn id="12" dur="500" fill="hold"/>
+                                        <p:tgtEl>
+                                          <p:spTgt spid="4"/>
+                                        </p:tgtEl>
+                                        <p:attrNameLst>
+                                          <p:attrName>ppt_y</p:attrName>
+                                        </p:attrNameLst>
+                                      </p:cBhvr>
+                                      <p:tavLst>
+                                        <p:tav tm="0">
+                                          <p:val>
+                                            <p:strVal val="1+#ppt_h/2"/>
+                                          </p:val>
+                                        </p:tav>
+                                        <p:tav tm="100000">
+                                          <p:val>
+                                            <p:strVal val="#ppt_y"/>
+                                          </p:val>
+                                        </p:tav>
+                                      </p:tavLst>
+                                    </p:anim>
+                                  </p:childTnLst>
+                                </p:cTn>
+                              </p:par>
+                            </p:childTnLst>
+                          </p:cTn>
+                        </p:par>
+                      </p:childTnLst>
+                    </p:cTn>
+                  </p:par>
+                  <p:par>
+                    <p:cTn id="13" fill="hold">
+                      <p:stCondLst>
+                        <p:cond delay="indefinite"/>
+                      </p:stCondLst>
+                      <p:childTnLst>
+                        <p:par>
+                          <p:cTn id="14" fill="hold">
+                            <p:stCondLst>
+                              <p:cond delay="0"/>
+                            </p:stCondLst>
+                            <p:childTnLst>
+                              <p:par>
+                                <p:cTn id="15" presetID="2" presetClass="entr" presetSubtype="4" fill="hold" grpId="0" nodeType="clickEffect">
+                                  <p:stCondLst>
+                                    <p:cond delay="0"/>
+                                  </p:stCondLst>
+                                  <p:childTnLst>
+                                    <p:set>
+                                      <p:cBhvr>
+                                        <p:cTn id="16" dur="1" fill="hold">
+                                          <p:stCondLst>
+                                            <p:cond delay="0"/>
+                                          </p:stCondLst>
+                                        </p:cTn>
+                                        <p:tgtEl>
+                                          <p:spTgt spid="8"/>
+                                        </p:tgtEl>
+                                        <p:attrNameLst>
+                                          <p:attrName>style.visibility</p:attrName>
+                                        </p:attrNameLst>
+                                      </p:cBhvr>
+                                      <p:to>
+                                        <p:strVal val="visible"/>
+                                      </p:to>
+                                    </p:set>
+                                    <p:anim calcmode="lin" valueType="num">
+                                      <p:cBhvr additive="base">
+                                        <p:cTn id="17" dur="500" fill="hold"/>
+                                        <p:tgtEl>
                                           <p:spTgt spid="8"/>
                                         </p:tgtEl>
                                         <p:attrNameLst>
@@ -6829,7 +7919,7 @@
                                     </p:anim>
                                     <p:anim calcmode="lin" valueType="num">
                                       <p:cBhvr additive="base">
-                                        <p:cTn id="8" dur="500" fill="hold"/>
+                                        <p:cTn id="18" dur="500" fill="hold"/>
                                         <p:tgtEl>
                                           <p:spTgt spid="8"/>
                                         </p:tgtEl>
@@ -6882,6 +7972,7 @@
     </p:tnLst>
     <p:bldLst>
       <p:bldP spid="8" grpId="0"/>
+      <p:bldP spid="5" grpId="0"/>
     </p:bldLst>
   </p:timing>
 </p:sld>
@@ -6945,7 +8036,7 @@
                 </a:solidFill>
                 <a:sym typeface="+mn-ea"/>
               </a:rPr>
-              <a:t>遍历数组（忽略空缺）</a:t>
+              <a:t>常用来遍历对象</a:t>
             </a:r>
             <a:endParaRPr lang="zh-CN" altLang="en-US" sz="3200" dirty="0">
               <a:solidFill>
@@ -6962,7 +8053,7 @@
               <a:buNone/>
             </a:pPr>
             <a:br>
-              <a:rPr lang="zh-CN" altLang="en-US" sz="2400" dirty="0">
+              <a:rPr lang="zh-CN" altLang="en-US" dirty="0">
                 <a:solidFill>
                   <a:schemeClr val="tx1"/>
                 </a:solidFill>
@@ -6970,14 +8061,14 @@
               </a:rPr>
             </a:br>
             <a:br>
-              <a:rPr lang="zh-CN" altLang="en-US" sz="2400" dirty="0">
+              <a:rPr lang="zh-CN" altLang="en-US" dirty="0">
                 <a:solidFill>
                   <a:schemeClr val="tx1"/>
                 </a:solidFill>
                 <a:sym typeface="+mn-ea"/>
               </a:rPr>
             </a:br>
-            <a:endParaRPr lang="zh-CN" altLang="en-US" sz="2400" dirty="0">
+            <a:endParaRPr lang="zh-CN" altLang="en-US" dirty="0">
               <a:solidFill>
                 <a:schemeClr val="tx1"/>
               </a:solidFill>
@@ -7006,7 +8097,7 @@
                 </a:solidFill>
                 <a:sym typeface="+mn-ea"/>
               </a:rPr>
-              <a:t>常用来遍历对象</a:t>
+              <a:t>遍历数组（忽略空缺）</a:t>
             </a:r>
             <a:endParaRPr lang="zh-CN" altLang="en-US" sz="3200" dirty="0">
               <a:solidFill>
@@ -7187,7 +8278,7 @@
         </p:blipFill>
         <p:spPr>
           <a:xfrm>
-            <a:off x="1208405" y="1512570"/>
+            <a:off x="1208405" y="4167505"/>
             <a:ext cx="3537585" cy="1855470"/>
           </a:xfrm>
           <a:prstGeom prst="rect">
@@ -7211,7 +8302,7 @@
         </p:blipFill>
         <p:spPr>
           <a:xfrm>
-            <a:off x="1208405" y="3912870"/>
+            <a:off x="1208405" y="1473200"/>
             <a:ext cx="5193665" cy="2124710"/>
           </a:xfrm>
           <a:prstGeom prst="rect">
@@ -7245,7 +8336,7 @@
                             </p:stCondLst>
                             <p:childTnLst>
                               <p:par>
-                                <p:cTn id="5" presetID="2" presetClass="entr" presetSubtype="4" fill="hold" grpId="0" nodeType="clickEffect">
+                                <p:cTn id="5" presetID="2" presetClass="entr" presetSubtype="4" fill="hold" nodeType="clickEffect">
                                   <p:stCondLst>
                                     <p:cond delay="0"/>
                                   </p:stCondLst>
@@ -7253,6 +8344,376 @@
                                     <p:set>
                                       <p:cBhvr>
                                         <p:cTn id="6" dur="1" fill="hold">
+                                          <p:stCondLst>
+                                            <p:cond delay="0"/>
+                                          </p:stCondLst>
+                                        </p:cTn>
+                                        <p:tgtEl>
+                                          <p:spTgt spid="2">
+                                            <p:txEl>
+                                              <p:pRg st="0" end="0"/>
+                                            </p:txEl>
+                                          </p:spTgt>
+                                        </p:tgtEl>
+                                        <p:attrNameLst>
+                                          <p:attrName>style.visibility</p:attrName>
+                                        </p:attrNameLst>
+                                      </p:cBhvr>
+                                      <p:to>
+                                        <p:strVal val="visible"/>
+                                      </p:to>
+                                    </p:set>
+                                    <p:anim calcmode="lin" valueType="num">
+                                      <p:cBhvr additive="base">
+                                        <p:cTn id="7" dur="500" fill="hold"/>
+                                        <p:tgtEl>
+                                          <p:spTgt spid="2">
+                                            <p:txEl>
+                                              <p:pRg st="0" end="0"/>
+                                            </p:txEl>
+                                          </p:spTgt>
+                                        </p:tgtEl>
+                                        <p:attrNameLst>
+                                          <p:attrName>ppt_x</p:attrName>
+                                        </p:attrNameLst>
+                                      </p:cBhvr>
+                                      <p:tavLst>
+                                        <p:tav tm="0">
+                                          <p:val>
+                                            <p:strVal val="#ppt_x"/>
+                                          </p:val>
+                                        </p:tav>
+                                        <p:tav tm="100000">
+                                          <p:val>
+                                            <p:strVal val="#ppt_x"/>
+                                          </p:val>
+                                        </p:tav>
+                                      </p:tavLst>
+                                    </p:anim>
+                                    <p:anim calcmode="lin" valueType="num">
+                                      <p:cBhvr additive="base">
+                                        <p:cTn id="8" dur="500" fill="hold"/>
+                                        <p:tgtEl>
+                                          <p:spTgt spid="2">
+                                            <p:txEl>
+                                              <p:pRg st="0" end="0"/>
+                                            </p:txEl>
+                                          </p:spTgt>
+                                        </p:tgtEl>
+                                        <p:attrNameLst>
+                                          <p:attrName>ppt_y</p:attrName>
+                                        </p:attrNameLst>
+                                      </p:cBhvr>
+                                      <p:tavLst>
+                                        <p:tav tm="0">
+                                          <p:val>
+                                            <p:strVal val="1+#ppt_h/2"/>
+                                          </p:val>
+                                        </p:tav>
+                                        <p:tav tm="100000">
+                                          <p:val>
+                                            <p:strVal val="#ppt_y"/>
+                                          </p:val>
+                                        </p:tav>
+                                      </p:tavLst>
+                                    </p:anim>
+                                  </p:childTnLst>
+                                </p:cTn>
+                              </p:par>
+                            </p:childTnLst>
+                          </p:cTn>
+                        </p:par>
+                        <p:par>
+                          <p:cTn id="9" fill="hold">
+                            <p:stCondLst>
+                              <p:cond delay="500"/>
+                            </p:stCondLst>
+                            <p:childTnLst>
+                              <p:par>
+                                <p:cTn id="10" presetID="2" presetClass="entr" presetSubtype="4" fill="hold" nodeType="afterEffect">
+                                  <p:stCondLst>
+                                    <p:cond delay="0"/>
+                                  </p:stCondLst>
+                                  <p:childTnLst>
+                                    <p:set>
+                                      <p:cBhvr>
+                                        <p:cTn id="11" dur="1" fill="hold">
+                                          <p:stCondLst>
+                                            <p:cond delay="0"/>
+                                          </p:stCondLst>
+                                        </p:cTn>
+                                        <p:tgtEl>
+                                          <p:spTgt spid="9"/>
+                                        </p:tgtEl>
+                                        <p:attrNameLst>
+                                          <p:attrName>style.visibility</p:attrName>
+                                        </p:attrNameLst>
+                                      </p:cBhvr>
+                                      <p:to>
+                                        <p:strVal val="visible"/>
+                                      </p:to>
+                                    </p:set>
+                                    <p:anim calcmode="lin" valueType="num">
+                                      <p:cBhvr additive="base">
+                                        <p:cTn id="12" dur="500" fill="hold"/>
+                                        <p:tgtEl>
+                                          <p:spTgt spid="9"/>
+                                        </p:tgtEl>
+                                        <p:attrNameLst>
+                                          <p:attrName>ppt_x</p:attrName>
+                                        </p:attrNameLst>
+                                      </p:cBhvr>
+                                      <p:tavLst>
+                                        <p:tav tm="0">
+                                          <p:val>
+                                            <p:strVal val="#ppt_x"/>
+                                          </p:val>
+                                        </p:tav>
+                                        <p:tav tm="100000">
+                                          <p:val>
+                                            <p:strVal val="#ppt_x"/>
+                                          </p:val>
+                                        </p:tav>
+                                      </p:tavLst>
+                                    </p:anim>
+                                    <p:anim calcmode="lin" valueType="num">
+                                      <p:cBhvr additive="base">
+                                        <p:cTn id="13" dur="500" fill="hold"/>
+                                        <p:tgtEl>
+                                          <p:spTgt spid="9"/>
+                                        </p:tgtEl>
+                                        <p:attrNameLst>
+                                          <p:attrName>ppt_y</p:attrName>
+                                        </p:attrNameLst>
+                                      </p:cBhvr>
+                                      <p:tavLst>
+                                        <p:tav tm="0">
+                                          <p:val>
+                                            <p:strVal val="1+#ppt_h/2"/>
+                                          </p:val>
+                                        </p:tav>
+                                        <p:tav tm="100000">
+                                          <p:val>
+                                            <p:strVal val="#ppt_y"/>
+                                          </p:val>
+                                        </p:tav>
+                                      </p:tavLst>
+                                    </p:anim>
+                                  </p:childTnLst>
+                                </p:cTn>
+                              </p:par>
+                            </p:childTnLst>
+                          </p:cTn>
+                        </p:par>
+                      </p:childTnLst>
+                    </p:cTn>
+                  </p:par>
+                  <p:par>
+                    <p:cTn id="14" fill="hold">
+                      <p:stCondLst>
+                        <p:cond delay="indefinite"/>
+                      </p:stCondLst>
+                      <p:childTnLst>
+                        <p:par>
+                          <p:cTn id="15" fill="hold">
+                            <p:stCondLst>
+                              <p:cond delay="0"/>
+                            </p:stCondLst>
+                            <p:childTnLst>
+                              <p:par>
+                                <p:cTn id="16" presetID="2" presetClass="entr" presetSubtype="4" fill="hold" nodeType="clickEffect">
+                                  <p:stCondLst>
+                                    <p:cond delay="0"/>
+                                  </p:stCondLst>
+                                  <p:childTnLst>
+                                    <p:set>
+                                      <p:cBhvr>
+                                        <p:cTn id="17" dur="1" fill="hold">
+                                          <p:stCondLst>
+                                            <p:cond delay="0"/>
+                                          </p:stCondLst>
+                                        </p:cTn>
+                                        <p:tgtEl>
+                                          <p:spTgt spid="2">
+                                            <p:txEl>
+                                              <p:pRg st="2" end="2"/>
+                                            </p:txEl>
+                                          </p:spTgt>
+                                        </p:tgtEl>
+                                        <p:attrNameLst>
+                                          <p:attrName>style.visibility</p:attrName>
+                                        </p:attrNameLst>
+                                      </p:cBhvr>
+                                      <p:to>
+                                        <p:strVal val="visible"/>
+                                      </p:to>
+                                    </p:set>
+                                    <p:anim calcmode="lin" valueType="num">
+                                      <p:cBhvr additive="base">
+                                        <p:cTn id="18" dur="500" fill="hold"/>
+                                        <p:tgtEl>
+                                          <p:spTgt spid="2">
+                                            <p:txEl>
+                                              <p:pRg st="2" end="2"/>
+                                            </p:txEl>
+                                          </p:spTgt>
+                                        </p:tgtEl>
+                                        <p:attrNameLst>
+                                          <p:attrName>ppt_x</p:attrName>
+                                        </p:attrNameLst>
+                                      </p:cBhvr>
+                                      <p:tavLst>
+                                        <p:tav tm="0">
+                                          <p:val>
+                                            <p:strVal val="#ppt_x"/>
+                                          </p:val>
+                                        </p:tav>
+                                        <p:tav tm="100000">
+                                          <p:val>
+                                            <p:strVal val="#ppt_x"/>
+                                          </p:val>
+                                        </p:tav>
+                                      </p:tavLst>
+                                    </p:anim>
+                                    <p:anim calcmode="lin" valueType="num">
+                                      <p:cBhvr additive="base">
+                                        <p:cTn id="19" dur="500" fill="hold"/>
+                                        <p:tgtEl>
+                                          <p:spTgt spid="2">
+                                            <p:txEl>
+                                              <p:pRg st="2" end="2"/>
+                                            </p:txEl>
+                                          </p:spTgt>
+                                        </p:tgtEl>
+                                        <p:attrNameLst>
+                                          <p:attrName>ppt_y</p:attrName>
+                                        </p:attrNameLst>
+                                      </p:cBhvr>
+                                      <p:tavLst>
+                                        <p:tav tm="0">
+                                          <p:val>
+                                            <p:strVal val="1+#ppt_h/2"/>
+                                          </p:val>
+                                        </p:tav>
+                                        <p:tav tm="100000">
+                                          <p:val>
+                                            <p:strVal val="#ppt_y"/>
+                                          </p:val>
+                                        </p:tav>
+                                      </p:tavLst>
+                                    </p:anim>
+                                  </p:childTnLst>
+                                </p:cTn>
+                              </p:par>
+                            </p:childTnLst>
+                          </p:cTn>
+                        </p:par>
+                        <p:par>
+                          <p:cTn id="20" fill="hold">
+                            <p:stCondLst>
+                              <p:cond delay="500"/>
+                            </p:stCondLst>
+                            <p:childTnLst>
+                              <p:par>
+                                <p:cTn id="21" presetID="2" presetClass="entr" presetSubtype="4" fill="hold" nodeType="afterEffect">
+                                  <p:stCondLst>
+                                    <p:cond delay="0"/>
+                                  </p:stCondLst>
+                                  <p:childTnLst>
+                                    <p:set>
+                                      <p:cBhvr>
+                                        <p:cTn id="22" dur="1" fill="hold">
+                                          <p:stCondLst>
+                                            <p:cond delay="0"/>
+                                          </p:stCondLst>
+                                        </p:cTn>
+                                        <p:tgtEl>
+                                          <p:spTgt spid="6"/>
+                                        </p:tgtEl>
+                                        <p:attrNameLst>
+                                          <p:attrName>style.visibility</p:attrName>
+                                        </p:attrNameLst>
+                                      </p:cBhvr>
+                                      <p:to>
+                                        <p:strVal val="visible"/>
+                                      </p:to>
+                                    </p:set>
+                                    <p:anim calcmode="lin" valueType="num">
+                                      <p:cBhvr additive="base">
+                                        <p:cTn id="23" dur="500" fill="hold"/>
+                                        <p:tgtEl>
+                                          <p:spTgt spid="6"/>
+                                        </p:tgtEl>
+                                        <p:attrNameLst>
+                                          <p:attrName>ppt_x</p:attrName>
+                                        </p:attrNameLst>
+                                      </p:cBhvr>
+                                      <p:tavLst>
+                                        <p:tav tm="0">
+                                          <p:val>
+                                            <p:strVal val="#ppt_x"/>
+                                          </p:val>
+                                        </p:tav>
+                                        <p:tav tm="100000">
+                                          <p:val>
+                                            <p:strVal val="#ppt_x"/>
+                                          </p:val>
+                                        </p:tav>
+                                      </p:tavLst>
+                                    </p:anim>
+                                    <p:anim calcmode="lin" valueType="num">
+                                      <p:cBhvr additive="base">
+                                        <p:cTn id="24" dur="500" fill="hold"/>
+                                        <p:tgtEl>
+                                          <p:spTgt spid="6"/>
+                                        </p:tgtEl>
+                                        <p:attrNameLst>
+                                          <p:attrName>ppt_y</p:attrName>
+                                        </p:attrNameLst>
+                                      </p:cBhvr>
+                                      <p:tavLst>
+                                        <p:tav tm="0">
+                                          <p:val>
+                                            <p:strVal val="1+#ppt_h/2"/>
+                                          </p:val>
+                                        </p:tav>
+                                        <p:tav tm="100000">
+                                          <p:val>
+                                            <p:strVal val="#ppt_y"/>
+                                          </p:val>
+                                        </p:tav>
+                                      </p:tavLst>
+                                    </p:anim>
+                                  </p:childTnLst>
+                                </p:cTn>
+                              </p:par>
+                            </p:childTnLst>
+                          </p:cTn>
+                        </p:par>
+                      </p:childTnLst>
+                    </p:cTn>
+                  </p:par>
+                  <p:par>
+                    <p:cTn id="25" fill="hold">
+                      <p:stCondLst>
+                        <p:cond delay="indefinite"/>
+                      </p:stCondLst>
+                      <p:childTnLst>
+                        <p:par>
+                          <p:cTn id="26" fill="hold">
+                            <p:stCondLst>
+                              <p:cond delay="0"/>
+                            </p:stCondLst>
+                            <p:childTnLst>
+                              <p:par>
+                                <p:cTn id="27" presetID="2" presetClass="entr" presetSubtype="4" fill="hold" grpId="0" nodeType="clickEffect">
+                                  <p:stCondLst>
+                                    <p:cond delay="0"/>
+                                  </p:stCondLst>
+                                  <p:childTnLst>
+                                    <p:set>
+                                      <p:cBhvr>
+                                        <p:cTn id="28" dur="1" fill="hold">
                                           <p:stCondLst>
                                             <p:cond delay="0"/>
                                           </p:stCondLst>
@@ -7270,7 +8731,7 @@
                                     </p:set>
                                     <p:anim calcmode="lin" valueType="num">
                                       <p:cBhvr additive="base">
-                                        <p:cTn id="7" dur="500" fill="hold"/>
+                                        <p:cTn id="29" dur="500" fill="hold"/>
                                         <p:tgtEl>
                                           <p:spTgt spid="8"/>
                                         </p:tgtEl>
@@ -7293,7 +8754,7 @@
                                     </p:anim>
                                     <p:anim calcmode="lin" valueType="num">
                                       <p:cBhvr additive="base">
-                                        <p:cTn id="8" dur="500" fill="hold"/>
+                                        <p:cTn id="30" dur="500" fill="hold"/>
                                         <p:tgtEl>
                                           <p:spTgt spid="8"/>
                                         </p:tgtEl>
@@ -8536,33 +9997,25 @@
               </a:rPr>
               <a:t>==</a:t>
             </a:r>
-            <a:br>
+            <a:r>
               <a:rPr lang="zh-CN" altLang="en-US" sz="3200" dirty="0">
                 <a:solidFill>
                   <a:schemeClr val="tx1"/>
                 </a:solidFill>
                 <a:sym typeface="+mn-ea"/>
               </a:rPr>
-            </a:br>
-            <a:r>
-              <a:rPr lang="en-US" altLang="zh-CN" sz="2000" dirty="0">
-                <a:solidFill>
-                  <a:schemeClr val="tx1"/>
-                </a:solidFill>
-                <a:sym typeface="+mn-ea"/>
-              </a:rPr>
-              <a:t>- </a:t>
-            </a:r>
-            <a:r>
-              <a:rPr lang="zh-CN" sz="2000" dirty="0">
-                <a:solidFill>
-                  <a:schemeClr val="tx1"/>
-                </a:solidFill>
-                <a:sym typeface="+mn-ea"/>
-              </a:rPr>
-              <a:t>为什么有些有些表达式要发反写</a:t>
-            </a:r>
-            <a:endParaRPr lang="zh-CN" sz="2000" dirty="0">
+              <a:t>（</a:t>
+            </a:r>
+            <a:r>
+              <a:rPr lang="zh-CN" sz="3200" dirty="0">
+                <a:solidFill>
+                  <a:schemeClr val="tx1"/>
+                </a:solidFill>
+                <a:sym typeface="+mn-ea"/>
+              </a:rPr>
+              <a:t>表达式要发反写，有什么好处）</a:t>
+            </a:r>
+            <a:endParaRPr lang="zh-CN" sz="3200" dirty="0">
               <a:solidFill>
                 <a:schemeClr val="tx1"/>
               </a:solidFill>
@@ -8757,76 +10210,14 @@
         </p:blipFill>
         <p:spPr>
           <a:xfrm>
-            <a:off x="1223010" y="1986915"/>
-            <a:ext cx="7370445" cy="4050665"/>
+            <a:off x="1079500" y="1484630"/>
+            <a:ext cx="8282940" cy="4552315"/>
           </a:xfrm>
           <a:prstGeom prst="rect">
             <a:avLst/>
           </a:prstGeom>
         </p:spPr>
       </p:pic>
-      <p:sp>
-        <p:nvSpPr>
-          <p:cNvPr id="5" name="文本框 4"/>
-          <p:cNvSpPr txBox="1"/>
-          <p:nvPr/>
-        </p:nvSpPr>
-        <p:spPr>
-          <a:xfrm>
-            <a:off x="8785225" y="3862705"/>
-            <a:ext cx="2483485" cy="768350"/>
-          </a:xfrm>
-          <a:prstGeom prst="rect">
-            <a:avLst/>
-          </a:prstGeom>
-          <a:noFill/>
-        </p:spPr>
-        <p:txBody>
-          <a:bodyPr wrap="square" rtlCol="0">
-            <a:spAutoFit/>
-          </a:bodyPr>
-          <a:p>
-            <a:pPr algn="l"/>
-            <a:r>
-              <a:rPr lang="zh-CN" sz="2200">
-                <a:solidFill>
-                  <a:srgbClr val="FF0000"/>
-                </a:solidFill>
-                <a:latin typeface="+mn-ea"/>
-                <a:ea typeface="+mn-ea"/>
-              </a:rPr>
-              <a:t>为什么反写 </a:t>
-            </a:r>
-            <a:r>
-              <a:rPr lang="en-US" altLang="zh-CN" sz="2200">
-                <a:solidFill>
-                  <a:srgbClr val="FF0000"/>
-                </a:solidFill>
-                <a:latin typeface="+mn-ea"/>
-                <a:ea typeface="+mn-ea"/>
-              </a:rPr>
-              <a:t>== </a:t>
-            </a:r>
-            <a:r>
-              <a:rPr lang="zh-CN" altLang="en-US" sz="2200">
-                <a:solidFill>
-                  <a:srgbClr val="FF0000"/>
-                </a:solidFill>
-                <a:latin typeface="+mn-ea"/>
-                <a:ea typeface="+mn-ea"/>
-              </a:rPr>
-              <a:t>两边的操作数</a:t>
-            </a:r>
-            <a:endParaRPr lang="zh-CN" altLang="en-US" sz="2200">
-              <a:solidFill>
-                <a:srgbClr val="FF0000"/>
-              </a:solidFill>
-              <a:latin typeface="+mn-ea"/>
-              <a:ea typeface="+mn-ea"/>
-            </a:endParaRPr>
-          </a:p>
-        </p:txBody>
-      </p:sp>
     </p:spTree>
   </p:cSld>
   <p:clrMapOvr>
@@ -10316,7 +11707,25 @@
                 </a:solidFill>
                 <a:sym typeface="+mn-ea"/>
               </a:rPr>
-              <a:t>console.log(x+1);//</a:t>
+              <a:t>console.log(x+</a:t>
+            </a:r>
+            <a:r>
+              <a:rPr lang="en-US" sz="2000" dirty="0">
+                <a:solidFill>
+                  <a:schemeClr val="tx1"/>
+                </a:solidFill>
+                <a:sym typeface="+mn-ea"/>
+              </a:rPr>
+              <a:t>=</a:t>
+            </a:r>
+            <a:r>
+              <a:rPr sz="2000" dirty="0">
+                <a:solidFill>
+                  <a:schemeClr val="tx1"/>
+                </a:solidFill>
+                <a:sym typeface="+mn-ea"/>
+              </a:rPr>
+              <a:t>1);//</a:t>
             </a:r>
             <a:r>
               <a:rPr lang="en-US" sz="2000" dirty="0">
@@ -10512,7 +11921,7 @@
                             </p:stCondLst>
                             <p:childTnLst>
                               <p:par>
-                                <p:cTn id="5" presetID="2" presetClass="entr" presetSubtype="4" fill="hold" grpId="0" nodeType="clickEffect">
+                                <p:cTn id="5" presetID="2" presetClass="entr" presetSubtype="4" fill="hold" nodeType="clickEffect">
                                   <p:stCondLst>
                                     <p:cond delay="0"/>
                                   </p:stCondLst>
@@ -10520,6 +11929,212 @@
                                     <p:set>
                                       <p:cBhvr>
                                         <p:cTn id="6" dur="1" fill="hold">
+                                          <p:stCondLst>
+                                            <p:cond delay="0"/>
+                                          </p:stCondLst>
+                                        </p:cTn>
+                                        <p:tgtEl>
+                                          <p:spTgt spid="2">
+                                            <p:txEl>
+                                              <p:pRg st="0" end="0"/>
+                                            </p:txEl>
+                                          </p:spTgt>
+                                        </p:tgtEl>
+                                        <p:attrNameLst>
+                                          <p:attrName>style.visibility</p:attrName>
+                                        </p:attrNameLst>
+                                      </p:cBhvr>
+                                      <p:to>
+                                        <p:strVal val="visible"/>
+                                      </p:to>
+                                    </p:set>
+                                    <p:anim calcmode="lin" valueType="num">
+                                      <p:cBhvr additive="base">
+                                        <p:cTn id="7" dur="500" fill="hold"/>
+                                        <p:tgtEl>
+                                          <p:spTgt spid="2">
+                                            <p:txEl>
+                                              <p:pRg st="0" end="0"/>
+                                            </p:txEl>
+                                          </p:spTgt>
+                                        </p:tgtEl>
+                                        <p:attrNameLst>
+                                          <p:attrName>ppt_x</p:attrName>
+                                        </p:attrNameLst>
+                                      </p:cBhvr>
+                                      <p:tavLst>
+                                        <p:tav tm="0">
+                                          <p:val>
+                                            <p:strVal val="#ppt_x"/>
+                                          </p:val>
+                                        </p:tav>
+                                        <p:tav tm="100000">
+                                          <p:val>
+                                            <p:strVal val="#ppt_x"/>
+                                          </p:val>
+                                        </p:tav>
+                                      </p:tavLst>
+                                    </p:anim>
+                                    <p:anim calcmode="lin" valueType="num">
+                                      <p:cBhvr additive="base">
+                                        <p:cTn id="8" dur="500" fill="hold"/>
+                                        <p:tgtEl>
+                                          <p:spTgt spid="2">
+                                            <p:txEl>
+                                              <p:pRg st="0" end="0"/>
+                                            </p:txEl>
+                                          </p:spTgt>
+                                        </p:tgtEl>
+                                        <p:attrNameLst>
+                                          <p:attrName>ppt_y</p:attrName>
+                                        </p:attrNameLst>
+                                      </p:cBhvr>
+                                      <p:tavLst>
+                                        <p:tav tm="0">
+                                          <p:val>
+                                            <p:strVal val="1+#ppt_h/2"/>
+                                          </p:val>
+                                        </p:tav>
+                                        <p:tav tm="100000">
+                                          <p:val>
+                                            <p:strVal val="#ppt_y"/>
+                                          </p:val>
+                                        </p:tav>
+                                      </p:tavLst>
+                                    </p:anim>
+                                  </p:childTnLst>
+                                </p:cTn>
+                              </p:par>
+                            </p:childTnLst>
+                          </p:cTn>
+                        </p:par>
+                      </p:childTnLst>
+                    </p:cTn>
+                  </p:par>
+                  <p:par>
+                    <p:cTn id="9" fill="hold">
+                      <p:stCondLst>
+                        <p:cond delay="indefinite"/>
+                      </p:stCondLst>
+                      <p:childTnLst>
+                        <p:par>
+                          <p:cTn id="10" fill="hold">
+                            <p:stCondLst>
+                              <p:cond delay="0"/>
+                            </p:stCondLst>
+                            <p:childTnLst>
+                              <p:par>
+                                <p:cTn id="11" presetID="2" presetClass="entr" presetSubtype="4" fill="hold" nodeType="clickEffect">
+                                  <p:stCondLst>
+                                    <p:cond delay="0"/>
+                                  </p:stCondLst>
+                                  <p:childTnLst>
+                                    <p:set>
+                                      <p:cBhvr>
+                                        <p:cTn id="12" dur="1" fill="hold">
+                                          <p:stCondLst>
+                                            <p:cond delay="0"/>
+                                          </p:stCondLst>
+                                        </p:cTn>
+                                        <p:tgtEl>
+                                          <p:spTgt spid="2">
+                                            <p:txEl>
+                                              <p:pRg st="1" end="1"/>
+                                            </p:txEl>
+                                          </p:spTgt>
+                                        </p:tgtEl>
+                                        <p:attrNameLst>
+                                          <p:attrName>style.visibility</p:attrName>
+                                        </p:attrNameLst>
+                                      </p:cBhvr>
+                                      <p:to>
+                                        <p:strVal val="visible"/>
+                                      </p:to>
+                                    </p:set>
+                                    <p:anim calcmode="lin" valueType="num">
+                                      <p:cBhvr additive="base">
+                                        <p:cTn id="13" dur="500" fill="hold"/>
+                                        <p:tgtEl>
+                                          <p:spTgt spid="2">
+                                            <p:txEl>
+                                              <p:pRg st="1" end="1"/>
+                                            </p:txEl>
+                                          </p:spTgt>
+                                        </p:tgtEl>
+                                        <p:attrNameLst>
+                                          <p:attrName>ppt_x</p:attrName>
+                                        </p:attrNameLst>
+                                      </p:cBhvr>
+                                      <p:tavLst>
+                                        <p:tav tm="0">
+                                          <p:val>
+                                            <p:strVal val="#ppt_x"/>
+                                          </p:val>
+                                        </p:tav>
+                                        <p:tav tm="100000">
+                                          <p:val>
+                                            <p:strVal val="#ppt_x"/>
+                                          </p:val>
+                                        </p:tav>
+                                      </p:tavLst>
+                                    </p:anim>
+                                    <p:anim calcmode="lin" valueType="num">
+                                      <p:cBhvr additive="base">
+                                        <p:cTn id="14" dur="500" fill="hold"/>
+                                        <p:tgtEl>
+                                          <p:spTgt spid="2">
+                                            <p:txEl>
+                                              <p:pRg st="1" end="1"/>
+                                            </p:txEl>
+                                          </p:spTgt>
+                                        </p:tgtEl>
+                                        <p:attrNameLst>
+                                          <p:attrName>ppt_y</p:attrName>
+                                        </p:attrNameLst>
+                                      </p:cBhvr>
+                                      <p:tavLst>
+                                        <p:tav tm="0">
+                                          <p:val>
+                                            <p:strVal val="1+#ppt_h/2"/>
+                                          </p:val>
+                                        </p:tav>
+                                        <p:tav tm="100000">
+                                          <p:val>
+                                            <p:strVal val="#ppt_y"/>
+                                          </p:val>
+                                        </p:tav>
+                                      </p:tavLst>
+                                    </p:anim>
+                                  </p:childTnLst>
+                                </p:cTn>
+                              </p:par>
+                            </p:childTnLst>
+                          </p:cTn>
+                        </p:par>
+                      </p:childTnLst>
+                    </p:cTn>
+                  </p:par>
+                  <p:par>
+                    <p:cTn id="15" fill="hold">
+                      <p:stCondLst>
+                        <p:cond delay="indefinite"/>
+                      </p:stCondLst>
+                      <p:childTnLst>
+                        <p:par>
+                          <p:cTn id="16" fill="hold">
+                            <p:stCondLst>
+                              <p:cond delay="0"/>
+                            </p:stCondLst>
+                            <p:childTnLst>
+                              <p:par>
+                                <p:cTn id="17" presetID="2" presetClass="entr" presetSubtype="4" fill="hold" grpId="0" nodeType="clickEffect">
+                                  <p:stCondLst>
+                                    <p:cond delay="0"/>
+                                  </p:stCondLst>
+                                  <p:childTnLst>
+                                    <p:set>
+                                      <p:cBhvr>
+                                        <p:cTn id="18" dur="1" fill="hold">
                                           <p:stCondLst>
                                             <p:cond delay="0"/>
                                           </p:stCondLst>
@@ -10537,7 +12152,7 @@
                                     </p:set>
                                     <p:anim calcmode="lin" valueType="num">
                                       <p:cBhvr additive="base">
-                                        <p:cTn id="7" dur="500" fill="hold"/>
+                                        <p:cTn id="19" dur="500" fill="hold"/>
                                         <p:tgtEl>
                                           <p:spTgt spid="8"/>
                                         </p:tgtEl>
@@ -10560,7 +12175,7 @@
                                     </p:anim>
                                     <p:anim calcmode="lin" valueType="num">
                                       <p:cBhvr additive="base">
-                                        <p:cTn id="8" dur="500" fill="hold"/>
+                                        <p:cTn id="20" dur="500" fill="hold"/>
                                         <p:tgtEl>
                                           <p:spTgt spid="8"/>
                                         </p:tgtEl>
@@ -11475,25 +13090,7 @@
                 </a:solidFill>
                 <a:sym typeface="+mn-ea"/>
               </a:rPr>
-              <a:t>（</a:t>
-            </a:r>
-            <a:r>
-              <a:rPr lang="zh-CN" altLang="en-US" sz="2000" dirty="0">
-                <a:solidFill>
-                  <a:schemeClr val="tx1"/>
-                </a:solidFill>
-                <a:sym typeface="+mn-ea"/>
-              </a:rPr>
-              <a:t>如果类型不同，先转换再比较</a:t>
-            </a:r>
-            <a:r>
-              <a:rPr lang="zh-CN" altLang="en-US" sz="2000" dirty="0">
-                <a:solidFill>
-                  <a:schemeClr val="tx1"/>
-                </a:solidFill>
-                <a:sym typeface="+mn-ea"/>
-              </a:rPr>
-              <a:t>）</a:t>
+              <a:t>（如果类型不同，先转换再比较）</a:t>
             </a:r>
             <a:br>
               <a:rPr lang="en-US" altLang="zh-CN" sz="3200" dirty="0">
@@ -11809,9 +13406,569 @@
   <p:timing>
     <p:tnLst>
       <p:par>
-        <p:cTn id="1" dur="indefinite" restart="never" nodeType="tmRoot"/>
+        <p:cTn id="1" dur="indefinite" restart="never" nodeType="tmRoot">
+          <p:childTnLst>
+            <p:seq concurrent="1" nextAc="seek">
+              <p:cTn id="2" dur="indefinite" nodeType="mainSeq">
+                <p:childTnLst>
+                  <p:par>
+                    <p:cTn id="3" fill="hold">
+                      <p:stCondLst>
+                        <p:cond delay="indefinite"/>
+                      </p:stCondLst>
+                      <p:childTnLst>
+                        <p:par>
+                          <p:cTn id="4" fill="hold">
+                            <p:stCondLst>
+                              <p:cond delay="0"/>
+                            </p:stCondLst>
+                            <p:childTnLst>
+                              <p:par>
+                                <p:cTn id="5" presetID="2" presetClass="entr" presetSubtype="4" fill="hold" nodeType="clickEffect">
+                                  <p:stCondLst>
+                                    <p:cond delay="0"/>
+                                  </p:stCondLst>
+                                  <p:childTnLst>
+                                    <p:set>
+                                      <p:cBhvr>
+                                        <p:cTn id="6" dur="1" fill="hold">
+                                          <p:stCondLst>
+                                            <p:cond delay="0"/>
+                                          </p:stCondLst>
+                                        </p:cTn>
+                                        <p:tgtEl>
+                                          <p:spTgt spid="2">
+                                            <p:txEl>
+                                              <p:pRg st="0" end="0"/>
+                                            </p:txEl>
+                                          </p:spTgt>
+                                        </p:tgtEl>
+                                        <p:attrNameLst>
+                                          <p:attrName>style.visibility</p:attrName>
+                                        </p:attrNameLst>
+                                      </p:cBhvr>
+                                      <p:to>
+                                        <p:strVal val="visible"/>
+                                      </p:to>
+                                    </p:set>
+                                    <p:anim calcmode="lin" valueType="num">
+                                      <p:cBhvr additive="base">
+                                        <p:cTn id="7" dur="500" fill="hold"/>
+                                        <p:tgtEl>
+                                          <p:spTgt spid="2">
+                                            <p:txEl>
+                                              <p:pRg st="0" end="0"/>
+                                            </p:txEl>
+                                          </p:spTgt>
+                                        </p:tgtEl>
+                                        <p:attrNameLst>
+                                          <p:attrName>ppt_x</p:attrName>
+                                        </p:attrNameLst>
+                                      </p:cBhvr>
+                                      <p:tavLst>
+                                        <p:tav tm="0">
+                                          <p:val>
+                                            <p:strVal val="#ppt_x"/>
+                                          </p:val>
+                                        </p:tav>
+                                        <p:tav tm="100000">
+                                          <p:val>
+                                            <p:strVal val="#ppt_x"/>
+                                          </p:val>
+                                        </p:tav>
+                                      </p:tavLst>
+                                    </p:anim>
+                                    <p:anim calcmode="lin" valueType="num">
+                                      <p:cBhvr additive="base">
+                                        <p:cTn id="8" dur="500" fill="hold"/>
+                                        <p:tgtEl>
+                                          <p:spTgt spid="2">
+                                            <p:txEl>
+                                              <p:pRg st="0" end="0"/>
+                                            </p:txEl>
+                                          </p:spTgt>
+                                        </p:tgtEl>
+                                        <p:attrNameLst>
+                                          <p:attrName>ppt_y</p:attrName>
+                                        </p:attrNameLst>
+                                      </p:cBhvr>
+                                      <p:tavLst>
+                                        <p:tav tm="0">
+                                          <p:val>
+                                            <p:strVal val="1+#ppt_h/2"/>
+                                          </p:val>
+                                        </p:tav>
+                                        <p:tav tm="100000">
+                                          <p:val>
+                                            <p:strVal val="#ppt_y"/>
+                                          </p:val>
+                                        </p:tav>
+                                      </p:tavLst>
+                                    </p:anim>
+                                  </p:childTnLst>
+                                </p:cTn>
+                              </p:par>
+                            </p:childTnLst>
+                          </p:cTn>
+                        </p:par>
+                      </p:childTnLst>
+                    </p:cTn>
+                  </p:par>
+                  <p:par>
+                    <p:cTn id="9" fill="hold">
+                      <p:stCondLst>
+                        <p:cond delay="indefinite"/>
+                      </p:stCondLst>
+                      <p:childTnLst>
+                        <p:par>
+                          <p:cTn id="10" fill="hold">
+                            <p:stCondLst>
+                              <p:cond delay="0"/>
+                            </p:stCondLst>
+                            <p:childTnLst>
+                              <p:par>
+                                <p:cTn id="11" presetID="2" presetClass="entr" presetSubtype="4" fill="hold" nodeType="clickEffect">
+                                  <p:stCondLst>
+                                    <p:cond delay="0"/>
+                                  </p:stCondLst>
+                                  <p:childTnLst>
+                                    <p:set>
+                                      <p:cBhvr>
+                                        <p:cTn id="12" dur="1" fill="hold">
+                                          <p:stCondLst>
+                                            <p:cond delay="0"/>
+                                          </p:stCondLst>
+                                        </p:cTn>
+                                        <p:tgtEl>
+                                          <p:spTgt spid="7"/>
+                                        </p:tgtEl>
+                                        <p:attrNameLst>
+                                          <p:attrName>style.visibility</p:attrName>
+                                        </p:attrNameLst>
+                                      </p:cBhvr>
+                                      <p:to>
+                                        <p:strVal val="visible"/>
+                                      </p:to>
+                                    </p:set>
+                                    <p:anim calcmode="lin" valueType="num">
+                                      <p:cBhvr additive="base">
+                                        <p:cTn id="13" dur="500" fill="hold"/>
+                                        <p:tgtEl>
+                                          <p:spTgt spid="7"/>
+                                        </p:tgtEl>
+                                        <p:attrNameLst>
+                                          <p:attrName>ppt_x</p:attrName>
+                                        </p:attrNameLst>
+                                      </p:cBhvr>
+                                      <p:tavLst>
+                                        <p:tav tm="0">
+                                          <p:val>
+                                            <p:strVal val="#ppt_x"/>
+                                          </p:val>
+                                        </p:tav>
+                                        <p:tav tm="100000">
+                                          <p:val>
+                                            <p:strVal val="#ppt_x"/>
+                                          </p:val>
+                                        </p:tav>
+                                      </p:tavLst>
+                                    </p:anim>
+                                    <p:anim calcmode="lin" valueType="num">
+                                      <p:cBhvr additive="base">
+                                        <p:cTn id="14" dur="500" fill="hold"/>
+                                        <p:tgtEl>
+                                          <p:spTgt spid="7"/>
+                                        </p:tgtEl>
+                                        <p:attrNameLst>
+                                          <p:attrName>ppt_y</p:attrName>
+                                        </p:attrNameLst>
+                                      </p:cBhvr>
+                                      <p:tavLst>
+                                        <p:tav tm="0">
+                                          <p:val>
+                                            <p:strVal val="1+#ppt_h/2"/>
+                                          </p:val>
+                                        </p:tav>
+                                        <p:tav tm="100000">
+                                          <p:val>
+                                            <p:strVal val="#ppt_y"/>
+                                          </p:val>
+                                        </p:tav>
+                                      </p:tavLst>
+                                    </p:anim>
+                                  </p:childTnLst>
+                                </p:cTn>
+                              </p:par>
+                              <p:par>
+                                <p:cTn id="15" presetID="2" presetClass="entr" presetSubtype="4" fill="hold" nodeType="withEffect">
+                                  <p:stCondLst>
+                                    <p:cond delay="0"/>
+                                  </p:stCondLst>
+                                  <p:childTnLst>
+                                    <p:set>
+                                      <p:cBhvr>
+                                        <p:cTn id="16" dur="1" fill="hold">
+                                          <p:stCondLst>
+                                            <p:cond delay="0"/>
+                                          </p:stCondLst>
+                                        </p:cTn>
+                                        <p:tgtEl>
+                                          <p:spTgt spid="6"/>
+                                        </p:tgtEl>
+                                        <p:attrNameLst>
+                                          <p:attrName>style.visibility</p:attrName>
+                                        </p:attrNameLst>
+                                      </p:cBhvr>
+                                      <p:to>
+                                        <p:strVal val="visible"/>
+                                      </p:to>
+                                    </p:set>
+                                    <p:anim calcmode="lin" valueType="num">
+                                      <p:cBhvr additive="base">
+                                        <p:cTn id="17" dur="500" fill="hold"/>
+                                        <p:tgtEl>
+                                          <p:spTgt spid="6"/>
+                                        </p:tgtEl>
+                                        <p:attrNameLst>
+                                          <p:attrName>ppt_x</p:attrName>
+                                        </p:attrNameLst>
+                                      </p:cBhvr>
+                                      <p:tavLst>
+                                        <p:tav tm="0">
+                                          <p:val>
+                                            <p:strVal val="#ppt_x"/>
+                                          </p:val>
+                                        </p:tav>
+                                        <p:tav tm="100000">
+                                          <p:val>
+                                            <p:strVal val="#ppt_x"/>
+                                          </p:val>
+                                        </p:tav>
+                                      </p:tavLst>
+                                    </p:anim>
+                                    <p:anim calcmode="lin" valueType="num">
+                                      <p:cBhvr additive="base">
+                                        <p:cTn id="18" dur="500" fill="hold"/>
+                                        <p:tgtEl>
+                                          <p:spTgt spid="6"/>
+                                        </p:tgtEl>
+                                        <p:attrNameLst>
+                                          <p:attrName>ppt_y</p:attrName>
+                                        </p:attrNameLst>
+                                      </p:cBhvr>
+                                      <p:tavLst>
+                                        <p:tav tm="0">
+                                          <p:val>
+                                            <p:strVal val="1+#ppt_h/2"/>
+                                          </p:val>
+                                        </p:tav>
+                                        <p:tav tm="100000">
+                                          <p:val>
+                                            <p:strVal val="#ppt_y"/>
+                                          </p:val>
+                                        </p:tav>
+                                      </p:tavLst>
+                                    </p:anim>
+                                  </p:childTnLst>
+                                </p:cTn>
+                              </p:par>
+                              <p:par>
+                                <p:cTn id="19" presetID="2" presetClass="entr" presetSubtype="4" fill="hold" nodeType="withEffect">
+                                  <p:stCondLst>
+                                    <p:cond delay="0"/>
+                                  </p:stCondLst>
+                                  <p:childTnLst>
+                                    <p:set>
+                                      <p:cBhvr>
+                                        <p:cTn id="20" dur="1" fill="hold">
+                                          <p:stCondLst>
+                                            <p:cond delay="0"/>
+                                          </p:stCondLst>
+                                        </p:cTn>
+                                        <p:tgtEl>
+                                          <p:spTgt spid="5"/>
+                                        </p:tgtEl>
+                                        <p:attrNameLst>
+                                          <p:attrName>style.visibility</p:attrName>
+                                        </p:attrNameLst>
+                                      </p:cBhvr>
+                                      <p:to>
+                                        <p:strVal val="visible"/>
+                                      </p:to>
+                                    </p:set>
+                                    <p:anim calcmode="lin" valueType="num">
+                                      <p:cBhvr additive="base">
+                                        <p:cTn id="21" dur="500" fill="hold"/>
+                                        <p:tgtEl>
+                                          <p:spTgt spid="5"/>
+                                        </p:tgtEl>
+                                        <p:attrNameLst>
+                                          <p:attrName>ppt_x</p:attrName>
+                                        </p:attrNameLst>
+                                      </p:cBhvr>
+                                      <p:tavLst>
+                                        <p:tav tm="0">
+                                          <p:val>
+                                            <p:strVal val="#ppt_x"/>
+                                          </p:val>
+                                        </p:tav>
+                                        <p:tav tm="100000">
+                                          <p:val>
+                                            <p:strVal val="#ppt_x"/>
+                                          </p:val>
+                                        </p:tav>
+                                      </p:tavLst>
+                                    </p:anim>
+                                    <p:anim calcmode="lin" valueType="num">
+                                      <p:cBhvr additive="base">
+                                        <p:cTn id="22" dur="500" fill="hold"/>
+                                        <p:tgtEl>
+                                          <p:spTgt spid="5"/>
+                                        </p:tgtEl>
+                                        <p:attrNameLst>
+                                          <p:attrName>ppt_y</p:attrName>
+                                        </p:attrNameLst>
+                                      </p:cBhvr>
+                                      <p:tavLst>
+                                        <p:tav tm="0">
+                                          <p:val>
+                                            <p:strVal val="1+#ppt_h/2"/>
+                                          </p:val>
+                                        </p:tav>
+                                        <p:tav tm="100000">
+                                          <p:val>
+                                            <p:strVal val="#ppt_y"/>
+                                          </p:val>
+                                        </p:tav>
+                                      </p:tavLst>
+                                    </p:anim>
+                                  </p:childTnLst>
+                                </p:cTn>
+                              </p:par>
+                            </p:childTnLst>
+                          </p:cTn>
+                        </p:par>
+                      </p:childTnLst>
+                    </p:cTn>
+                  </p:par>
+                  <p:par>
+                    <p:cTn id="23" fill="hold">
+                      <p:stCondLst>
+                        <p:cond delay="indefinite"/>
+                      </p:stCondLst>
+                      <p:childTnLst>
+                        <p:par>
+                          <p:cTn id="24" fill="hold">
+                            <p:stCondLst>
+                              <p:cond delay="0"/>
+                            </p:stCondLst>
+                            <p:childTnLst>
+                              <p:par>
+                                <p:cTn id="25" presetID="2" presetClass="entr" presetSubtype="4" fill="hold" nodeType="clickEffect">
+                                  <p:stCondLst>
+                                    <p:cond delay="0"/>
+                                  </p:stCondLst>
+                                  <p:childTnLst>
+                                    <p:set>
+                                      <p:cBhvr>
+                                        <p:cTn id="26" dur="1" fill="hold">
+                                          <p:stCondLst>
+                                            <p:cond delay="0"/>
+                                          </p:stCondLst>
+                                        </p:cTn>
+                                        <p:tgtEl>
+                                          <p:spTgt spid="2">
+                                            <p:txEl>
+                                              <p:pRg st="4" end="4"/>
+                                            </p:txEl>
+                                          </p:spTgt>
+                                        </p:tgtEl>
+                                        <p:attrNameLst>
+                                          <p:attrName>style.visibility</p:attrName>
+                                        </p:attrNameLst>
+                                      </p:cBhvr>
+                                      <p:to>
+                                        <p:strVal val="visible"/>
+                                      </p:to>
+                                    </p:set>
+                                    <p:anim calcmode="lin" valueType="num">
+                                      <p:cBhvr additive="base">
+                                        <p:cTn id="27" dur="500" fill="hold"/>
+                                        <p:tgtEl>
+                                          <p:spTgt spid="2">
+                                            <p:txEl>
+                                              <p:pRg st="4" end="4"/>
+                                            </p:txEl>
+                                          </p:spTgt>
+                                        </p:tgtEl>
+                                        <p:attrNameLst>
+                                          <p:attrName>ppt_x</p:attrName>
+                                        </p:attrNameLst>
+                                      </p:cBhvr>
+                                      <p:tavLst>
+                                        <p:tav tm="0">
+                                          <p:val>
+                                            <p:strVal val="#ppt_x"/>
+                                          </p:val>
+                                        </p:tav>
+                                        <p:tav tm="100000">
+                                          <p:val>
+                                            <p:strVal val="#ppt_x"/>
+                                          </p:val>
+                                        </p:tav>
+                                      </p:tavLst>
+                                    </p:anim>
+                                    <p:anim calcmode="lin" valueType="num">
+                                      <p:cBhvr additive="base">
+                                        <p:cTn id="28" dur="500" fill="hold"/>
+                                        <p:tgtEl>
+                                          <p:spTgt spid="2">
+                                            <p:txEl>
+                                              <p:pRg st="4" end="4"/>
+                                            </p:txEl>
+                                          </p:spTgt>
+                                        </p:tgtEl>
+                                        <p:attrNameLst>
+                                          <p:attrName>ppt_y</p:attrName>
+                                        </p:attrNameLst>
+                                      </p:cBhvr>
+                                      <p:tavLst>
+                                        <p:tav tm="0">
+                                          <p:val>
+                                            <p:strVal val="1+#ppt_h/2"/>
+                                          </p:val>
+                                        </p:tav>
+                                        <p:tav tm="100000">
+                                          <p:val>
+                                            <p:strVal val="#ppt_y"/>
+                                          </p:val>
+                                        </p:tav>
+                                      </p:tavLst>
+                                    </p:anim>
+                                  </p:childTnLst>
+                                </p:cTn>
+                              </p:par>
+                            </p:childTnLst>
+                          </p:cTn>
+                        </p:par>
+                      </p:childTnLst>
+                    </p:cTn>
+                  </p:par>
+                  <p:par>
+                    <p:cTn id="29" fill="hold">
+                      <p:stCondLst>
+                        <p:cond delay="indefinite"/>
+                      </p:stCondLst>
+                      <p:childTnLst>
+                        <p:par>
+                          <p:cTn id="30" fill="hold">
+                            <p:stCondLst>
+                              <p:cond delay="0"/>
+                            </p:stCondLst>
+                            <p:childTnLst>
+                              <p:par>
+                                <p:cTn id="31" presetID="2" presetClass="entr" presetSubtype="4" fill="hold" grpId="0" nodeType="clickEffect">
+                                  <p:stCondLst>
+                                    <p:cond delay="0"/>
+                                  </p:stCondLst>
+                                  <p:childTnLst>
+                                    <p:set>
+                                      <p:cBhvr>
+                                        <p:cTn id="32" dur="1" fill="hold">
+                                          <p:stCondLst>
+                                            <p:cond delay="0"/>
+                                          </p:stCondLst>
+                                        </p:cTn>
+                                        <p:tgtEl>
+                                          <p:spTgt spid="8"/>
+                                        </p:tgtEl>
+                                        <p:attrNameLst>
+                                          <p:attrName>style.visibility</p:attrName>
+                                        </p:attrNameLst>
+                                      </p:cBhvr>
+                                      <p:to>
+                                        <p:strVal val="visible"/>
+                                      </p:to>
+                                    </p:set>
+                                    <p:anim calcmode="lin" valueType="num">
+                                      <p:cBhvr additive="base">
+                                        <p:cTn id="33" dur="500" fill="hold"/>
+                                        <p:tgtEl>
+                                          <p:spTgt spid="8"/>
+                                        </p:tgtEl>
+                                        <p:attrNameLst>
+                                          <p:attrName>ppt_x</p:attrName>
+                                        </p:attrNameLst>
+                                      </p:cBhvr>
+                                      <p:tavLst>
+                                        <p:tav tm="0">
+                                          <p:val>
+                                            <p:strVal val="#ppt_x"/>
+                                          </p:val>
+                                        </p:tav>
+                                        <p:tav tm="100000">
+                                          <p:val>
+                                            <p:strVal val="#ppt_x"/>
+                                          </p:val>
+                                        </p:tav>
+                                      </p:tavLst>
+                                    </p:anim>
+                                    <p:anim calcmode="lin" valueType="num">
+                                      <p:cBhvr additive="base">
+                                        <p:cTn id="34" dur="500" fill="hold"/>
+                                        <p:tgtEl>
+                                          <p:spTgt spid="8"/>
+                                        </p:tgtEl>
+                                        <p:attrNameLst>
+                                          <p:attrName>ppt_y</p:attrName>
+                                        </p:attrNameLst>
+                                      </p:cBhvr>
+                                      <p:tavLst>
+                                        <p:tav tm="0">
+                                          <p:val>
+                                            <p:strVal val="1+#ppt_h/2"/>
+                                          </p:val>
+                                        </p:tav>
+                                        <p:tav tm="100000">
+                                          <p:val>
+                                            <p:strVal val="#ppt_y"/>
+                                          </p:val>
+                                        </p:tav>
+                                      </p:tavLst>
+                                    </p:anim>
+                                  </p:childTnLst>
+                                </p:cTn>
+                              </p:par>
+                            </p:childTnLst>
+                          </p:cTn>
+                        </p:par>
+                      </p:childTnLst>
+                    </p:cTn>
+                  </p:par>
+                </p:childTnLst>
+              </p:cTn>
+              <p:prevCondLst>
+                <p:cond evt="onPrev" delay="0">
+                  <p:tgtEl>
+                    <p:sldTgt/>
+                  </p:tgtEl>
+                </p:cond>
+              </p:prevCondLst>
+              <p:nextCondLst>
+                <p:cond evt="onNext" delay="0">
+                  <p:tgtEl>
+                    <p:sldTgt/>
+                  </p:tgtEl>
+                </p:cond>
+              </p:nextCondLst>
+            </p:seq>
+          </p:childTnLst>
+        </p:cTn>
       </p:par>
     </p:tnLst>
+    <p:bldLst>
+      <p:bldP spid="8" grpId="0"/>
+    </p:bldLst>
   </p:timing>
 </p:sld>
 </file>
@@ -20851,7 +23008,7 @@
                 </a:solidFill>
                 <a:sym typeface="+mn-ea"/>
               </a:rPr>
-              <a:t>复习本章内容</a:t>
+              <a:t>复习本章课件及练习</a:t>
             </a:r>
             <a:endParaRPr lang="zh-CN" altLang="en-US" sz="3200">
               <a:solidFill>
@@ -20873,25 +23030,7 @@
                 </a:solidFill>
                 <a:sym typeface="+mn-ea"/>
               </a:rPr>
-              <a:t>预习</a:t>
-            </a:r>
-            <a:r>
-              <a:rPr lang="en-US" altLang="zh-CN" sz="3200">
-                <a:solidFill>
-                  <a:schemeClr val="tx1"/>
-                </a:solidFill>
-                <a:sym typeface="+mn-ea"/>
-              </a:rPr>
-              <a:t>JS</a:t>
-            </a:r>
-            <a:r>
-              <a:rPr lang="zh-CN" altLang="en-US" sz="3200">
-                <a:solidFill>
-                  <a:schemeClr val="tx1"/>
-                </a:solidFill>
-                <a:sym typeface="+mn-ea"/>
-              </a:rPr>
-              <a:t>函数</a:t>
+              <a:t>查看参考教程相关章节</a:t>
             </a:r>
             <a:endParaRPr lang="zh-CN" altLang="en-US" sz="3200">
               <a:solidFill>
@@ -20913,7 +23052,25 @@
                 </a:solidFill>
                 <a:sym typeface="+mn-ea"/>
               </a:rPr>
-              <a:t>补充链接</a:t>
+              <a:t>预习</a:t>
+            </a:r>
+            <a:r>
+              <a:rPr lang="en-US" altLang="zh-CN" sz="3200">
+                <a:solidFill>
+                  <a:schemeClr val="tx1"/>
+                </a:solidFill>
+                <a:sym typeface="+mn-ea"/>
+              </a:rPr>
+              <a:t>JS</a:t>
+            </a:r>
+            <a:r>
+              <a:rPr lang="zh-CN" altLang="en-US" sz="3200">
+                <a:solidFill>
+                  <a:schemeClr val="tx1"/>
+                </a:solidFill>
+                <a:sym typeface="+mn-ea"/>
+              </a:rPr>
+              <a:t>函数</a:t>
             </a:r>
             <a:br>
               <a:rPr lang="en-US" altLang="zh-CN" sz="3200">
@@ -21366,7 +23523,43 @@
                 </a:solidFill>
                 <a:sym typeface="+mn-ea"/>
               </a:rPr>
-              <a:t>表达式与语句</a:t>
+              <a:t>表达式（</a:t>
+            </a:r>
+            <a:r>
+              <a:rPr lang="en-US" altLang="zh-CN" sz="3200" dirty="0">
+                <a:solidFill>
+                  <a:schemeClr val="tx1"/>
+                </a:solidFill>
+                <a:sym typeface="+mn-ea"/>
+              </a:rPr>
+              <a:t>expression</a:t>
+            </a:r>
+            <a:r>
+              <a:rPr lang="zh-CN" altLang="en-US" sz="3200" dirty="0">
+                <a:solidFill>
+                  <a:schemeClr val="tx1"/>
+                </a:solidFill>
+                <a:sym typeface="+mn-ea"/>
+              </a:rPr>
+              <a:t>）与语句（</a:t>
+            </a:r>
+            <a:r>
+              <a:rPr lang="en-US" altLang="zh-CN" sz="3200" dirty="0">
+                <a:solidFill>
+                  <a:schemeClr val="tx1"/>
+                </a:solidFill>
+                <a:sym typeface="+mn-ea"/>
+              </a:rPr>
+              <a:t>statement</a:t>
+            </a:r>
+            <a:r>
+              <a:rPr lang="zh-CN" altLang="en-US" sz="3200" dirty="0">
+                <a:solidFill>
+                  <a:schemeClr val="tx1"/>
+                </a:solidFill>
+                <a:sym typeface="+mn-ea"/>
+              </a:rPr>
+              <a:t>）</a:t>
             </a:r>
             <a:br>
               <a:rPr lang="zh-CN" altLang="en-US" sz="3200" dirty="0">
@@ -21594,7 +23787,7 @@
         </p:nvSpPr>
         <p:spPr>
           <a:xfrm>
-            <a:off x="7375525" y="6060440"/>
+            <a:off x="6442710" y="6060440"/>
             <a:ext cx="4022090" cy="429895"/>
           </a:xfrm>
           <a:prstGeom prst="rect">
@@ -21674,7 +23867,7 @@
                             </p:stCondLst>
                             <p:childTnLst>
                               <p:par>
-                                <p:cTn id="5" presetID="2" presetClass="entr" presetSubtype="4" fill="hold" grpId="0" nodeType="clickEffect">
+                                <p:cTn id="5" presetID="2" presetClass="entr" presetSubtype="4" fill="hold" nodeType="clickEffect">
                                   <p:stCondLst>
                                     <p:cond delay="0"/>
                                   </p:stCondLst>
@@ -21682,6 +23875,315 @@
                                     <p:set>
                                       <p:cBhvr>
                                         <p:cTn id="6" dur="1" fill="hold">
+                                          <p:stCondLst>
+                                            <p:cond delay="0"/>
+                                          </p:stCondLst>
+                                        </p:cTn>
+                                        <p:tgtEl>
+                                          <p:spTgt spid="2">
+                                            <p:txEl>
+                                              <p:pRg st="0" end="0"/>
+                                            </p:txEl>
+                                          </p:spTgt>
+                                        </p:tgtEl>
+                                        <p:attrNameLst>
+                                          <p:attrName>style.visibility</p:attrName>
+                                        </p:attrNameLst>
+                                      </p:cBhvr>
+                                      <p:to>
+                                        <p:strVal val="visible"/>
+                                      </p:to>
+                                    </p:set>
+                                    <p:anim calcmode="lin" valueType="num">
+                                      <p:cBhvr additive="base">
+                                        <p:cTn id="7" dur="500" fill="hold"/>
+                                        <p:tgtEl>
+                                          <p:spTgt spid="2">
+                                            <p:txEl>
+                                              <p:pRg st="0" end="0"/>
+                                            </p:txEl>
+                                          </p:spTgt>
+                                        </p:tgtEl>
+                                        <p:attrNameLst>
+                                          <p:attrName>ppt_x</p:attrName>
+                                        </p:attrNameLst>
+                                      </p:cBhvr>
+                                      <p:tavLst>
+                                        <p:tav tm="0">
+                                          <p:val>
+                                            <p:strVal val="#ppt_x"/>
+                                          </p:val>
+                                        </p:tav>
+                                        <p:tav tm="100000">
+                                          <p:val>
+                                            <p:strVal val="#ppt_x"/>
+                                          </p:val>
+                                        </p:tav>
+                                      </p:tavLst>
+                                    </p:anim>
+                                    <p:anim calcmode="lin" valueType="num">
+                                      <p:cBhvr additive="base">
+                                        <p:cTn id="8" dur="500" fill="hold"/>
+                                        <p:tgtEl>
+                                          <p:spTgt spid="2">
+                                            <p:txEl>
+                                              <p:pRg st="0" end="0"/>
+                                            </p:txEl>
+                                          </p:spTgt>
+                                        </p:tgtEl>
+                                        <p:attrNameLst>
+                                          <p:attrName>ppt_y</p:attrName>
+                                        </p:attrNameLst>
+                                      </p:cBhvr>
+                                      <p:tavLst>
+                                        <p:tav tm="0">
+                                          <p:val>
+                                            <p:strVal val="1+#ppt_h/2"/>
+                                          </p:val>
+                                        </p:tav>
+                                        <p:tav tm="100000">
+                                          <p:val>
+                                            <p:strVal val="#ppt_y"/>
+                                          </p:val>
+                                        </p:tav>
+                                      </p:tavLst>
+                                    </p:anim>
+                                  </p:childTnLst>
+                                </p:cTn>
+                              </p:par>
+                            </p:childTnLst>
+                          </p:cTn>
+                        </p:par>
+                      </p:childTnLst>
+                    </p:cTn>
+                  </p:par>
+                  <p:par>
+                    <p:cTn id="9" fill="hold">
+                      <p:stCondLst>
+                        <p:cond delay="indefinite"/>
+                      </p:stCondLst>
+                      <p:childTnLst>
+                        <p:par>
+                          <p:cTn id="10" fill="hold">
+                            <p:stCondLst>
+                              <p:cond delay="0"/>
+                            </p:stCondLst>
+                            <p:childTnLst>
+                              <p:par>
+                                <p:cTn id="11" presetID="2" presetClass="entr" presetSubtype="4" fill="hold" nodeType="clickEffect">
+                                  <p:stCondLst>
+                                    <p:cond delay="0"/>
+                                  </p:stCondLst>
+                                  <p:childTnLst>
+                                    <p:set>
+                                      <p:cBhvr>
+                                        <p:cTn id="12" dur="1" fill="hold">
+                                          <p:stCondLst>
+                                            <p:cond delay="0"/>
+                                          </p:stCondLst>
+                                        </p:cTn>
+                                        <p:tgtEl>
+                                          <p:spTgt spid="2">
+                                            <p:txEl>
+                                              <p:pRg st="1" end="1"/>
+                                            </p:txEl>
+                                          </p:spTgt>
+                                        </p:tgtEl>
+                                        <p:attrNameLst>
+                                          <p:attrName>style.visibility</p:attrName>
+                                        </p:attrNameLst>
+                                      </p:cBhvr>
+                                      <p:to>
+                                        <p:strVal val="visible"/>
+                                      </p:to>
+                                    </p:set>
+                                    <p:anim calcmode="lin" valueType="num">
+                                      <p:cBhvr additive="base">
+                                        <p:cTn id="13" dur="500" fill="hold"/>
+                                        <p:tgtEl>
+                                          <p:spTgt spid="2">
+                                            <p:txEl>
+                                              <p:pRg st="1" end="1"/>
+                                            </p:txEl>
+                                          </p:spTgt>
+                                        </p:tgtEl>
+                                        <p:attrNameLst>
+                                          <p:attrName>ppt_x</p:attrName>
+                                        </p:attrNameLst>
+                                      </p:cBhvr>
+                                      <p:tavLst>
+                                        <p:tav tm="0">
+                                          <p:val>
+                                            <p:strVal val="#ppt_x"/>
+                                          </p:val>
+                                        </p:tav>
+                                        <p:tav tm="100000">
+                                          <p:val>
+                                            <p:strVal val="#ppt_x"/>
+                                          </p:val>
+                                        </p:tav>
+                                      </p:tavLst>
+                                    </p:anim>
+                                    <p:anim calcmode="lin" valueType="num">
+                                      <p:cBhvr additive="base">
+                                        <p:cTn id="14" dur="500" fill="hold"/>
+                                        <p:tgtEl>
+                                          <p:spTgt spid="2">
+                                            <p:txEl>
+                                              <p:pRg st="1" end="1"/>
+                                            </p:txEl>
+                                          </p:spTgt>
+                                        </p:tgtEl>
+                                        <p:attrNameLst>
+                                          <p:attrName>ppt_y</p:attrName>
+                                        </p:attrNameLst>
+                                      </p:cBhvr>
+                                      <p:tavLst>
+                                        <p:tav tm="0">
+                                          <p:val>
+                                            <p:strVal val="1+#ppt_h/2"/>
+                                          </p:val>
+                                        </p:tav>
+                                        <p:tav tm="100000">
+                                          <p:val>
+                                            <p:strVal val="#ppt_y"/>
+                                          </p:val>
+                                        </p:tav>
+                                      </p:tavLst>
+                                    </p:anim>
+                                  </p:childTnLst>
+                                </p:cTn>
+                              </p:par>
+                            </p:childTnLst>
+                          </p:cTn>
+                        </p:par>
+                      </p:childTnLst>
+                    </p:cTn>
+                  </p:par>
+                  <p:par>
+                    <p:cTn id="15" fill="hold">
+                      <p:stCondLst>
+                        <p:cond delay="indefinite"/>
+                      </p:stCondLst>
+                      <p:childTnLst>
+                        <p:par>
+                          <p:cTn id="16" fill="hold">
+                            <p:stCondLst>
+                              <p:cond delay="0"/>
+                            </p:stCondLst>
+                            <p:childTnLst>
+                              <p:par>
+                                <p:cTn id="17" presetID="2" presetClass="entr" presetSubtype="4" fill="hold" nodeType="clickEffect">
+                                  <p:stCondLst>
+                                    <p:cond delay="0"/>
+                                  </p:stCondLst>
+                                  <p:childTnLst>
+                                    <p:set>
+                                      <p:cBhvr>
+                                        <p:cTn id="18" dur="1" fill="hold">
+                                          <p:stCondLst>
+                                            <p:cond delay="0"/>
+                                          </p:stCondLst>
+                                        </p:cTn>
+                                        <p:tgtEl>
+                                          <p:spTgt spid="2">
+                                            <p:txEl>
+                                              <p:pRg st="2" end="2"/>
+                                            </p:txEl>
+                                          </p:spTgt>
+                                        </p:tgtEl>
+                                        <p:attrNameLst>
+                                          <p:attrName>style.visibility</p:attrName>
+                                        </p:attrNameLst>
+                                      </p:cBhvr>
+                                      <p:to>
+                                        <p:strVal val="visible"/>
+                                      </p:to>
+                                    </p:set>
+                                    <p:anim calcmode="lin" valueType="num">
+                                      <p:cBhvr additive="base">
+                                        <p:cTn id="19" dur="500" fill="hold"/>
+                                        <p:tgtEl>
+                                          <p:spTgt spid="2">
+                                            <p:txEl>
+                                              <p:pRg st="2" end="2"/>
+                                            </p:txEl>
+                                          </p:spTgt>
+                                        </p:tgtEl>
+                                        <p:attrNameLst>
+                                          <p:attrName>ppt_x</p:attrName>
+                                        </p:attrNameLst>
+                                      </p:cBhvr>
+                                      <p:tavLst>
+                                        <p:tav tm="0">
+                                          <p:val>
+                                            <p:strVal val="#ppt_x"/>
+                                          </p:val>
+                                        </p:tav>
+                                        <p:tav tm="100000">
+                                          <p:val>
+                                            <p:strVal val="#ppt_x"/>
+                                          </p:val>
+                                        </p:tav>
+                                      </p:tavLst>
+                                    </p:anim>
+                                    <p:anim calcmode="lin" valueType="num">
+                                      <p:cBhvr additive="base">
+                                        <p:cTn id="20" dur="500" fill="hold"/>
+                                        <p:tgtEl>
+                                          <p:spTgt spid="2">
+                                            <p:txEl>
+                                              <p:pRg st="2" end="2"/>
+                                            </p:txEl>
+                                          </p:spTgt>
+                                        </p:tgtEl>
+                                        <p:attrNameLst>
+                                          <p:attrName>ppt_y</p:attrName>
+                                        </p:attrNameLst>
+                                      </p:cBhvr>
+                                      <p:tavLst>
+                                        <p:tav tm="0">
+                                          <p:val>
+                                            <p:strVal val="1+#ppt_h/2"/>
+                                          </p:val>
+                                        </p:tav>
+                                        <p:tav tm="100000">
+                                          <p:val>
+                                            <p:strVal val="#ppt_y"/>
+                                          </p:val>
+                                        </p:tav>
+                                      </p:tavLst>
+                                    </p:anim>
+                                  </p:childTnLst>
+                                </p:cTn>
+                              </p:par>
+                            </p:childTnLst>
+                          </p:cTn>
+                        </p:par>
+                      </p:childTnLst>
+                    </p:cTn>
+                  </p:par>
+                  <p:par>
+                    <p:cTn id="21" fill="hold">
+                      <p:stCondLst>
+                        <p:cond delay="indefinite"/>
+                      </p:stCondLst>
+                      <p:childTnLst>
+                        <p:par>
+                          <p:cTn id="22" fill="hold">
+                            <p:stCondLst>
+                              <p:cond delay="0"/>
+                            </p:stCondLst>
+                            <p:childTnLst>
+                              <p:par>
+                                <p:cTn id="23" presetID="2" presetClass="entr" presetSubtype="4" fill="hold" grpId="0" nodeType="clickEffect">
+                                  <p:stCondLst>
+                                    <p:cond delay="0"/>
+                                  </p:stCondLst>
+                                  <p:childTnLst>
+                                    <p:set>
+                                      <p:cBhvr>
+                                        <p:cTn id="24" dur="1" fill="hold">
                                           <p:stCondLst>
                                             <p:cond delay="0"/>
                                           </p:stCondLst>
@@ -21699,7 +24201,7 @@
                                     </p:set>
                                     <p:anim calcmode="lin" valueType="num">
                                       <p:cBhvr additive="base">
-                                        <p:cTn id="7" dur="500" fill="hold"/>
+                                        <p:cTn id="25" dur="500" fill="hold"/>
                                         <p:tgtEl>
                                           <p:spTgt spid="4"/>
                                         </p:tgtEl>
@@ -21722,7 +24224,7 @@
                                     </p:anim>
                                     <p:anim calcmode="lin" valueType="num">
                                       <p:cBhvr additive="base">
-                                        <p:cTn id="8" dur="500" fill="hold"/>
+                                        <p:cTn id="26" dur="500" fill="hold"/>
                                         <p:tgtEl>
                                           <p:spTgt spid="4"/>
                                         </p:tgtEl>
@@ -22079,7 +24581,7 @@
             <a:r>
               <a:rPr lang="en-US" altLang="zh-CN" sz="3200" dirty="0">
                 <a:solidFill>
-                  <a:schemeClr val="tx1"/>
+                  <a:srgbClr val="FF0000"/>
                 </a:solidFill>
               </a:rPr>
               <a:t>ES5</a:t>
@@ -22087,10 +24589,18 @@
             <a:r>
               <a:rPr lang="zh-CN" altLang="en-US" sz="3200" dirty="0">
                 <a:solidFill>
-                  <a:schemeClr val="tx1"/>
-                </a:solidFill>
-              </a:rPr>
-              <a:t>中没有块作用域，所以带来了很多问题）</a:t>
+                  <a:srgbClr val="FF0000"/>
+                </a:solidFill>
+              </a:rPr>
+              <a:t>中没有块作用域</a:t>
+            </a:r>
+            <a:r>
+              <a:rPr lang="zh-CN" altLang="en-US" sz="3200" dirty="0">
+                <a:solidFill>
+                  <a:schemeClr val="tx1"/>
+                </a:solidFill>
+              </a:rPr>
+              <a:t>，所以带来了很多问题）</a:t>
             </a:r>
             <a:endParaRPr lang="zh-CN" altLang="en-US" sz="3200" dirty="0">
               <a:solidFill>
@@ -22264,7 +24774,7 @@
         </p:nvSpPr>
         <p:spPr>
           <a:xfrm>
-            <a:off x="6802120" y="2647950"/>
+            <a:off x="6443345" y="2576195"/>
             <a:ext cx="4348480" cy="429895"/>
           </a:xfrm>
           <a:prstGeom prst="rect">
@@ -22416,7 +24926,7 @@
                             </p:stCondLst>
                             <p:childTnLst>
                               <p:par>
-                                <p:cTn id="5" presetID="2" presetClass="entr" presetSubtype="4" fill="hold" grpId="0" nodeType="clickEffect">
+                                <p:cTn id="5" presetID="2" presetClass="entr" presetSubtype="4" fill="hold" nodeType="clickEffect">
                                   <p:stCondLst>
                                     <p:cond delay="0"/>
                                   </p:stCondLst>
@@ -22424,6 +24934,185 @@
                                     <p:set>
                                       <p:cBhvr>
                                         <p:cTn id="6" dur="1" fill="hold">
+                                          <p:stCondLst>
+                                            <p:cond delay="0"/>
+                                          </p:stCondLst>
+                                        </p:cTn>
+                                        <p:tgtEl>
+                                          <p:spTgt spid="2">
+                                            <p:txEl>
+                                              <p:pRg st="0" end="0"/>
+                                            </p:txEl>
+                                          </p:spTgt>
+                                        </p:tgtEl>
+                                        <p:attrNameLst>
+                                          <p:attrName>style.visibility</p:attrName>
+                                        </p:attrNameLst>
+                                      </p:cBhvr>
+                                      <p:to>
+                                        <p:strVal val="visible"/>
+                                      </p:to>
+                                    </p:set>
+                                    <p:anim calcmode="lin" valueType="num">
+                                      <p:cBhvr additive="base">
+                                        <p:cTn id="7" dur="500" fill="hold"/>
+                                        <p:tgtEl>
+                                          <p:spTgt spid="2">
+                                            <p:txEl>
+                                              <p:pRg st="0" end="0"/>
+                                            </p:txEl>
+                                          </p:spTgt>
+                                        </p:tgtEl>
+                                        <p:attrNameLst>
+                                          <p:attrName>ppt_x</p:attrName>
+                                        </p:attrNameLst>
+                                      </p:cBhvr>
+                                      <p:tavLst>
+                                        <p:tav tm="0">
+                                          <p:val>
+                                            <p:strVal val="#ppt_x"/>
+                                          </p:val>
+                                        </p:tav>
+                                        <p:tav tm="100000">
+                                          <p:val>
+                                            <p:strVal val="#ppt_x"/>
+                                          </p:val>
+                                        </p:tav>
+                                      </p:tavLst>
+                                    </p:anim>
+                                    <p:anim calcmode="lin" valueType="num">
+                                      <p:cBhvr additive="base">
+                                        <p:cTn id="8" dur="500" fill="hold"/>
+                                        <p:tgtEl>
+                                          <p:spTgt spid="2">
+                                            <p:txEl>
+                                              <p:pRg st="0" end="0"/>
+                                            </p:txEl>
+                                          </p:spTgt>
+                                        </p:tgtEl>
+                                        <p:attrNameLst>
+                                          <p:attrName>ppt_y</p:attrName>
+                                        </p:attrNameLst>
+                                      </p:cBhvr>
+                                      <p:tavLst>
+                                        <p:tav tm="0">
+                                          <p:val>
+                                            <p:strVal val="1+#ppt_h/2"/>
+                                          </p:val>
+                                        </p:tav>
+                                        <p:tav tm="100000">
+                                          <p:val>
+                                            <p:strVal val="#ppt_y"/>
+                                          </p:val>
+                                        </p:tav>
+                                      </p:tavLst>
+                                    </p:anim>
+                                  </p:childTnLst>
+                                </p:cTn>
+                              </p:par>
+                              <p:par>
+                                <p:cTn id="9" presetID="2" presetClass="entr" presetSubtype="4" fill="hold" nodeType="withEffect">
+                                  <p:stCondLst>
+                                    <p:cond delay="0"/>
+                                  </p:stCondLst>
+                                  <p:childTnLst>
+                                    <p:set>
+                                      <p:cBhvr>
+                                        <p:cTn id="10" dur="1" fill="hold">
+                                          <p:stCondLst>
+                                            <p:cond delay="0"/>
+                                          </p:stCondLst>
+                                        </p:cTn>
+                                        <p:tgtEl>
+                                          <p:spTgt spid="2">
+                                            <p:txEl>
+                                              <p:pRg st="1" end="1"/>
+                                            </p:txEl>
+                                          </p:spTgt>
+                                        </p:tgtEl>
+                                        <p:attrNameLst>
+                                          <p:attrName>style.visibility</p:attrName>
+                                        </p:attrNameLst>
+                                      </p:cBhvr>
+                                      <p:to>
+                                        <p:strVal val="visible"/>
+                                      </p:to>
+                                    </p:set>
+                                    <p:anim calcmode="lin" valueType="num">
+                                      <p:cBhvr additive="base">
+                                        <p:cTn id="11" dur="500" fill="hold"/>
+                                        <p:tgtEl>
+                                          <p:spTgt spid="2">
+                                            <p:txEl>
+                                              <p:pRg st="1" end="1"/>
+                                            </p:txEl>
+                                          </p:spTgt>
+                                        </p:tgtEl>
+                                        <p:attrNameLst>
+                                          <p:attrName>ppt_x</p:attrName>
+                                        </p:attrNameLst>
+                                      </p:cBhvr>
+                                      <p:tavLst>
+                                        <p:tav tm="0">
+                                          <p:val>
+                                            <p:strVal val="#ppt_x"/>
+                                          </p:val>
+                                        </p:tav>
+                                        <p:tav tm="100000">
+                                          <p:val>
+                                            <p:strVal val="#ppt_x"/>
+                                          </p:val>
+                                        </p:tav>
+                                      </p:tavLst>
+                                    </p:anim>
+                                    <p:anim calcmode="lin" valueType="num">
+                                      <p:cBhvr additive="base">
+                                        <p:cTn id="12" dur="500" fill="hold"/>
+                                        <p:tgtEl>
+                                          <p:spTgt spid="2">
+                                            <p:txEl>
+                                              <p:pRg st="1" end="1"/>
+                                            </p:txEl>
+                                          </p:spTgt>
+                                        </p:tgtEl>
+                                        <p:attrNameLst>
+                                          <p:attrName>ppt_y</p:attrName>
+                                        </p:attrNameLst>
+                                      </p:cBhvr>
+                                      <p:tavLst>
+                                        <p:tav tm="0">
+                                          <p:val>
+                                            <p:strVal val="1+#ppt_h/2"/>
+                                          </p:val>
+                                        </p:tav>
+                                        <p:tav tm="100000">
+                                          <p:val>
+                                            <p:strVal val="#ppt_y"/>
+                                          </p:val>
+                                        </p:tav>
+                                      </p:tavLst>
+                                    </p:anim>
+                                  </p:childTnLst>
+                                </p:cTn>
+                              </p:par>
+                            </p:childTnLst>
+                          </p:cTn>
+                        </p:par>
+                        <p:par>
+                          <p:cTn id="13" fill="hold">
+                            <p:stCondLst>
+                              <p:cond delay="500"/>
+                            </p:stCondLst>
+                            <p:childTnLst>
+                              <p:par>
+                                <p:cTn id="14" presetID="2" presetClass="entr" presetSubtype="4" fill="hold" grpId="0" nodeType="afterEffect">
+                                  <p:stCondLst>
+                                    <p:cond delay="0"/>
+                                  </p:stCondLst>
+                                  <p:childTnLst>
+                                    <p:set>
+                                      <p:cBhvr>
+                                        <p:cTn id="15" dur="1" fill="hold">
                                           <p:stCondLst>
                                             <p:cond delay="0"/>
                                           </p:stCondLst>
@@ -22441,7 +25130,7 @@
                                     </p:set>
                                     <p:anim calcmode="lin" valueType="num">
                                       <p:cBhvr additive="base">
-                                        <p:cTn id="7" dur="500" fill="hold"/>
+                                        <p:cTn id="16" dur="500" fill="hold"/>
                                         <p:tgtEl>
                                           <p:spTgt spid="8"/>
                                         </p:tgtEl>
@@ -22464,7 +25153,7 @@
                                     </p:anim>
                                     <p:anim calcmode="lin" valueType="num">
                                       <p:cBhvr additive="base">
-                                        <p:cTn id="8" dur="500" fill="hold"/>
+                                        <p:cTn id="17" dur="500" fill="hold"/>
                                         <p:tgtEl>
                                           <p:spTgt spid="8"/>
                                         </p:tgtEl>
@@ -22495,26 +25184,348 @@
                     </p:cTn>
                   </p:par>
                   <p:par>
-                    <p:cTn id="9" fill="hold">
+                    <p:cTn id="18" fill="hold">
                       <p:stCondLst>
                         <p:cond delay="indefinite"/>
                       </p:stCondLst>
                       <p:childTnLst>
                         <p:par>
-                          <p:cTn id="10" fill="hold">
+                          <p:cTn id="19" fill="hold">
                             <p:stCondLst>
                               <p:cond delay="0"/>
                             </p:stCondLst>
                             <p:childTnLst>
                               <p:par>
-                                <p:cTn id="11" presetID="2" presetClass="entr" presetSubtype="4" fill="hold" grpId="0" nodeType="clickEffect">
+                                <p:cTn id="20" presetID="2" presetClass="entr" presetSubtype="4" fill="hold" nodeType="clickEffect">
                                   <p:stCondLst>
                                     <p:cond delay="0"/>
                                   </p:stCondLst>
                                   <p:childTnLst>
                                     <p:set>
                                       <p:cBhvr>
-                                        <p:cTn id="12" dur="1" fill="hold">
+                                        <p:cTn id="21" dur="1" fill="hold">
+                                          <p:stCondLst>
+                                            <p:cond delay="0"/>
+                                          </p:stCondLst>
+                                        </p:cTn>
+                                        <p:tgtEl>
+                                          <p:spTgt spid="2">
+                                            <p:txEl>
+                                              <p:pRg st="2" end="2"/>
+                                            </p:txEl>
+                                          </p:spTgt>
+                                        </p:tgtEl>
+                                        <p:attrNameLst>
+                                          <p:attrName>style.visibility</p:attrName>
+                                        </p:attrNameLst>
+                                      </p:cBhvr>
+                                      <p:to>
+                                        <p:strVal val="visible"/>
+                                      </p:to>
+                                    </p:set>
+                                    <p:anim calcmode="lin" valueType="num">
+                                      <p:cBhvr additive="base">
+                                        <p:cTn id="22" dur="500" fill="hold"/>
+                                        <p:tgtEl>
+                                          <p:spTgt spid="2">
+                                            <p:txEl>
+                                              <p:pRg st="2" end="2"/>
+                                            </p:txEl>
+                                          </p:spTgt>
+                                        </p:tgtEl>
+                                        <p:attrNameLst>
+                                          <p:attrName>ppt_x</p:attrName>
+                                        </p:attrNameLst>
+                                      </p:cBhvr>
+                                      <p:tavLst>
+                                        <p:tav tm="0">
+                                          <p:val>
+                                            <p:strVal val="#ppt_x"/>
+                                          </p:val>
+                                        </p:tav>
+                                        <p:tav tm="100000">
+                                          <p:val>
+                                            <p:strVal val="#ppt_x"/>
+                                          </p:val>
+                                        </p:tav>
+                                      </p:tavLst>
+                                    </p:anim>
+                                    <p:anim calcmode="lin" valueType="num">
+                                      <p:cBhvr additive="base">
+                                        <p:cTn id="23" dur="500" fill="hold"/>
+                                        <p:tgtEl>
+                                          <p:spTgt spid="2">
+                                            <p:txEl>
+                                              <p:pRg st="2" end="2"/>
+                                            </p:txEl>
+                                          </p:spTgt>
+                                        </p:tgtEl>
+                                        <p:attrNameLst>
+                                          <p:attrName>ppt_y</p:attrName>
+                                        </p:attrNameLst>
+                                      </p:cBhvr>
+                                      <p:tavLst>
+                                        <p:tav tm="0">
+                                          <p:val>
+                                            <p:strVal val="1+#ppt_h/2"/>
+                                          </p:val>
+                                        </p:tav>
+                                        <p:tav tm="100000">
+                                          <p:val>
+                                            <p:strVal val="#ppt_y"/>
+                                          </p:val>
+                                        </p:tav>
+                                      </p:tavLst>
+                                    </p:anim>
+                                  </p:childTnLst>
+                                </p:cTn>
+                              </p:par>
+                            </p:childTnLst>
+                          </p:cTn>
+                        </p:par>
+                        <p:par>
+                          <p:cTn id="24" fill="hold">
+                            <p:stCondLst>
+                              <p:cond delay="500"/>
+                            </p:stCondLst>
+                            <p:childTnLst>
+                              <p:par>
+                                <p:cTn id="25" presetID="2" presetClass="entr" presetSubtype="4" fill="hold" nodeType="afterEffect">
+                                  <p:stCondLst>
+                                    <p:cond delay="0"/>
+                                  </p:stCondLst>
+                                  <p:childTnLst>
+                                    <p:set>
+                                      <p:cBhvr>
+                                        <p:cTn id="26" dur="1" fill="hold">
+                                          <p:stCondLst>
+                                            <p:cond delay="0"/>
+                                          </p:stCondLst>
+                                        </p:cTn>
+                                        <p:tgtEl>
+                                          <p:spTgt spid="4"/>
+                                        </p:tgtEl>
+                                        <p:attrNameLst>
+                                          <p:attrName>style.visibility</p:attrName>
+                                        </p:attrNameLst>
+                                      </p:cBhvr>
+                                      <p:to>
+                                        <p:strVal val="visible"/>
+                                      </p:to>
+                                    </p:set>
+                                    <p:anim calcmode="lin" valueType="num">
+                                      <p:cBhvr additive="base">
+                                        <p:cTn id="27" dur="500" fill="hold"/>
+                                        <p:tgtEl>
+                                          <p:spTgt spid="4"/>
+                                        </p:tgtEl>
+                                        <p:attrNameLst>
+                                          <p:attrName>ppt_x</p:attrName>
+                                        </p:attrNameLst>
+                                      </p:cBhvr>
+                                      <p:tavLst>
+                                        <p:tav tm="0">
+                                          <p:val>
+                                            <p:strVal val="#ppt_x"/>
+                                          </p:val>
+                                        </p:tav>
+                                        <p:tav tm="100000">
+                                          <p:val>
+                                            <p:strVal val="#ppt_x"/>
+                                          </p:val>
+                                        </p:tav>
+                                      </p:tavLst>
+                                    </p:anim>
+                                    <p:anim calcmode="lin" valueType="num">
+                                      <p:cBhvr additive="base">
+                                        <p:cTn id="28" dur="500" fill="hold"/>
+                                        <p:tgtEl>
+                                          <p:spTgt spid="4"/>
+                                        </p:tgtEl>
+                                        <p:attrNameLst>
+                                          <p:attrName>ppt_y</p:attrName>
+                                        </p:attrNameLst>
+                                      </p:cBhvr>
+                                      <p:tavLst>
+                                        <p:tav tm="0">
+                                          <p:val>
+                                            <p:strVal val="1+#ppt_h/2"/>
+                                          </p:val>
+                                        </p:tav>
+                                        <p:tav tm="100000">
+                                          <p:val>
+                                            <p:strVal val="#ppt_y"/>
+                                          </p:val>
+                                        </p:tav>
+                                      </p:tavLst>
+                                    </p:anim>
+                                  </p:childTnLst>
+                                </p:cTn>
+                              </p:par>
+                              <p:par>
+                                <p:cTn id="29" presetID="2" presetClass="entr" presetSubtype="4" fill="hold" nodeType="withEffect">
+                                  <p:stCondLst>
+                                    <p:cond delay="0"/>
+                                  </p:stCondLst>
+                                  <p:childTnLst>
+                                    <p:set>
+                                      <p:cBhvr>
+                                        <p:cTn id="30" dur="1" fill="hold">
+                                          <p:stCondLst>
+                                            <p:cond delay="0"/>
+                                          </p:stCondLst>
+                                        </p:cTn>
+                                        <p:tgtEl>
+                                          <p:spTgt spid="5"/>
+                                        </p:tgtEl>
+                                        <p:attrNameLst>
+                                          <p:attrName>style.visibility</p:attrName>
+                                        </p:attrNameLst>
+                                      </p:cBhvr>
+                                      <p:to>
+                                        <p:strVal val="visible"/>
+                                      </p:to>
+                                    </p:set>
+                                    <p:anim calcmode="lin" valueType="num">
+                                      <p:cBhvr additive="base">
+                                        <p:cTn id="31" dur="500" fill="hold"/>
+                                        <p:tgtEl>
+                                          <p:spTgt spid="5"/>
+                                        </p:tgtEl>
+                                        <p:attrNameLst>
+                                          <p:attrName>ppt_x</p:attrName>
+                                        </p:attrNameLst>
+                                      </p:cBhvr>
+                                      <p:tavLst>
+                                        <p:tav tm="0">
+                                          <p:val>
+                                            <p:strVal val="#ppt_x"/>
+                                          </p:val>
+                                        </p:tav>
+                                        <p:tav tm="100000">
+                                          <p:val>
+                                            <p:strVal val="#ppt_x"/>
+                                          </p:val>
+                                        </p:tav>
+                                      </p:tavLst>
+                                    </p:anim>
+                                    <p:anim calcmode="lin" valueType="num">
+                                      <p:cBhvr additive="base">
+                                        <p:cTn id="32" dur="500" fill="hold"/>
+                                        <p:tgtEl>
+                                          <p:spTgt spid="5"/>
+                                        </p:tgtEl>
+                                        <p:attrNameLst>
+                                          <p:attrName>ppt_y</p:attrName>
+                                        </p:attrNameLst>
+                                      </p:cBhvr>
+                                      <p:tavLst>
+                                        <p:tav tm="0">
+                                          <p:val>
+                                            <p:strVal val="1+#ppt_h/2"/>
+                                          </p:val>
+                                        </p:tav>
+                                        <p:tav tm="100000">
+                                          <p:val>
+                                            <p:strVal val="#ppt_y"/>
+                                          </p:val>
+                                        </p:tav>
+                                      </p:tavLst>
+                                    </p:anim>
+                                  </p:childTnLst>
+                                </p:cTn>
+                              </p:par>
+                              <p:par>
+                                <p:cTn id="33" presetID="2" presetClass="entr" presetSubtype="4" fill="hold" nodeType="withEffect">
+                                  <p:stCondLst>
+                                    <p:cond delay="0"/>
+                                  </p:stCondLst>
+                                  <p:childTnLst>
+                                    <p:set>
+                                      <p:cBhvr>
+                                        <p:cTn id="34" dur="1" fill="hold">
+                                          <p:stCondLst>
+                                            <p:cond delay="0"/>
+                                          </p:stCondLst>
+                                        </p:cTn>
+                                        <p:tgtEl>
+                                          <p:spTgt spid="6"/>
+                                        </p:tgtEl>
+                                        <p:attrNameLst>
+                                          <p:attrName>style.visibility</p:attrName>
+                                        </p:attrNameLst>
+                                      </p:cBhvr>
+                                      <p:to>
+                                        <p:strVal val="visible"/>
+                                      </p:to>
+                                    </p:set>
+                                    <p:anim calcmode="lin" valueType="num">
+                                      <p:cBhvr additive="base">
+                                        <p:cTn id="35" dur="500" fill="hold"/>
+                                        <p:tgtEl>
+                                          <p:spTgt spid="6"/>
+                                        </p:tgtEl>
+                                        <p:attrNameLst>
+                                          <p:attrName>ppt_x</p:attrName>
+                                        </p:attrNameLst>
+                                      </p:cBhvr>
+                                      <p:tavLst>
+                                        <p:tav tm="0">
+                                          <p:val>
+                                            <p:strVal val="#ppt_x"/>
+                                          </p:val>
+                                        </p:tav>
+                                        <p:tav tm="100000">
+                                          <p:val>
+                                            <p:strVal val="#ppt_x"/>
+                                          </p:val>
+                                        </p:tav>
+                                      </p:tavLst>
+                                    </p:anim>
+                                    <p:anim calcmode="lin" valueType="num">
+                                      <p:cBhvr additive="base">
+                                        <p:cTn id="36" dur="500" fill="hold"/>
+                                        <p:tgtEl>
+                                          <p:spTgt spid="6"/>
+                                        </p:tgtEl>
+                                        <p:attrNameLst>
+                                          <p:attrName>ppt_y</p:attrName>
+                                        </p:attrNameLst>
+                                      </p:cBhvr>
+                                      <p:tavLst>
+                                        <p:tav tm="0">
+                                          <p:val>
+                                            <p:strVal val="1+#ppt_h/2"/>
+                                          </p:val>
+                                        </p:tav>
+                                        <p:tav tm="100000">
+                                          <p:val>
+                                            <p:strVal val="#ppt_y"/>
+                                          </p:val>
+                                        </p:tav>
+                                      </p:tavLst>
+                                    </p:anim>
+                                  </p:childTnLst>
+                                </p:cTn>
+                              </p:par>
+                            </p:childTnLst>
+                          </p:cTn>
+                        </p:par>
+                        <p:par>
+                          <p:cTn id="37" fill="hold">
+                            <p:stCondLst>
+                              <p:cond delay="1000"/>
+                            </p:stCondLst>
+                            <p:childTnLst>
+                              <p:par>
+                                <p:cTn id="38" presetID="2" presetClass="entr" presetSubtype="4" fill="hold" grpId="0" nodeType="afterEffect">
+                                  <p:stCondLst>
+                                    <p:cond delay="0"/>
+                                  </p:stCondLst>
+                                  <p:childTnLst>
+                                    <p:set>
+                                      <p:cBhvr>
+                                        <p:cTn id="39" dur="1" fill="hold">
                                           <p:stCondLst>
                                             <p:cond delay="0"/>
                                           </p:stCondLst>
@@ -22532,7 +25543,7 @@
                                     </p:set>
                                     <p:anim calcmode="lin" valueType="num">
                                       <p:cBhvr additive="base">
-                                        <p:cTn id="13" dur="500" fill="hold"/>
+                                        <p:cTn id="40" dur="500" fill="hold"/>
                                         <p:tgtEl>
                                           <p:spTgt spid="9"/>
                                         </p:tgtEl>
@@ -22555,7 +25566,7 @@
                                     </p:anim>
                                     <p:anim calcmode="lin" valueType="num">
                                       <p:cBhvr additive="base">
-                                        <p:cTn id="14" dur="500" fill="hold"/>
+                                        <p:cTn id="41" dur="500" fill="hold"/>
                                         <p:tgtEl>
                                           <p:spTgt spid="9"/>
                                         </p:tgtEl>
@@ -23199,23 +26210,7 @@
                   <a:schemeClr val="tx1"/>
                 </a:solidFill>
               </a:rPr>
-              <a:t>中的运行模式（</a:t>
-            </a:r>
-            <a:r>
-              <a:rPr lang="en-US" altLang="zh-CN" sz="3200" dirty="0">
-                <a:solidFill>
-                  <a:schemeClr val="tx1"/>
-                </a:solidFill>
-              </a:rPr>
-              <a:t>Strict Mode</a:t>
-            </a:r>
-            <a:r>
-              <a:rPr lang="zh-CN" altLang="en-US" sz="3200" dirty="0">
-                <a:solidFill>
-                  <a:schemeClr val="tx1"/>
-                </a:solidFill>
-              </a:rPr>
-              <a:t>）</a:t>
+              <a:t>中的运行模式</a:t>
             </a:r>
             <a:br>
               <a:rPr lang="zh-CN" altLang="en-US" sz="3200" dirty="0">
@@ -23516,17 +26511,7 @@
                 <a:latin typeface="+mn-ea"/>
                 <a:ea typeface="+mn-ea"/>
               </a:rPr>
-              <a:t>使用</a:t>
-            </a:r>
-            <a:r>
-              <a:rPr lang="zh-CN" altLang="en-US" sz="2200">
-                <a:solidFill>
-                  <a:srgbClr val="FF0000"/>
-                </a:solidFill>
-                <a:latin typeface="+mn-ea"/>
-                <a:ea typeface="+mn-ea"/>
-              </a:rPr>
-              <a:t>严格模式的不同方式</a:t>
+              <a:t>使用严格模式的不同方式</a:t>
             </a:r>
             <a:endParaRPr lang="zh-CN" altLang="en-US" sz="2200">
               <a:solidFill>
@@ -23564,7 +26549,7 @@
                             </p:stCondLst>
                             <p:childTnLst>
                               <p:par>
-                                <p:cTn id="5" presetID="2" presetClass="entr" presetSubtype="4" fill="hold" grpId="0" nodeType="clickEffect">
+                                <p:cTn id="5" presetID="2" presetClass="entr" presetSubtype="4" fill="hold" nodeType="clickEffect">
                                   <p:stCondLst>
                                     <p:cond delay="0"/>
                                   </p:stCondLst>
@@ -23572,6 +26557,315 @@
                                     <p:set>
                                       <p:cBhvr>
                                         <p:cTn id="6" dur="1" fill="hold">
+                                          <p:stCondLst>
+                                            <p:cond delay="0"/>
+                                          </p:stCondLst>
+                                        </p:cTn>
+                                        <p:tgtEl>
+                                          <p:spTgt spid="2">
+                                            <p:txEl>
+                                              <p:pRg st="0" end="0"/>
+                                            </p:txEl>
+                                          </p:spTgt>
+                                        </p:tgtEl>
+                                        <p:attrNameLst>
+                                          <p:attrName>style.visibility</p:attrName>
+                                        </p:attrNameLst>
+                                      </p:cBhvr>
+                                      <p:to>
+                                        <p:strVal val="visible"/>
+                                      </p:to>
+                                    </p:set>
+                                    <p:anim calcmode="lin" valueType="num">
+                                      <p:cBhvr additive="base">
+                                        <p:cTn id="7" dur="500" fill="hold"/>
+                                        <p:tgtEl>
+                                          <p:spTgt spid="2">
+                                            <p:txEl>
+                                              <p:pRg st="0" end="0"/>
+                                            </p:txEl>
+                                          </p:spTgt>
+                                        </p:tgtEl>
+                                        <p:attrNameLst>
+                                          <p:attrName>ppt_x</p:attrName>
+                                        </p:attrNameLst>
+                                      </p:cBhvr>
+                                      <p:tavLst>
+                                        <p:tav tm="0">
+                                          <p:val>
+                                            <p:strVal val="#ppt_x"/>
+                                          </p:val>
+                                        </p:tav>
+                                        <p:tav tm="100000">
+                                          <p:val>
+                                            <p:strVal val="#ppt_x"/>
+                                          </p:val>
+                                        </p:tav>
+                                      </p:tavLst>
+                                    </p:anim>
+                                    <p:anim calcmode="lin" valueType="num">
+                                      <p:cBhvr additive="base">
+                                        <p:cTn id="8" dur="500" fill="hold"/>
+                                        <p:tgtEl>
+                                          <p:spTgt spid="2">
+                                            <p:txEl>
+                                              <p:pRg st="0" end="0"/>
+                                            </p:txEl>
+                                          </p:spTgt>
+                                        </p:tgtEl>
+                                        <p:attrNameLst>
+                                          <p:attrName>ppt_y</p:attrName>
+                                        </p:attrNameLst>
+                                      </p:cBhvr>
+                                      <p:tavLst>
+                                        <p:tav tm="0">
+                                          <p:val>
+                                            <p:strVal val="1+#ppt_h/2"/>
+                                          </p:val>
+                                        </p:tav>
+                                        <p:tav tm="100000">
+                                          <p:val>
+                                            <p:strVal val="#ppt_y"/>
+                                          </p:val>
+                                        </p:tav>
+                                      </p:tavLst>
+                                    </p:anim>
+                                  </p:childTnLst>
+                                </p:cTn>
+                              </p:par>
+                            </p:childTnLst>
+                          </p:cTn>
+                        </p:par>
+                      </p:childTnLst>
+                    </p:cTn>
+                  </p:par>
+                  <p:par>
+                    <p:cTn id="9" fill="hold">
+                      <p:stCondLst>
+                        <p:cond delay="indefinite"/>
+                      </p:stCondLst>
+                      <p:childTnLst>
+                        <p:par>
+                          <p:cTn id="10" fill="hold">
+                            <p:stCondLst>
+                              <p:cond delay="0"/>
+                            </p:stCondLst>
+                            <p:childTnLst>
+                              <p:par>
+                                <p:cTn id="11" presetID="2" presetClass="entr" presetSubtype="4" fill="hold" nodeType="clickEffect">
+                                  <p:stCondLst>
+                                    <p:cond delay="0"/>
+                                  </p:stCondLst>
+                                  <p:childTnLst>
+                                    <p:set>
+                                      <p:cBhvr>
+                                        <p:cTn id="12" dur="1" fill="hold">
+                                          <p:stCondLst>
+                                            <p:cond delay="0"/>
+                                          </p:stCondLst>
+                                        </p:cTn>
+                                        <p:tgtEl>
+                                          <p:spTgt spid="2">
+                                            <p:txEl>
+                                              <p:pRg st="1" end="1"/>
+                                            </p:txEl>
+                                          </p:spTgt>
+                                        </p:tgtEl>
+                                        <p:attrNameLst>
+                                          <p:attrName>style.visibility</p:attrName>
+                                        </p:attrNameLst>
+                                      </p:cBhvr>
+                                      <p:to>
+                                        <p:strVal val="visible"/>
+                                      </p:to>
+                                    </p:set>
+                                    <p:anim calcmode="lin" valueType="num">
+                                      <p:cBhvr additive="base">
+                                        <p:cTn id="13" dur="500" fill="hold"/>
+                                        <p:tgtEl>
+                                          <p:spTgt spid="2">
+                                            <p:txEl>
+                                              <p:pRg st="1" end="1"/>
+                                            </p:txEl>
+                                          </p:spTgt>
+                                        </p:tgtEl>
+                                        <p:attrNameLst>
+                                          <p:attrName>ppt_x</p:attrName>
+                                        </p:attrNameLst>
+                                      </p:cBhvr>
+                                      <p:tavLst>
+                                        <p:tav tm="0">
+                                          <p:val>
+                                            <p:strVal val="#ppt_x"/>
+                                          </p:val>
+                                        </p:tav>
+                                        <p:tav tm="100000">
+                                          <p:val>
+                                            <p:strVal val="#ppt_x"/>
+                                          </p:val>
+                                        </p:tav>
+                                      </p:tavLst>
+                                    </p:anim>
+                                    <p:anim calcmode="lin" valueType="num">
+                                      <p:cBhvr additive="base">
+                                        <p:cTn id="14" dur="500" fill="hold"/>
+                                        <p:tgtEl>
+                                          <p:spTgt spid="2">
+                                            <p:txEl>
+                                              <p:pRg st="1" end="1"/>
+                                            </p:txEl>
+                                          </p:spTgt>
+                                        </p:tgtEl>
+                                        <p:attrNameLst>
+                                          <p:attrName>ppt_y</p:attrName>
+                                        </p:attrNameLst>
+                                      </p:cBhvr>
+                                      <p:tavLst>
+                                        <p:tav tm="0">
+                                          <p:val>
+                                            <p:strVal val="1+#ppt_h/2"/>
+                                          </p:val>
+                                        </p:tav>
+                                        <p:tav tm="100000">
+                                          <p:val>
+                                            <p:strVal val="#ppt_y"/>
+                                          </p:val>
+                                        </p:tav>
+                                      </p:tavLst>
+                                    </p:anim>
+                                  </p:childTnLst>
+                                </p:cTn>
+                              </p:par>
+                            </p:childTnLst>
+                          </p:cTn>
+                        </p:par>
+                      </p:childTnLst>
+                    </p:cTn>
+                  </p:par>
+                  <p:par>
+                    <p:cTn id="15" fill="hold">
+                      <p:stCondLst>
+                        <p:cond delay="indefinite"/>
+                      </p:stCondLst>
+                      <p:childTnLst>
+                        <p:par>
+                          <p:cTn id="16" fill="hold">
+                            <p:stCondLst>
+                              <p:cond delay="0"/>
+                            </p:stCondLst>
+                            <p:childTnLst>
+                              <p:par>
+                                <p:cTn id="17" presetID="2" presetClass="entr" presetSubtype="4" fill="hold" nodeType="clickEffect">
+                                  <p:stCondLst>
+                                    <p:cond delay="0"/>
+                                  </p:stCondLst>
+                                  <p:childTnLst>
+                                    <p:set>
+                                      <p:cBhvr>
+                                        <p:cTn id="18" dur="1" fill="hold">
+                                          <p:stCondLst>
+                                            <p:cond delay="0"/>
+                                          </p:stCondLst>
+                                        </p:cTn>
+                                        <p:tgtEl>
+                                          <p:spTgt spid="2">
+                                            <p:txEl>
+                                              <p:pRg st="2" end="2"/>
+                                            </p:txEl>
+                                          </p:spTgt>
+                                        </p:tgtEl>
+                                        <p:attrNameLst>
+                                          <p:attrName>style.visibility</p:attrName>
+                                        </p:attrNameLst>
+                                      </p:cBhvr>
+                                      <p:to>
+                                        <p:strVal val="visible"/>
+                                      </p:to>
+                                    </p:set>
+                                    <p:anim calcmode="lin" valueType="num">
+                                      <p:cBhvr additive="base">
+                                        <p:cTn id="19" dur="500" fill="hold"/>
+                                        <p:tgtEl>
+                                          <p:spTgt spid="2">
+                                            <p:txEl>
+                                              <p:pRg st="2" end="2"/>
+                                            </p:txEl>
+                                          </p:spTgt>
+                                        </p:tgtEl>
+                                        <p:attrNameLst>
+                                          <p:attrName>ppt_x</p:attrName>
+                                        </p:attrNameLst>
+                                      </p:cBhvr>
+                                      <p:tavLst>
+                                        <p:tav tm="0">
+                                          <p:val>
+                                            <p:strVal val="#ppt_x"/>
+                                          </p:val>
+                                        </p:tav>
+                                        <p:tav tm="100000">
+                                          <p:val>
+                                            <p:strVal val="#ppt_x"/>
+                                          </p:val>
+                                        </p:tav>
+                                      </p:tavLst>
+                                    </p:anim>
+                                    <p:anim calcmode="lin" valueType="num">
+                                      <p:cBhvr additive="base">
+                                        <p:cTn id="20" dur="500" fill="hold"/>
+                                        <p:tgtEl>
+                                          <p:spTgt spid="2">
+                                            <p:txEl>
+                                              <p:pRg st="2" end="2"/>
+                                            </p:txEl>
+                                          </p:spTgt>
+                                        </p:tgtEl>
+                                        <p:attrNameLst>
+                                          <p:attrName>ppt_y</p:attrName>
+                                        </p:attrNameLst>
+                                      </p:cBhvr>
+                                      <p:tavLst>
+                                        <p:tav tm="0">
+                                          <p:val>
+                                            <p:strVal val="1+#ppt_h/2"/>
+                                          </p:val>
+                                        </p:tav>
+                                        <p:tav tm="100000">
+                                          <p:val>
+                                            <p:strVal val="#ppt_y"/>
+                                          </p:val>
+                                        </p:tav>
+                                      </p:tavLst>
+                                    </p:anim>
+                                  </p:childTnLst>
+                                </p:cTn>
+                              </p:par>
+                            </p:childTnLst>
+                          </p:cTn>
+                        </p:par>
+                      </p:childTnLst>
+                    </p:cTn>
+                  </p:par>
+                  <p:par>
+                    <p:cTn id="21" fill="hold">
+                      <p:stCondLst>
+                        <p:cond delay="indefinite"/>
+                      </p:stCondLst>
+                      <p:childTnLst>
+                        <p:par>
+                          <p:cTn id="22" fill="hold">
+                            <p:stCondLst>
+                              <p:cond delay="0"/>
+                            </p:stCondLst>
+                            <p:childTnLst>
+                              <p:par>
+                                <p:cTn id="23" presetID="2" presetClass="entr" presetSubtype="4" fill="hold" grpId="0" nodeType="clickEffect">
+                                  <p:stCondLst>
+                                    <p:cond delay="0"/>
+                                  </p:stCondLst>
+                                  <p:childTnLst>
+                                    <p:set>
+                                      <p:cBhvr>
+                                        <p:cTn id="24" dur="1" fill="hold">
                                           <p:stCondLst>
                                             <p:cond delay="0"/>
                                           </p:stCondLst>
@@ -23589,7 +26883,7 @@
                                     </p:set>
                                     <p:anim calcmode="lin" valueType="num">
                                       <p:cBhvr additive="base">
-                                        <p:cTn id="7" dur="500" fill="hold"/>
+                                        <p:cTn id="25" dur="500" fill="hold"/>
                                         <p:tgtEl>
                                           <p:spTgt spid="8"/>
                                         </p:tgtEl>
@@ -23612,7 +26906,7 @@
                                     </p:anim>
                                     <p:anim calcmode="lin" valueType="num">
                                       <p:cBhvr additive="base">
-                                        <p:cTn id="8" dur="500" fill="hold"/>
+                                        <p:cTn id="26" dur="500" fill="hold"/>
                                         <p:tgtEl>
                                           <p:spTgt spid="8"/>
                                         </p:tgtEl>
@@ -24531,7 +27825,7 @@
                             </p:stCondLst>
                             <p:childTnLst>
                               <p:par>
-                                <p:cTn id="5" presetID="2" presetClass="entr" presetSubtype="4" fill="hold" grpId="0" nodeType="clickEffect">
+                                <p:cTn id="5" presetID="2" presetClass="entr" presetSubtype="4" fill="hold" nodeType="clickEffect">
                                   <p:stCondLst>
                                     <p:cond delay="0"/>
                                   </p:stCondLst>
@@ -24539,6 +27833,376 @@
                                     <p:set>
                                       <p:cBhvr>
                                         <p:cTn id="6" dur="1" fill="hold">
+                                          <p:stCondLst>
+                                            <p:cond delay="0"/>
+                                          </p:stCondLst>
+                                        </p:cTn>
+                                        <p:tgtEl>
+                                          <p:spTgt spid="30722">
+                                            <p:txEl>
+                                              <p:pRg st="0" end="0"/>
+                                            </p:txEl>
+                                          </p:spTgt>
+                                        </p:tgtEl>
+                                        <p:attrNameLst>
+                                          <p:attrName>style.visibility</p:attrName>
+                                        </p:attrNameLst>
+                                      </p:cBhvr>
+                                      <p:to>
+                                        <p:strVal val="visible"/>
+                                      </p:to>
+                                    </p:set>
+                                    <p:anim calcmode="lin" valueType="num">
+                                      <p:cBhvr additive="base">
+                                        <p:cTn id="7" dur="500" fill="hold"/>
+                                        <p:tgtEl>
+                                          <p:spTgt spid="30722">
+                                            <p:txEl>
+                                              <p:pRg st="0" end="0"/>
+                                            </p:txEl>
+                                          </p:spTgt>
+                                        </p:tgtEl>
+                                        <p:attrNameLst>
+                                          <p:attrName>ppt_x</p:attrName>
+                                        </p:attrNameLst>
+                                      </p:cBhvr>
+                                      <p:tavLst>
+                                        <p:tav tm="0">
+                                          <p:val>
+                                            <p:strVal val="#ppt_x"/>
+                                          </p:val>
+                                        </p:tav>
+                                        <p:tav tm="100000">
+                                          <p:val>
+                                            <p:strVal val="#ppt_x"/>
+                                          </p:val>
+                                        </p:tav>
+                                      </p:tavLst>
+                                    </p:anim>
+                                    <p:anim calcmode="lin" valueType="num">
+                                      <p:cBhvr additive="base">
+                                        <p:cTn id="8" dur="500" fill="hold"/>
+                                        <p:tgtEl>
+                                          <p:spTgt spid="30722">
+                                            <p:txEl>
+                                              <p:pRg st="0" end="0"/>
+                                            </p:txEl>
+                                          </p:spTgt>
+                                        </p:tgtEl>
+                                        <p:attrNameLst>
+                                          <p:attrName>ppt_y</p:attrName>
+                                        </p:attrNameLst>
+                                      </p:cBhvr>
+                                      <p:tavLst>
+                                        <p:tav tm="0">
+                                          <p:val>
+                                            <p:strVal val="1+#ppt_h/2"/>
+                                          </p:val>
+                                        </p:tav>
+                                        <p:tav tm="100000">
+                                          <p:val>
+                                            <p:strVal val="#ppt_y"/>
+                                          </p:val>
+                                        </p:tav>
+                                      </p:tavLst>
+                                    </p:anim>
+                                  </p:childTnLst>
+                                </p:cTn>
+                              </p:par>
+                            </p:childTnLst>
+                          </p:cTn>
+                        </p:par>
+                        <p:par>
+                          <p:cTn id="9" fill="hold">
+                            <p:stCondLst>
+                              <p:cond delay="500"/>
+                            </p:stCondLst>
+                            <p:childTnLst>
+                              <p:par>
+                                <p:cTn id="10" presetID="2" presetClass="entr" presetSubtype="4" fill="hold" nodeType="afterEffect">
+                                  <p:stCondLst>
+                                    <p:cond delay="0"/>
+                                  </p:stCondLst>
+                                  <p:childTnLst>
+                                    <p:set>
+                                      <p:cBhvr>
+                                        <p:cTn id="11" dur="1" fill="hold">
+                                          <p:stCondLst>
+                                            <p:cond delay="0"/>
+                                          </p:stCondLst>
+                                        </p:cTn>
+                                        <p:tgtEl>
+                                          <p:spTgt spid="6"/>
+                                        </p:tgtEl>
+                                        <p:attrNameLst>
+                                          <p:attrName>style.visibility</p:attrName>
+                                        </p:attrNameLst>
+                                      </p:cBhvr>
+                                      <p:to>
+                                        <p:strVal val="visible"/>
+                                      </p:to>
+                                    </p:set>
+                                    <p:anim calcmode="lin" valueType="num">
+                                      <p:cBhvr additive="base">
+                                        <p:cTn id="12" dur="500" fill="hold"/>
+                                        <p:tgtEl>
+                                          <p:spTgt spid="6"/>
+                                        </p:tgtEl>
+                                        <p:attrNameLst>
+                                          <p:attrName>ppt_x</p:attrName>
+                                        </p:attrNameLst>
+                                      </p:cBhvr>
+                                      <p:tavLst>
+                                        <p:tav tm="0">
+                                          <p:val>
+                                            <p:strVal val="#ppt_x"/>
+                                          </p:val>
+                                        </p:tav>
+                                        <p:tav tm="100000">
+                                          <p:val>
+                                            <p:strVal val="#ppt_x"/>
+                                          </p:val>
+                                        </p:tav>
+                                      </p:tavLst>
+                                    </p:anim>
+                                    <p:anim calcmode="lin" valueType="num">
+                                      <p:cBhvr additive="base">
+                                        <p:cTn id="13" dur="500" fill="hold"/>
+                                        <p:tgtEl>
+                                          <p:spTgt spid="6"/>
+                                        </p:tgtEl>
+                                        <p:attrNameLst>
+                                          <p:attrName>ppt_y</p:attrName>
+                                        </p:attrNameLst>
+                                      </p:cBhvr>
+                                      <p:tavLst>
+                                        <p:tav tm="0">
+                                          <p:val>
+                                            <p:strVal val="1+#ppt_h/2"/>
+                                          </p:val>
+                                        </p:tav>
+                                        <p:tav tm="100000">
+                                          <p:val>
+                                            <p:strVal val="#ppt_y"/>
+                                          </p:val>
+                                        </p:tav>
+                                      </p:tavLst>
+                                    </p:anim>
+                                  </p:childTnLst>
+                                </p:cTn>
+                              </p:par>
+                            </p:childTnLst>
+                          </p:cTn>
+                        </p:par>
+                      </p:childTnLst>
+                    </p:cTn>
+                  </p:par>
+                  <p:par>
+                    <p:cTn id="14" fill="hold">
+                      <p:stCondLst>
+                        <p:cond delay="indefinite"/>
+                      </p:stCondLst>
+                      <p:childTnLst>
+                        <p:par>
+                          <p:cTn id="15" fill="hold">
+                            <p:stCondLst>
+                              <p:cond delay="0"/>
+                            </p:stCondLst>
+                            <p:childTnLst>
+                              <p:par>
+                                <p:cTn id="16" presetID="2" presetClass="entr" presetSubtype="4" fill="hold" nodeType="clickEffect">
+                                  <p:stCondLst>
+                                    <p:cond delay="0"/>
+                                  </p:stCondLst>
+                                  <p:childTnLst>
+                                    <p:set>
+                                      <p:cBhvr>
+                                        <p:cTn id="17" dur="1" fill="hold">
+                                          <p:stCondLst>
+                                            <p:cond delay="0"/>
+                                          </p:stCondLst>
+                                        </p:cTn>
+                                        <p:tgtEl>
+                                          <p:spTgt spid="30722">
+                                            <p:txEl>
+                                              <p:pRg st="4" end="4"/>
+                                            </p:txEl>
+                                          </p:spTgt>
+                                        </p:tgtEl>
+                                        <p:attrNameLst>
+                                          <p:attrName>style.visibility</p:attrName>
+                                        </p:attrNameLst>
+                                      </p:cBhvr>
+                                      <p:to>
+                                        <p:strVal val="visible"/>
+                                      </p:to>
+                                    </p:set>
+                                    <p:anim calcmode="lin" valueType="num">
+                                      <p:cBhvr additive="base">
+                                        <p:cTn id="18" dur="500" fill="hold"/>
+                                        <p:tgtEl>
+                                          <p:spTgt spid="30722">
+                                            <p:txEl>
+                                              <p:pRg st="4" end="4"/>
+                                            </p:txEl>
+                                          </p:spTgt>
+                                        </p:tgtEl>
+                                        <p:attrNameLst>
+                                          <p:attrName>ppt_x</p:attrName>
+                                        </p:attrNameLst>
+                                      </p:cBhvr>
+                                      <p:tavLst>
+                                        <p:tav tm="0">
+                                          <p:val>
+                                            <p:strVal val="#ppt_x"/>
+                                          </p:val>
+                                        </p:tav>
+                                        <p:tav tm="100000">
+                                          <p:val>
+                                            <p:strVal val="#ppt_x"/>
+                                          </p:val>
+                                        </p:tav>
+                                      </p:tavLst>
+                                    </p:anim>
+                                    <p:anim calcmode="lin" valueType="num">
+                                      <p:cBhvr additive="base">
+                                        <p:cTn id="19" dur="500" fill="hold"/>
+                                        <p:tgtEl>
+                                          <p:spTgt spid="30722">
+                                            <p:txEl>
+                                              <p:pRg st="4" end="4"/>
+                                            </p:txEl>
+                                          </p:spTgt>
+                                        </p:tgtEl>
+                                        <p:attrNameLst>
+                                          <p:attrName>ppt_y</p:attrName>
+                                        </p:attrNameLst>
+                                      </p:cBhvr>
+                                      <p:tavLst>
+                                        <p:tav tm="0">
+                                          <p:val>
+                                            <p:strVal val="1+#ppt_h/2"/>
+                                          </p:val>
+                                        </p:tav>
+                                        <p:tav tm="100000">
+                                          <p:val>
+                                            <p:strVal val="#ppt_y"/>
+                                          </p:val>
+                                        </p:tav>
+                                      </p:tavLst>
+                                    </p:anim>
+                                  </p:childTnLst>
+                                </p:cTn>
+                              </p:par>
+                            </p:childTnLst>
+                          </p:cTn>
+                        </p:par>
+                        <p:par>
+                          <p:cTn id="20" fill="hold">
+                            <p:stCondLst>
+                              <p:cond delay="500"/>
+                            </p:stCondLst>
+                            <p:childTnLst>
+                              <p:par>
+                                <p:cTn id="21" presetID="2" presetClass="entr" presetSubtype="4" fill="hold" nodeType="afterEffect">
+                                  <p:stCondLst>
+                                    <p:cond delay="0"/>
+                                  </p:stCondLst>
+                                  <p:childTnLst>
+                                    <p:set>
+                                      <p:cBhvr>
+                                        <p:cTn id="22" dur="1" fill="hold">
+                                          <p:stCondLst>
+                                            <p:cond delay="0"/>
+                                          </p:stCondLst>
+                                        </p:cTn>
+                                        <p:tgtEl>
+                                          <p:spTgt spid="7"/>
+                                        </p:tgtEl>
+                                        <p:attrNameLst>
+                                          <p:attrName>style.visibility</p:attrName>
+                                        </p:attrNameLst>
+                                      </p:cBhvr>
+                                      <p:to>
+                                        <p:strVal val="visible"/>
+                                      </p:to>
+                                    </p:set>
+                                    <p:anim calcmode="lin" valueType="num">
+                                      <p:cBhvr additive="base">
+                                        <p:cTn id="23" dur="500" fill="hold"/>
+                                        <p:tgtEl>
+                                          <p:spTgt spid="7"/>
+                                        </p:tgtEl>
+                                        <p:attrNameLst>
+                                          <p:attrName>ppt_x</p:attrName>
+                                        </p:attrNameLst>
+                                      </p:cBhvr>
+                                      <p:tavLst>
+                                        <p:tav tm="0">
+                                          <p:val>
+                                            <p:strVal val="#ppt_x"/>
+                                          </p:val>
+                                        </p:tav>
+                                        <p:tav tm="100000">
+                                          <p:val>
+                                            <p:strVal val="#ppt_x"/>
+                                          </p:val>
+                                        </p:tav>
+                                      </p:tavLst>
+                                    </p:anim>
+                                    <p:anim calcmode="lin" valueType="num">
+                                      <p:cBhvr additive="base">
+                                        <p:cTn id="24" dur="500" fill="hold"/>
+                                        <p:tgtEl>
+                                          <p:spTgt spid="7"/>
+                                        </p:tgtEl>
+                                        <p:attrNameLst>
+                                          <p:attrName>ppt_y</p:attrName>
+                                        </p:attrNameLst>
+                                      </p:cBhvr>
+                                      <p:tavLst>
+                                        <p:tav tm="0">
+                                          <p:val>
+                                            <p:strVal val="1+#ppt_h/2"/>
+                                          </p:val>
+                                        </p:tav>
+                                        <p:tav tm="100000">
+                                          <p:val>
+                                            <p:strVal val="#ppt_y"/>
+                                          </p:val>
+                                        </p:tav>
+                                      </p:tavLst>
+                                    </p:anim>
+                                  </p:childTnLst>
+                                </p:cTn>
+                              </p:par>
+                            </p:childTnLst>
+                          </p:cTn>
+                        </p:par>
+                      </p:childTnLst>
+                    </p:cTn>
+                  </p:par>
+                  <p:par>
+                    <p:cTn id="25" fill="hold">
+                      <p:stCondLst>
+                        <p:cond delay="indefinite"/>
+                      </p:stCondLst>
+                      <p:childTnLst>
+                        <p:par>
+                          <p:cTn id="26" fill="hold">
+                            <p:stCondLst>
+                              <p:cond delay="0"/>
+                            </p:stCondLst>
+                            <p:childTnLst>
+                              <p:par>
+                                <p:cTn id="27" presetID="2" presetClass="entr" presetSubtype="4" fill="hold" grpId="0" nodeType="clickEffect">
+                                  <p:stCondLst>
+                                    <p:cond delay="0"/>
+                                  </p:stCondLst>
+                                  <p:childTnLst>
+                                    <p:set>
+                                      <p:cBhvr>
+                                        <p:cTn id="28" dur="1" fill="hold">
                                           <p:stCondLst>
                                             <p:cond delay="0"/>
                                           </p:stCondLst>
@@ -24556,7 +28220,7 @@
                                     </p:set>
                                     <p:anim calcmode="lin" valueType="num">
                                       <p:cBhvr additive="base">
-                                        <p:cTn id="7" dur="500" fill="hold"/>
+                                        <p:cTn id="29" dur="500" fill="hold"/>
                                         <p:tgtEl>
                                           <p:spTgt spid="8"/>
                                         </p:tgtEl>
@@ -24579,7 +28243,7 @@
                                     </p:anim>
                                     <p:anim calcmode="lin" valueType="num">
                                       <p:cBhvr additive="base">
-                                        <p:cTn id="8" dur="500" fill="hold"/>
+                                        <p:cTn id="30" dur="500" fill="hold"/>
                                         <p:tgtEl>
                                           <p:spTgt spid="8"/>
                                         </p:tgtEl>
